--- a/JCP/figs/domain_schematics/domain.pptx
+++ b/JCP/figs/domain_schematics/domain.pptx
@@ -2,12 +2,13 @@
 <file path=ppt/presentation.xml><?xml version="1.0" encoding="utf-8"?>
 <p:presentation xmlns:a="http://schemas.openxmlformats.org/drawingml/2006/main" xmlns:r="http://schemas.openxmlformats.org/officeDocument/2006/relationships" xmlns:p="http://schemas.openxmlformats.org/presentationml/2006/main" saveSubsetFonts="1">
   <p:sldMasterIdLst>
-    <p:sldMasterId id="2147483744" r:id="rId1"/>
+    <p:sldMasterId id="2147483780" r:id="rId1"/>
   </p:sldMasterIdLst>
   <p:sldIdLst>
     <p:sldId id="257" r:id="rId2"/>
+    <p:sldId id="258" r:id="rId3"/>
   </p:sldIdLst>
-  <p:sldSz cx="7315200" cy="6400800"/>
+  <p:sldSz cx="8229600" cy="6858000"/>
   <p:notesSz cx="6858000" cy="9144000"/>
   <p:defaultTextStyle>
     <a:defPPr>
@@ -141,15 +142,15 @@
         </p:nvSpPr>
         <p:spPr>
           <a:xfrm>
-            <a:off x="548640" y="1047539"/>
-            <a:ext cx="6217920" cy="2228427"/>
+            <a:off x="617220" y="1122363"/>
+            <a:ext cx="6995160" cy="2387600"/>
           </a:xfrm>
         </p:spPr>
         <p:txBody>
           <a:bodyPr anchor="b"/>
           <a:lstStyle>
             <a:lvl1pPr algn="ctr">
-              <a:defRPr sz="4800"/>
+              <a:defRPr sz="5400"/>
             </a:lvl1pPr>
           </a:lstStyle>
           <a:p>
@@ -173,8 +174,8 @@
         </p:nvSpPr>
         <p:spPr>
           <a:xfrm>
-            <a:off x="914400" y="3361902"/>
-            <a:ext cx="5486400" cy="1545378"/>
+            <a:off x="1028700" y="3602038"/>
+            <a:ext cx="6172200" cy="1655762"/>
           </a:xfrm>
         </p:spPr>
         <p:txBody>
@@ -182,39 +183,39 @@
           <a:lstStyle>
             <a:lvl1pPr marL="0" indent="0" algn="ctr">
               <a:buNone/>
-              <a:defRPr sz="1920"/>
+              <a:defRPr sz="2160"/>
             </a:lvl1pPr>
-            <a:lvl2pPr marL="365760" indent="0" algn="ctr">
-              <a:buNone/>
-              <a:defRPr sz="1600"/>
+            <a:lvl2pPr marL="411480" indent="0" algn="ctr">
+              <a:buNone/>
+              <a:defRPr sz="1800"/>
             </a:lvl2pPr>
-            <a:lvl3pPr marL="731520" indent="0" algn="ctr">
+            <a:lvl3pPr marL="822960" indent="0" algn="ctr">
+              <a:buNone/>
+              <a:defRPr sz="1620"/>
+            </a:lvl3pPr>
+            <a:lvl4pPr marL="1234440" indent="0" algn="ctr">
               <a:buNone/>
               <a:defRPr sz="1440"/>
-            </a:lvl3pPr>
-            <a:lvl4pPr marL="1097280" indent="0" algn="ctr">
-              <a:buNone/>
-              <a:defRPr sz="1280"/>
             </a:lvl4pPr>
-            <a:lvl5pPr marL="1463040" indent="0" algn="ctr">
-              <a:buNone/>
-              <a:defRPr sz="1280"/>
+            <a:lvl5pPr marL="1645920" indent="0" algn="ctr">
+              <a:buNone/>
+              <a:defRPr sz="1440"/>
             </a:lvl5pPr>
-            <a:lvl6pPr marL="1828800" indent="0" algn="ctr">
-              <a:buNone/>
-              <a:defRPr sz="1280"/>
+            <a:lvl6pPr marL="2057400" indent="0" algn="ctr">
+              <a:buNone/>
+              <a:defRPr sz="1440"/>
             </a:lvl6pPr>
-            <a:lvl7pPr marL="2194560" indent="0" algn="ctr">
-              <a:buNone/>
-              <a:defRPr sz="1280"/>
+            <a:lvl7pPr marL="2468880" indent="0" algn="ctr">
+              <a:buNone/>
+              <a:defRPr sz="1440"/>
             </a:lvl7pPr>
-            <a:lvl8pPr marL="2560320" indent="0" algn="ctr">
-              <a:buNone/>
-              <a:defRPr sz="1280"/>
+            <a:lvl8pPr marL="2880360" indent="0" algn="ctr">
+              <a:buNone/>
+              <a:defRPr sz="1440"/>
             </a:lvl8pPr>
-            <a:lvl9pPr marL="2926080" indent="0" algn="ctr">
-              <a:buNone/>
-              <a:defRPr sz="1280"/>
+            <a:lvl9pPr marL="3291840" indent="0" algn="ctr">
+              <a:buNone/>
+              <a:defRPr sz="1440"/>
             </a:lvl9pPr>
           </a:lstStyle>
           <a:p>
@@ -243,7 +244,7 @@
           <a:p>
             <a:fld id="{EA69AB3C-1A45-4681-BC17-85E44D931731}" type="datetimeFigureOut">
               <a:rPr lang="en-US" smtClean="0"/>
-              <a:t>9/29/2021</a:t>
+              <a:t>10/13/2021</a:t>
             </a:fld>
             <a:endParaRPr lang="en-US"/>
           </a:p>
@@ -294,7 +295,7 @@
     </p:spTree>
     <p:extLst>
       <p:ext uri="{BB962C8B-B14F-4D97-AF65-F5344CB8AC3E}">
-        <p14:creationId xmlns:p14="http://schemas.microsoft.com/office/powerpoint/2010/main" val="597242322"/>
+        <p14:creationId xmlns:p14="http://schemas.microsoft.com/office/powerpoint/2010/main" val="3975820170"/>
       </p:ext>
     </p:extLst>
   </p:cSld>
@@ -413,7 +414,7 @@
           <a:p>
             <a:fld id="{EA69AB3C-1A45-4681-BC17-85E44D931731}" type="datetimeFigureOut">
               <a:rPr lang="en-US" smtClean="0"/>
-              <a:t>9/29/2021</a:t>
+              <a:t>10/13/2021</a:t>
             </a:fld>
             <a:endParaRPr lang="en-US"/>
           </a:p>
@@ -464,7 +465,7 @@
     </p:spTree>
     <p:extLst>
       <p:ext uri="{BB962C8B-B14F-4D97-AF65-F5344CB8AC3E}">
-        <p14:creationId xmlns:p14="http://schemas.microsoft.com/office/powerpoint/2010/main" val="557664995"/>
+        <p14:creationId xmlns:p14="http://schemas.microsoft.com/office/powerpoint/2010/main" val="3120446527"/>
       </p:ext>
     </p:extLst>
   </p:cSld>
@@ -503,8 +504,8 @@
         </p:nvSpPr>
         <p:spPr>
           <a:xfrm>
-            <a:off x="5234940" y="340783"/>
-            <a:ext cx="1577340" cy="5424382"/>
+            <a:off x="5889308" y="365125"/>
+            <a:ext cx="1774508" cy="5811838"/>
           </a:xfrm>
         </p:spPr>
         <p:txBody>
@@ -531,8 +532,8 @@
         </p:nvSpPr>
         <p:spPr>
           <a:xfrm>
-            <a:off x="502920" y="340783"/>
-            <a:ext cx="4640580" cy="5424382"/>
+            <a:off x="565785" y="365125"/>
+            <a:ext cx="5220653" cy="5811838"/>
           </a:xfrm>
         </p:spPr>
         <p:txBody>
@@ -593,7 +594,7 @@
           <a:p>
             <a:fld id="{EA69AB3C-1A45-4681-BC17-85E44D931731}" type="datetimeFigureOut">
               <a:rPr lang="en-US" smtClean="0"/>
-              <a:t>9/29/2021</a:t>
+              <a:t>10/13/2021</a:t>
             </a:fld>
             <a:endParaRPr lang="en-US"/>
           </a:p>
@@ -644,7 +645,7 @@
     </p:spTree>
     <p:extLst>
       <p:ext uri="{BB962C8B-B14F-4D97-AF65-F5344CB8AC3E}">
-        <p14:creationId xmlns:p14="http://schemas.microsoft.com/office/powerpoint/2010/main" val="1050070736"/>
+        <p14:creationId xmlns:p14="http://schemas.microsoft.com/office/powerpoint/2010/main" val="3786639307"/>
       </p:ext>
     </p:extLst>
   </p:cSld>
@@ -763,7 +764,7 @@
           <a:p>
             <a:fld id="{EA69AB3C-1A45-4681-BC17-85E44D931731}" type="datetimeFigureOut">
               <a:rPr lang="en-US" smtClean="0"/>
-              <a:t>9/29/2021</a:t>
+              <a:t>10/13/2021</a:t>
             </a:fld>
             <a:endParaRPr lang="en-US"/>
           </a:p>
@@ -814,7 +815,7 @@
     </p:spTree>
     <p:extLst>
       <p:ext uri="{BB962C8B-B14F-4D97-AF65-F5344CB8AC3E}">
-        <p14:creationId xmlns:p14="http://schemas.microsoft.com/office/powerpoint/2010/main" val="4023303440"/>
+        <p14:creationId xmlns:p14="http://schemas.microsoft.com/office/powerpoint/2010/main" val="270524558"/>
       </p:ext>
     </p:extLst>
   </p:cSld>
@@ -853,15 +854,15 @@
         </p:nvSpPr>
         <p:spPr>
           <a:xfrm>
-            <a:off x="499110" y="1595757"/>
-            <a:ext cx="6309360" cy="2662555"/>
+            <a:off x="561499" y="1709740"/>
+            <a:ext cx="7098030" cy="2852737"/>
           </a:xfrm>
         </p:spPr>
         <p:txBody>
           <a:bodyPr anchor="b"/>
           <a:lstStyle>
             <a:lvl1pPr>
-              <a:defRPr sz="4800"/>
+              <a:defRPr sz="5400"/>
             </a:lvl1pPr>
           </a:lstStyle>
           <a:p>
@@ -885,8 +886,8 @@
         </p:nvSpPr>
         <p:spPr>
           <a:xfrm>
-            <a:off x="499110" y="4283500"/>
-            <a:ext cx="6309360" cy="1400175"/>
+            <a:off x="561499" y="4589465"/>
+            <a:ext cx="7098030" cy="1500187"/>
           </a:xfrm>
         </p:spPr>
         <p:txBody>
@@ -894,15 +895,15 @@
           <a:lstStyle>
             <a:lvl1pPr marL="0" indent="0">
               <a:buNone/>
-              <a:defRPr sz="1920">
+              <a:defRPr sz="2160">
                 <a:solidFill>
                   <a:schemeClr val="tx1"/>
                 </a:solidFill>
               </a:defRPr>
             </a:lvl1pPr>
-            <a:lvl2pPr marL="365760" indent="0">
-              <a:buNone/>
-              <a:defRPr sz="1600">
+            <a:lvl2pPr marL="411480" indent="0">
+              <a:buNone/>
+              <a:defRPr sz="1800">
                 <a:solidFill>
                   <a:schemeClr val="tx1">
                     <a:tint val="75000"/>
@@ -910,7 +911,17 @@
                 </a:solidFill>
               </a:defRPr>
             </a:lvl2pPr>
-            <a:lvl3pPr marL="731520" indent="0">
+            <a:lvl3pPr marL="822960" indent="0">
+              <a:buNone/>
+              <a:defRPr sz="1620">
+                <a:solidFill>
+                  <a:schemeClr val="tx1">
+                    <a:tint val="75000"/>
+                  </a:schemeClr>
+                </a:solidFill>
+              </a:defRPr>
+            </a:lvl3pPr>
+            <a:lvl4pPr marL="1234440" indent="0">
               <a:buNone/>
               <a:defRPr sz="1440">
                 <a:solidFill>
@@ -919,20 +930,10 @@
                   </a:schemeClr>
                 </a:solidFill>
               </a:defRPr>
-            </a:lvl3pPr>
-            <a:lvl4pPr marL="1097280" indent="0">
-              <a:buNone/>
-              <a:defRPr sz="1280">
-                <a:solidFill>
-                  <a:schemeClr val="tx1">
-                    <a:tint val="75000"/>
-                  </a:schemeClr>
-                </a:solidFill>
-              </a:defRPr>
             </a:lvl4pPr>
-            <a:lvl5pPr marL="1463040" indent="0">
-              <a:buNone/>
-              <a:defRPr sz="1280">
+            <a:lvl5pPr marL="1645920" indent="0">
+              <a:buNone/>
+              <a:defRPr sz="1440">
                 <a:solidFill>
                   <a:schemeClr val="tx1">
                     <a:tint val="75000"/>
@@ -940,9 +941,9 @@
                 </a:solidFill>
               </a:defRPr>
             </a:lvl5pPr>
-            <a:lvl6pPr marL="1828800" indent="0">
-              <a:buNone/>
-              <a:defRPr sz="1280">
+            <a:lvl6pPr marL="2057400" indent="0">
+              <a:buNone/>
+              <a:defRPr sz="1440">
                 <a:solidFill>
                   <a:schemeClr val="tx1">
                     <a:tint val="75000"/>
@@ -950,9 +951,9 @@
                 </a:solidFill>
               </a:defRPr>
             </a:lvl6pPr>
-            <a:lvl7pPr marL="2194560" indent="0">
-              <a:buNone/>
-              <a:defRPr sz="1280">
+            <a:lvl7pPr marL="2468880" indent="0">
+              <a:buNone/>
+              <a:defRPr sz="1440">
                 <a:solidFill>
                   <a:schemeClr val="tx1">
                     <a:tint val="75000"/>
@@ -960,9 +961,9 @@
                 </a:solidFill>
               </a:defRPr>
             </a:lvl7pPr>
-            <a:lvl8pPr marL="2560320" indent="0">
-              <a:buNone/>
-              <a:defRPr sz="1280">
+            <a:lvl8pPr marL="2880360" indent="0">
+              <a:buNone/>
+              <a:defRPr sz="1440">
                 <a:solidFill>
                   <a:schemeClr val="tx1">
                     <a:tint val="75000"/>
@@ -970,9 +971,9 @@
                 </a:solidFill>
               </a:defRPr>
             </a:lvl8pPr>
-            <a:lvl9pPr marL="2926080" indent="0">
-              <a:buNone/>
-              <a:defRPr sz="1280">
+            <a:lvl9pPr marL="3291840" indent="0">
+              <a:buNone/>
+              <a:defRPr sz="1440">
                 <a:solidFill>
                   <a:schemeClr val="tx1">
                     <a:tint val="75000"/>
@@ -1007,7 +1008,7 @@
           <a:p>
             <a:fld id="{EA69AB3C-1A45-4681-BC17-85E44D931731}" type="datetimeFigureOut">
               <a:rPr lang="en-US" smtClean="0"/>
-              <a:t>9/29/2021</a:t>
+              <a:t>10/13/2021</a:t>
             </a:fld>
             <a:endParaRPr lang="en-US"/>
           </a:p>
@@ -1058,7 +1059,7 @@
     </p:spTree>
     <p:extLst>
       <p:ext uri="{BB962C8B-B14F-4D97-AF65-F5344CB8AC3E}">
-        <p14:creationId xmlns:p14="http://schemas.microsoft.com/office/powerpoint/2010/main" val="698667718"/>
+        <p14:creationId xmlns:p14="http://schemas.microsoft.com/office/powerpoint/2010/main" val="2807192537"/>
       </p:ext>
     </p:extLst>
   </p:cSld>
@@ -1120,8 +1121,8 @@
         </p:nvSpPr>
         <p:spPr>
           <a:xfrm>
-            <a:off x="502920" y="1703917"/>
-            <a:ext cx="3108960" cy="4061249"/>
+            <a:off x="565785" y="1825625"/>
+            <a:ext cx="3497580" cy="4351338"/>
           </a:xfrm>
         </p:spPr>
         <p:txBody>
@@ -1177,8 +1178,8 @@
         </p:nvSpPr>
         <p:spPr>
           <a:xfrm>
-            <a:off x="3703320" y="1703917"/>
-            <a:ext cx="3108960" cy="4061249"/>
+            <a:off x="4166235" y="1825625"/>
+            <a:ext cx="3497580" cy="4351338"/>
           </a:xfrm>
         </p:spPr>
         <p:txBody>
@@ -1239,7 +1240,7 @@
           <a:p>
             <a:fld id="{EA69AB3C-1A45-4681-BC17-85E44D931731}" type="datetimeFigureOut">
               <a:rPr lang="en-US" smtClean="0"/>
-              <a:t>9/29/2021</a:t>
+              <a:t>10/13/2021</a:t>
             </a:fld>
             <a:endParaRPr lang="en-US"/>
           </a:p>
@@ -1290,7 +1291,7 @@
     </p:spTree>
     <p:extLst>
       <p:ext uri="{BB962C8B-B14F-4D97-AF65-F5344CB8AC3E}">
-        <p14:creationId xmlns:p14="http://schemas.microsoft.com/office/powerpoint/2010/main" val="2486113312"/>
+        <p14:creationId xmlns:p14="http://schemas.microsoft.com/office/powerpoint/2010/main" val="1318193858"/>
       </p:ext>
     </p:extLst>
   </p:cSld>
@@ -1329,8 +1330,8 @@
         </p:nvSpPr>
         <p:spPr>
           <a:xfrm>
-            <a:off x="503873" y="340785"/>
-            <a:ext cx="6309360" cy="1237192"/>
+            <a:off x="566857" y="365127"/>
+            <a:ext cx="7098030" cy="1325563"/>
           </a:xfrm>
         </p:spPr>
         <p:txBody>
@@ -1357,8 +1358,8 @@
         </p:nvSpPr>
         <p:spPr>
           <a:xfrm>
-            <a:off x="503874" y="1569085"/>
-            <a:ext cx="3094672" cy="768985"/>
+            <a:off x="566858" y="1681163"/>
+            <a:ext cx="3481506" cy="823912"/>
           </a:xfrm>
         </p:spPr>
         <p:txBody>
@@ -1366,39 +1367,39 @@
           <a:lstStyle>
             <a:lvl1pPr marL="0" indent="0">
               <a:buNone/>
-              <a:defRPr sz="1920" b="1"/>
+              <a:defRPr sz="2160" b="1"/>
             </a:lvl1pPr>
-            <a:lvl2pPr marL="365760" indent="0">
-              <a:buNone/>
-              <a:defRPr sz="1600" b="1"/>
+            <a:lvl2pPr marL="411480" indent="0">
+              <a:buNone/>
+              <a:defRPr sz="1800" b="1"/>
             </a:lvl2pPr>
-            <a:lvl3pPr marL="731520" indent="0">
+            <a:lvl3pPr marL="822960" indent="0">
+              <a:buNone/>
+              <a:defRPr sz="1620" b="1"/>
+            </a:lvl3pPr>
+            <a:lvl4pPr marL="1234440" indent="0">
               <a:buNone/>
               <a:defRPr sz="1440" b="1"/>
-            </a:lvl3pPr>
-            <a:lvl4pPr marL="1097280" indent="0">
-              <a:buNone/>
-              <a:defRPr sz="1280" b="1"/>
             </a:lvl4pPr>
-            <a:lvl5pPr marL="1463040" indent="0">
-              <a:buNone/>
-              <a:defRPr sz="1280" b="1"/>
+            <a:lvl5pPr marL="1645920" indent="0">
+              <a:buNone/>
+              <a:defRPr sz="1440" b="1"/>
             </a:lvl5pPr>
-            <a:lvl6pPr marL="1828800" indent="0">
-              <a:buNone/>
-              <a:defRPr sz="1280" b="1"/>
+            <a:lvl6pPr marL="2057400" indent="0">
+              <a:buNone/>
+              <a:defRPr sz="1440" b="1"/>
             </a:lvl6pPr>
-            <a:lvl7pPr marL="2194560" indent="0">
-              <a:buNone/>
-              <a:defRPr sz="1280" b="1"/>
+            <a:lvl7pPr marL="2468880" indent="0">
+              <a:buNone/>
+              <a:defRPr sz="1440" b="1"/>
             </a:lvl7pPr>
-            <a:lvl8pPr marL="2560320" indent="0">
-              <a:buNone/>
-              <a:defRPr sz="1280" b="1"/>
+            <a:lvl8pPr marL="2880360" indent="0">
+              <a:buNone/>
+              <a:defRPr sz="1440" b="1"/>
             </a:lvl8pPr>
-            <a:lvl9pPr marL="2926080" indent="0">
-              <a:buNone/>
-              <a:defRPr sz="1280" b="1"/>
+            <a:lvl9pPr marL="3291840" indent="0">
+              <a:buNone/>
+              <a:defRPr sz="1440" b="1"/>
             </a:lvl9pPr>
           </a:lstStyle>
           <a:p>
@@ -1422,8 +1423,8 @@
         </p:nvSpPr>
         <p:spPr>
           <a:xfrm>
-            <a:off x="503874" y="2338070"/>
-            <a:ext cx="3094672" cy="3438949"/>
+            <a:off x="566858" y="2505075"/>
+            <a:ext cx="3481506" cy="3684588"/>
           </a:xfrm>
         </p:spPr>
         <p:txBody>
@@ -1479,8 +1480,8 @@
         </p:nvSpPr>
         <p:spPr>
           <a:xfrm>
-            <a:off x="3703320" y="1569085"/>
-            <a:ext cx="3109913" cy="768985"/>
+            <a:off x="4166235" y="1681163"/>
+            <a:ext cx="3498652" cy="823912"/>
           </a:xfrm>
         </p:spPr>
         <p:txBody>
@@ -1488,39 +1489,39 @@
           <a:lstStyle>
             <a:lvl1pPr marL="0" indent="0">
               <a:buNone/>
-              <a:defRPr sz="1920" b="1"/>
+              <a:defRPr sz="2160" b="1"/>
             </a:lvl1pPr>
-            <a:lvl2pPr marL="365760" indent="0">
-              <a:buNone/>
-              <a:defRPr sz="1600" b="1"/>
+            <a:lvl2pPr marL="411480" indent="0">
+              <a:buNone/>
+              <a:defRPr sz="1800" b="1"/>
             </a:lvl2pPr>
-            <a:lvl3pPr marL="731520" indent="0">
+            <a:lvl3pPr marL="822960" indent="0">
+              <a:buNone/>
+              <a:defRPr sz="1620" b="1"/>
+            </a:lvl3pPr>
+            <a:lvl4pPr marL="1234440" indent="0">
               <a:buNone/>
               <a:defRPr sz="1440" b="1"/>
-            </a:lvl3pPr>
-            <a:lvl4pPr marL="1097280" indent="0">
-              <a:buNone/>
-              <a:defRPr sz="1280" b="1"/>
             </a:lvl4pPr>
-            <a:lvl5pPr marL="1463040" indent="0">
-              <a:buNone/>
-              <a:defRPr sz="1280" b="1"/>
+            <a:lvl5pPr marL="1645920" indent="0">
+              <a:buNone/>
+              <a:defRPr sz="1440" b="1"/>
             </a:lvl5pPr>
-            <a:lvl6pPr marL="1828800" indent="0">
-              <a:buNone/>
-              <a:defRPr sz="1280" b="1"/>
+            <a:lvl6pPr marL="2057400" indent="0">
+              <a:buNone/>
+              <a:defRPr sz="1440" b="1"/>
             </a:lvl6pPr>
-            <a:lvl7pPr marL="2194560" indent="0">
-              <a:buNone/>
-              <a:defRPr sz="1280" b="1"/>
+            <a:lvl7pPr marL="2468880" indent="0">
+              <a:buNone/>
+              <a:defRPr sz="1440" b="1"/>
             </a:lvl7pPr>
-            <a:lvl8pPr marL="2560320" indent="0">
-              <a:buNone/>
-              <a:defRPr sz="1280" b="1"/>
+            <a:lvl8pPr marL="2880360" indent="0">
+              <a:buNone/>
+              <a:defRPr sz="1440" b="1"/>
             </a:lvl8pPr>
-            <a:lvl9pPr marL="2926080" indent="0">
-              <a:buNone/>
-              <a:defRPr sz="1280" b="1"/>
+            <a:lvl9pPr marL="3291840" indent="0">
+              <a:buNone/>
+              <a:defRPr sz="1440" b="1"/>
             </a:lvl9pPr>
           </a:lstStyle>
           <a:p>
@@ -1544,8 +1545,8 @@
         </p:nvSpPr>
         <p:spPr>
           <a:xfrm>
-            <a:off x="3703320" y="2338070"/>
-            <a:ext cx="3109913" cy="3438949"/>
+            <a:off x="4166235" y="2505075"/>
+            <a:ext cx="3498652" cy="3684588"/>
           </a:xfrm>
         </p:spPr>
         <p:txBody>
@@ -1606,7 +1607,7 @@
           <a:p>
             <a:fld id="{EA69AB3C-1A45-4681-BC17-85E44D931731}" type="datetimeFigureOut">
               <a:rPr lang="en-US" smtClean="0"/>
-              <a:t>9/29/2021</a:t>
+              <a:t>10/13/2021</a:t>
             </a:fld>
             <a:endParaRPr lang="en-US"/>
           </a:p>
@@ -1657,7 +1658,7 @@
     </p:spTree>
     <p:extLst>
       <p:ext uri="{BB962C8B-B14F-4D97-AF65-F5344CB8AC3E}">
-        <p14:creationId xmlns:p14="http://schemas.microsoft.com/office/powerpoint/2010/main" val="3660394494"/>
+        <p14:creationId xmlns:p14="http://schemas.microsoft.com/office/powerpoint/2010/main" val="987629487"/>
       </p:ext>
     </p:extLst>
   </p:cSld>
@@ -1724,7 +1725,7 @@
           <a:p>
             <a:fld id="{EA69AB3C-1A45-4681-BC17-85E44D931731}" type="datetimeFigureOut">
               <a:rPr lang="en-US" smtClean="0"/>
-              <a:t>9/29/2021</a:t>
+              <a:t>10/13/2021</a:t>
             </a:fld>
             <a:endParaRPr lang="en-US"/>
           </a:p>
@@ -1775,7 +1776,7 @@
     </p:spTree>
     <p:extLst>
       <p:ext uri="{BB962C8B-B14F-4D97-AF65-F5344CB8AC3E}">
-        <p14:creationId xmlns:p14="http://schemas.microsoft.com/office/powerpoint/2010/main" val="4115159072"/>
+        <p14:creationId xmlns:p14="http://schemas.microsoft.com/office/powerpoint/2010/main" val="3036760501"/>
       </p:ext>
     </p:extLst>
   </p:cSld>
@@ -1819,7 +1820,7 @@
           <a:p>
             <a:fld id="{EA69AB3C-1A45-4681-BC17-85E44D931731}" type="datetimeFigureOut">
               <a:rPr lang="en-US" smtClean="0"/>
-              <a:t>9/29/2021</a:t>
+              <a:t>10/13/2021</a:t>
             </a:fld>
             <a:endParaRPr lang="en-US"/>
           </a:p>
@@ -1870,7 +1871,7 @@
     </p:spTree>
     <p:extLst>
       <p:ext uri="{BB962C8B-B14F-4D97-AF65-F5344CB8AC3E}">
-        <p14:creationId xmlns:p14="http://schemas.microsoft.com/office/powerpoint/2010/main" val="3108051961"/>
+        <p14:creationId xmlns:p14="http://schemas.microsoft.com/office/powerpoint/2010/main" val="3741709477"/>
       </p:ext>
     </p:extLst>
   </p:cSld>
@@ -1909,15 +1910,15 @@
         </p:nvSpPr>
         <p:spPr>
           <a:xfrm>
-            <a:off x="503873" y="426720"/>
-            <a:ext cx="2359342" cy="1493520"/>
+            <a:off x="566857" y="457200"/>
+            <a:ext cx="2654260" cy="1600200"/>
           </a:xfrm>
         </p:spPr>
         <p:txBody>
           <a:bodyPr anchor="b"/>
           <a:lstStyle>
             <a:lvl1pPr>
-              <a:defRPr sz="2560"/>
+              <a:defRPr sz="2880"/>
             </a:lvl1pPr>
           </a:lstStyle>
           <a:p>
@@ -1941,39 +1942,39 @@
         </p:nvSpPr>
         <p:spPr>
           <a:xfrm>
-            <a:off x="3109913" y="921598"/>
-            <a:ext cx="3703320" cy="4548717"/>
+            <a:off x="3498652" y="987427"/>
+            <a:ext cx="4166235" cy="4873625"/>
           </a:xfrm>
         </p:spPr>
         <p:txBody>
           <a:bodyPr/>
           <a:lstStyle>
             <a:lvl1pPr>
-              <a:defRPr sz="2560"/>
+              <a:defRPr sz="2880"/>
             </a:lvl1pPr>
             <a:lvl2pPr>
-              <a:defRPr sz="2240"/>
+              <a:defRPr sz="2520"/>
             </a:lvl2pPr>
             <a:lvl3pPr>
-              <a:defRPr sz="1920"/>
+              <a:defRPr sz="2160"/>
             </a:lvl3pPr>
             <a:lvl4pPr>
-              <a:defRPr sz="1600"/>
+              <a:defRPr sz="1800"/>
             </a:lvl4pPr>
             <a:lvl5pPr>
-              <a:defRPr sz="1600"/>
+              <a:defRPr sz="1800"/>
             </a:lvl5pPr>
             <a:lvl6pPr>
-              <a:defRPr sz="1600"/>
+              <a:defRPr sz="1800"/>
             </a:lvl6pPr>
             <a:lvl7pPr>
-              <a:defRPr sz="1600"/>
+              <a:defRPr sz="1800"/>
             </a:lvl7pPr>
             <a:lvl8pPr>
-              <a:defRPr sz="1600"/>
+              <a:defRPr sz="1800"/>
             </a:lvl8pPr>
             <a:lvl9pPr>
-              <a:defRPr sz="1600"/>
+              <a:defRPr sz="1800"/>
             </a:lvl9pPr>
           </a:lstStyle>
           <a:p>
@@ -2026,8 +2027,8 @@
         </p:nvSpPr>
         <p:spPr>
           <a:xfrm>
-            <a:off x="503873" y="1920240"/>
-            <a:ext cx="2359342" cy="3557482"/>
+            <a:off x="566857" y="2057400"/>
+            <a:ext cx="2654260" cy="3811588"/>
           </a:xfrm>
         </p:spPr>
         <p:txBody>
@@ -2035,39 +2036,39 @@
           <a:lstStyle>
             <a:lvl1pPr marL="0" indent="0">
               <a:buNone/>
-              <a:defRPr sz="1280"/>
+              <a:defRPr sz="1440"/>
             </a:lvl1pPr>
-            <a:lvl2pPr marL="365760" indent="0">
-              <a:buNone/>
-              <a:defRPr sz="1120"/>
+            <a:lvl2pPr marL="411480" indent="0">
+              <a:buNone/>
+              <a:defRPr sz="1260"/>
             </a:lvl2pPr>
-            <a:lvl3pPr marL="731520" indent="0">
-              <a:buNone/>
-              <a:defRPr sz="960"/>
+            <a:lvl3pPr marL="822960" indent="0">
+              <a:buNone/>
+              <a:defRPr sz="1080"/>
             </a:lvl3pPr>
-            <a:lvl4pPr marL="1097280" indent="0">
-              <a:buNone/>
-              <a:defRPr sz="800"/>
+            <a:lvl4pPr marL="1234440" indent="0">
+              <a:buNone/>
+              <a:defRPr sz="900"/>
             </a:lvl4pPr>
-            <a:lvl5pPr marL="1463040" indent="0">
-              <a:buNone/>
-              <a:defRPr sz="800"/>
+            <a:lvl5pPr marL="1645920" indent="0">
+              <a:buNone/>
+              <a:defRPr sz="900"/>
             </a:lvl5pPr>
-            <a:lvl6pPr marL="1828800" indent="0">
-              <a:buNone/>
-              <a:defRPr sz="800"/>
+            <a:lvl6pPr marL="2057400" indent="0">
+              <a:buNone/>
+              <a:defRPr sz="900"/>
             </a:lvl6pPr>
-            <a:lvl7pPr marL="2194560" indent="0">
-              <a:buNone/>
-              <a:defRPr sz="800"/>
+            <a:lvl7pPr marL="2468880" indent="0">
+              <a:buNone/>
+              <a:defRPr sz="900"/>
             </a:lvl7pPr>
-            <a:lvl8pPr marL="2560320" indent="0">
-              <a:buNone/>
-              <a:defRPr sz="800"/>
+            <a:lvl8pPr marL="2880360" indent="0">
+              <a:buNone/>
+              <a:defRPr sz="900"/>
             </a:lvl8pPr>
-            <a:lvl9pPr marL="2926080" indent="0">
-              <a:buNone/>
-              <a:defRPr sz="800"/>
+            <a:lvl9pPr marL="3291840" indent="0">
+              <a:buNone/>
+              <a:defRPr sz="900"/>
             </a:lvl9pPr>
           </a:lstStyle>
           <a:p>
@@ -2096,7 +2097,7 @@
           <a:p>
             <a:fld id="{EA69AB3C-1A45-4681-BC17-85E44D931731}" type="datetimeFigureOut">
               <a:rPr lang="en-US" smtClean="0"/>
-              <a:t>9/29/2021</a:t>
+              <a:t>10/13/2021</a:t>
             </a:fld>
             <a:endParaRPr lang="en-US"/>
           </a:p>
@@ -2147,7 +2148,7 @@
     </p:spTree>
     <p:extLst>
       <p:ext uri="{BB962C8B-B14F-4D97-AF65-F5344CB8AC3E}">
-        <p14:creationId xmlns:p14="http://schemas.microsoft.com/office/powerpoint/2010/main" val="2756769644"/>
+        <p14:creationId xmlns:p14="http://schemas.microsoft.com/office/powerpoint/2010/main" val="1401472483"/>
       </p:ext>
     </p:extLst>
   </p:cSld>
@@ -2186,15 +2187,15 @@
         </p:nvSpPr>
         <p:spPr>
           <a:xfrm>
-            <a:off x="503873" y="426720"/>
-            <a:ext cx="2359342" cy="1493520"/>
+            <a:off x="566857" y="457200"/>
+            <a:ext cx="2654260" cy="1600200"/>
           </a:xfrm>
         </p:spPr>
         <p:txBody>
           <a:bodyPr anchor="b"/>
           <a:lstStyle>
             <a:lvl1pPr>
-              <a:defRPr sz="2560"/>
+              <a:defRPr sz="2880"/>
             </a:lvl1pPr>
           </a:lstStyle>
           <a:p>
@@ -2218,8 +2219,8 @@
         </p:nvSpPr>
         <p:spPr>
           <a:xfrm>
-            <a:off x="3109913" y="921598"/>
-            <a:ext cx="3703320" cy="4548717"/>
+            <a:off x="3498652" y="987427"/>
+            <a:ext cx="4166235" cy="4873625"/>
           </a:xfrm>
         </p:spPr>
         <p:txBody>
@@ -2227,39 +2228,39 @@
           <a:lstStyle>
             <a:lvl1pPr marL="0" indent="0">
               <a:buNone/>
-              <a:defRPr sz="2560"/>
+              <a:defRPr sz="2880"/>
             </a:lvl1pPr>
-            <a:lvl2pPr marL="365760" indent="0">
-              <a:buNone/>
-              <a:defRPr sz="2240"/>
+            <a:lvl2pPr marL="411480" indent="0">
+              <a:buNone/>
+              <a:defRPr sz="2520"/>
             </a:lvl2pPr>
-            <a:lvl3pPr marL="731520" indent="0">
-              <a:buNone/>
-              <a:defRPr sz="1920"/>
+            <a:lvl3pPr marL="822960" indent="0">
+              <a:buNone/>
+              <a:defRPr sz="2160"/>
             </a:lvl3pPr>
-            <a:lvl4pPr marL="1097280" indent="0">
-              <a:buNone/>
-              <a:defRPr sz="1600"/>
+            <a:lvl4pPr marL="1234440" indent="0">
+              <a:buNone/>
+              <a:defRPr sz="1800"/>
             </a:lvl4pPr>
-            <a:lvl5pPr marL="1463040" indent="0">
-              <a:buNone/>
-              <a:defRPr sz="1600"/>
+            <a:lvl5pPr marL="1645920" indent="0">
+              <a:buNone/>
+              <a:defRPr sz="1800"/>
             </a:lvl5pPr>
-            <a:lvl6pPr marL="1828800" indent="0">
-              <a:buNone/>
-              <a:defRPr sz="1600"/>
+            <a:lvl6pPr marL="2057400" indent="0">
+              <a:buNone/>
+              <a:defRPr sz="1800"/>
             </a:lvl6pPr>
-            <a:lvl7pPr marL="2194560" indent="0">
-              <a:buNone/>
-              <a:defRPr sz="1600"/>
+            <a:lvl7pPr marL="2468880" indent="0">
+              <a:buNone/>
+              <a:defRPr sz="1800"/>
             </a:lvl7pPr>
-            <a:lvl8pPr marL="2560320" indent="0">
-              <a:buNone/>
-              <a:defRPr sz="1600"/>
+            <a:lvl8pPr marL="2880360" indent="0">
+              <a:buNone/>
+              <a:defRPr sz="1800"/>
             </a:lvl8pPr>
-            <a:lvl9pPr marL="2926080" indent="0">
-              <a:buNone/>
-              <a:defRPr sz="1600"/>
+            <a:lvl9pPr marL="3291840" indent="0">
+              <a:buNone/>
+              <a:defRPr sz="1800"/>
             </a:lvl9pPr>
           </a:lstStyle>
           <a:p>
@@ -2283,8 +2284,8 @@
         </p:nvSpPr>
         <p:spPr>
           <a:xfrm>
-            <a:off x="503873" y="1920240"/>
-            <a:ext cx="2359342" cy="3557482"/>
+            <a:off x="566857" y="2057400"/>
+            <a:ext cx="2654260" cy="3811588"/>
           </a:xfrm>
         </p:spPr>
         <p:txBody>
@@ -2292,39 +2293,39 @@
           <a:lstStyle>
             <a:lvl1pPr marL="0" indent="0">
               <a:buNone/>
-              <a:defRPr sz="1280"/>
+              <a:defRPr sz="1440"/>
             </a:lvl1pPr>
-            <a:lvl2pPr marL="365760" indent="0">
-              <a:buNone/>
-              <a:defRPr sz="1120"/>
+            <a:lvl2pPr marL="411480" indent="0">
+              <a:buNone/>
+              <a:defRPr sz="1260"/>
             </a:lvl2pPr>
-            <a:lvl3pPr marL="731520" indent="0">
-              <a:buNone/>
-              <a:defRPr sz="960"/>
+            <a:lvl3pPr marL="822960" indent="0">
+              <a:buNone/>
+              <a:defRPr sz="1080"/>
             </a:lvl3pPr>
-            <a:lvl4pPr marL="1097280" indent="0">
-              <a:buNone/>
-              <a:defRPr sz="800"/>
+            <a:lvl4pPr marL="1234440" indent="0">
+              <a:buNone/>
+              <a:defRPr sz="900"/>
             </a:lvl4pPr>
-            <a:lvl5pPr marL="1463040" indent="0">
-              <a:buNone/>
-              <a:defRPr sz="800"/>
+            <a:lvl5pPr marL="1645920" indent="0">
+              <a:buNone/>
+              <a:defRPr sz="900"/>
             </a:lvl5pPr>
-            <a:lvl6pPr marL="1828800" indent="0">
-              <a:buNone/>
-              <a:defRPr sz="800"/>
+            <a:lvl6pPr marL="2057400" indent="0">
+              <a:buNone/>
+              <a:defRPr sz="900"/>
             </a:lvl6pPr>
-            <a:lvl7pPr marL="2194560" indent="0">
-              <a:buNone/>
-              <a:defRPr sz="800"/>
+            <a:lvl7pPr marL="2468880" indent="0">
+              <a:buNone/>
+              <a:defRPr sz="900"/>
             </a:lvl7pPr>
-            <a:lvl8pPr marL="2560320" indent="0">
-              <a:buNone/>
-              <a:defRPr sz="800"/>
+            <a:lvl8pPr marL="2880360" indent="0">
+              <a:buNone/>
+              <a:defRPr sz="900"/>
             </a:lvl8pPr>
-            <a:lvl9pPr marL="2926080" indent="0">
-              <a:buNone/>
-              <a:defRPr sz="800"/>
+            <a:lvl9pPr marL="3291840" indent="0">
+              <a:buNone/>
+              <a:defRPr sz="900"/>
             </a:lvl9pPr>
           </a:lstStyle>
           <a:p>
@@ -2353,7 +2354,7 @@
           <a:p>
             <a:fld id="{EA69AB3C-1A45-4681-BC17-85E44D931731}" type="datetimeFigureOut">
               <a:rPr lang="en-US" smtClean="0"/>
-              <a:t>9/29/2021</a:t>
+              <a:t>10/13/2021</a:t>
             </a:fld>
             <a:endParaRPr lang="en-US"/>
           </a:p>
@@ -2404,7 +2405,7 @@
     </p:spTree>
     <p:extLst>
       <p:ext uri="{BB962C8B-B14F-4D97-AF65-F5344CB8AC3E}">
-        <p14:creationId xmlns:p14="http://schemas.microsoft.com/office/powerpoint/2010/main" val="2457291395"/>
+        <p14:creationId xmlns:p14="http://schemas.microsoft.com/office/powerpoint/2010/main" val="3035667249"/>
       </p:ext>
     </p:extLst>
   </p:cSld>
@@ -2448,8 +2449,8 @@
         </p:nvSpPr>
         <p:spPr>
           <a:xfrm>
-            <a:off x="502920" y="340785"/>
-            <a:ext cx="6309360" cy="1237192"/>
+            <a:off x="565785" y="365127"/>
+            <a:ext cx="7098030" cy="1325563"/>
           </a:xfrm>
           <a:prstGeom prst="rect">
             <a:avLst/>
@@ -2481,8 +2482,8 @@
         </p:nvSpPr>
         <p:spPr>
           <a:xfrm>
-            <a:off x="502920" y="1703917"/>
-            <a:ext cx="6309360" cy="4061249"/>
+            <a:off x="565785" y="1825625"/>
+            <a:ext cx="7098030" cy="4351338"/>
           </a:xfrm>
           <a:prstGeom prst="rect">
             <a:avLst/>
@@ -2543,8 +2544,8 @@
         </p:nvSpPr>
         <p:spPr>
           <a:xfrm>
-            <a:off x="502920" y="5932595"/>
-            <a:ext cx="1645920" cy="340783"/>
+            <a:off x="565785" y="6356352"/>
+            <a:ext cx="1851660" cy="365125"/>
           </a:xfrm>
           <a:prstGeom prst="rect">
             <a:avLst/>
@@ -2554,7 +2555,7 @@
           <a:bodyPr vert="horz" lIns="91440" tIns="45720" rIns="91440" bIns="45720" rtlCol="0" anchor="ctr"/>
           <a:lstStyle>
             <a:lvl1pPr algn="l">
-              <a:defRPr sz="960">
+              <a:defRPr sz="1080">
                 <a:solidFill>
                   <a:schemeClr val="tx1">
                     <a:tint val="75000"/>
@@ -2566,7 +2567,7 @@
           <a:p>
             <a:fld id="{EA69AB3C-1A45-4681-BC17-85E44D931731}" type="datetimeFigureOut">
               <a:rPr lang="en-US" smtClean="0"/>
-              <a:t>9/29/2021</a:t>
+              <a:t>10/13/2021</a:t>
             </a:fld>
             <a:endParaRPr lang="en-US"/>
           </a:p>
@@ -2584,8 +2585,8 @@
         </p:nvSpPr>
         <p:spPr>
           <a:xfrm>
-            <a:off x="2423160" y="5932595"/>
-            <a:ext cx="2468880" cy="340783"/>
+            <a:off x="2726055" y="6356352"/>
+            <a:ext cx="2777490" cy="365125"/>
           </a:xfrm>
           <a:prstGeom prst="rect">
             <a:avLst/>
@@ -2595,7 +2596,7 @@
           <a:bodyPr vert="horz" lIns="91440" tIns="45720" rIns="91440" bIns="45720" rtlCol="0" anchor="ctr"/>
           <a:lstStyle>
             <a:lvl1pPr algn="ctr">
-              <a:defRPr sz="960">
+              <a:defRPr sz="1080">
                 <a:solidFill>
                   <a:schemeClr val="tx1">
                     <a:tint val="75000"/>
@@ -2621,8 +2622,8 @@
         </p:nvSpPr>
         <p:spPr>
           <a:xfrm>
-            <a:off x="5166360" y="5932595"/>
-            <a:ext cx="1645920" cy="340783"/>
+            <a:off x="5812155" y="6356352"/>
+            <a:ext cx="1851660" cy="365125"/>
           </a:xfrm>
           <a:prstGeom prst="rect">
             <a:avLst/>
@@ -2632,7 +2633,7 @@
           <a:bodyPr vert="horz" lIns="91440" tIns="45720" rIns="91440" bIns="45720" rtlCol="0" anchor="ctr"/>
           <a:lstStyle>
             <a:lvl1pPr algn="r">
-              <a:defRPr sz="960">
+              <a:defRPr sz="1080">
                 <a:solidFill>
                   <a:schemeClr val="tx1">
                     <a:tint val="75000"/>
@@ -2653,27 +2654,27 @@
     </p:spTree>
     <p:extLst>
       <p:ext uri="{BB962C8B-B14F-4D97-AF65-F5344CB8AC3E}">
-        <p14:creationId xmlns:p14="http://schemas.microsoft.com/office/powerpoint/2010/main" val="3302945523"/>
+        <p14:creationId xmlns:p14="http://schemas.microsoft.com/office/powerpoint/2010/main" val="403697894"/>
       </p:ext>
     </p:extLst>
   </p:cSld>
   <p:clrMap bg1="lt1" tx1="dk1" bg2="lt2" tx2="dk2" accent1="accent1" accent2="accent2" accent3="accent3" accent4="accent4" accent5="accent5" accent6="accent6" hlink="hlink" folHlink="folHlink"/>
   <p:sldLayoutIdLst>
-    <p:sldLayoutId id="2147483745" r:id="rId1"/>
-    <p:sldLayoutId id="2147483746" r:id="rId2"/>
-    <p:sldLayoutId id="2147483747" r:id="rId3"/>
-    <p:sldLayoutId id="2147483748" r:id="rId4"/>
-    <p:sldLayoutId id="2147483749" r:id="rId5"/>
-    <p:sldLayoutId id="2147483750" r:id="rId6"/>
-    <p:sldLayoutId id="2147483751" r:id="rId7"/>
-    <p:sldLayoutId id="2147483752" r:id="rId8"/>
-    <p:sldLayoutId id="2147483753" r:id="rId9"/>
-    <p:sldLayoutId id="2147483754" r:id="rId10"/>
-    <p:sldLayoutId id="2147483755" r:id="rId11"/>
+    <p:sldLayoutId id="2147483781" r:id="rId1"/>
+    <p:sldLayoutId id="2147483782" r:id="rId2"/>
+    <p:sldLayoutId id="2147483783" r:id="rId3"/>
+    <p:sldLayoutId id="2147483784" r:id="rId4"/>
+    <p:sldLayoutId id="2147483785" r:id="rId5"/>
+    <p:sldLayoutId id="2147483786" r:id="rId6"/>
+    <p:sldLayoutId id="2147483787" r:id="rId7"/>
+    <p:sldLayoutId id="2147483788" r:id="rId8"/>
+    <p:sldLayoutId id="2147483789" r:id="rId9"/>
+    <p:sldLayoutId id="2147483790" r:id="rId10"/>
+    <p:sldLayoutId id="2147483791" r:id="rId11"/>
   </p:sldLayoutIdLst>
   <p:txStyles>
     <p:titleStyle>
-      <a:lvl1pPr algn="l" defTabSz="731520" rtl="0" eaLnBrk="1" latinLnBrk="0" hangingPunct="1">
+      <a:lvl1pPr algn="l" defTabSz="822960" rtl="0" eaLnBrk="1" latinLnBrk="0" hangingPunct="1">
         <a:lnSpc>
           <a:spcPct val="90000"/>
         </a:lnSpc>
@@ -2681,7 +2682,7 @@
           <a:spcPct val="0"/>
         </a:spcBef>
         <a:buNone/>
-        <a:defRPr sz="3520" kern="1200">
+        <a:defRPr sz="3960" kern="1200">
           <a:solidFill>
             <a:schemeClr val="tx1"/>
           </a:solidFill>
@@ -2692,16 +2693,16 @@
       </a:lvl1pPr>
     </p:titleStyle>
     <p:bodyStyle>
-      <a:lvl1pPr marL="182880" indent="-182880" algn="l" defTabSz="731520" rtl="0" eaLnBrk="1" latinLnBrk="0" hangingPunct="1">
+      <a:lvl1pPr marL="205740" indent="-205740" algn="l" defTabSz="822960" rtl="0" eaLnBrk="1" latinLnBrk="0" hangingPunct="1">
         <a:lnSpc>
           <a:spcPct val="90000"/>
         </a:lnSpc>
         <a:spcBef>
-          <a:spcPts val="800"/>
+          <a:spcPts val="900"/>
         </a:spcBef>
         <a:buFont typeface="Arial" panose="020B0604020202020204" pitchFamily="34" charset="0"/>
         <a:buChar char="•"/>
-        <a:defRPr sz="2240" kern="1200">
+        <a:defRPr sz="2520" kern="1200">
           <a:solidFill>
             <a:schemeClr val="tx1"/>
           </a:solidFill>
@@ -2710,16 +2711,16 @@
           <a:cs typeface="+mn-cs"/>
         </a:defRPr>
       </a:lvl1pPr>
-      <a:lvl2pPr marL="548640" indent="-182880" algn="l" defTabSz="731520" rtl="0" eaLnBrk="1" latinLnBrk="0" hangingPunct="1">
+      <a:lvl2pPr marL="617220" indent="-205740" algn="l" defTabSz="822960" rtl="0" eaLnBrk="1" latinLnBrk="0" hangingPunct="1">
         <a:lnSpc>
           <a:spcPct val="90000"/>
         </a:lnSpc>
         <a:spcBef>
-          <a:spcPts val="400"/>
+          <a:spcPts val="450"/>
         </a:spcBef>
         <a:buFont typeface="Arial" panose="020B0604020202020204" pitchFamily="34" charset="0"/>
         <a:buChar char="•"/>
-        <a:defRPr sz="1920" kern="1200">
+        <a:defRPr sz="2160" kern="1200">
           <a:solidFill>
             <a:schemeClr val="tx1"/>
           </a:solidFill>
@@ -2728,16 +2729,16 @@
           <a:cs typeface="+mn-cs"/>
         </a:defRPr>
       </a:lvl2pPr>
-      <a:lvl3pPr marL="914400" indent="-182880" algn="l" defTabSz="731520" rtl="0" eaLnBrk="1" latinLnBrk="0" hangingPunct="1">
+      <a:lvl3pPr marL="1028700" indent="-205740" algn="l" defTabSz="822960" rtl="0" eaLnBrk="1" latinLnBrk="0" hangingPunct="1">
         <a:lnSpc>
           <a:spcPct val="90000"/>
         </a:lnSpc>
         <a:spcBef>
-          <a:spcPts val="400"/>
+          <a:spcPts val="450"/>
         </a:spcBef>
         <a:buFont typeface="Arial" panose="020B0604020202020204" pitchFamily="34" charset="0"/>
         <a:buChar char="•"/>
-        <a:defRPr sz="1600" kern="1200">
+        <a:defRPr sz="1800" kern="1200">
           <a:solidFill>
             <a:schemeClr val="tx1"/>
           </a:solidFill>
@@ -2746,16 +2747,16 @@
           <a:cs typeface="+mn-cs"/>
         </a:defRPr>
       </a:lvl3pPr>
-      <a:lvl4pPr marL="1280160" indent="-182880" algn="l" defTabSz="731520" rtl="0" eaLnBrk="1" latinLnBrk="0" hangingPunct="1">
+      <a:lvl4pPr marL="1440180" indent="-205740" algn="l" defTabSz="822960" rtl="0" eaLnBrk="1" latinLnBrk="0" hangingPunct="1">
         <a:lnSpc>
           <a:spcPct val="90000"/>
         </a:lnSpc>
         <a:spcBef>
-          <a:spcPts val="400"/>
+          <a:spcPts val="450"/>
         </a:spcBef>
         <a:buFont typeface="Arial" panose="020B0604020202020204" pitchFamily="34" charset="0"/>
         <a:buChar char="•"/>
-        <a:defRPr sz="1440" kern="1200">
+        <a:defRPr sz="1620" kern="1200">
           <a:solidFill>
             <a:schemeClr val="tx1"/>
           </a:solidFill>
@@ -2764,16 +2765,16 @@
           <a:cs typeface="+mn-cs"/>
         </a:defRPr>
       </a:lvl4pPr>
-      <a:lvl5pPr marL="1645920" indent="-182880" algn="l" defTabSz="731520" rtl="0" eaLnBrk="1" latinLnBrk="0" hangingPunct="1">
+      <a:lvl5pPr marL="1851660" indent="-205740" algn="l" defTabSz="822960" rtl="0" eaLnBrk="1" latinLnBrk="0" hangingPunct="1">
         <a:lnSpc>
           <a:spcPct val="90000"/>
         </a:lnSpc>
         <a:spcBef>
-          <a:spcPts val="400"/>
+          <a:spcPts val="450"/>
         </a:spcBef>
         <a:buFont typeface="Arial" panose="020B0604020202020204" pitchFamily="34" charset="0"/>
         <a:buChar char="•"/>
-        <a:defRPr sz="1440" kern="1200">
+        <a:defRPr sz="1620" kern="1200">
           <a:solidFill>
             <a:schemeClr val="tx1"/>
           </a:solidFill>
@@ -2782,16 +2783,16 @@
           <a:cs typeface="+mn-cs"/>
         </a:defRPr>
       </a:lvl5pPr>
-      <a:lvl6pPr marL="2011680" indent="-182880" algn="l" defTabSz="731520" rtl="0" eaLnBrk="1" latinLnBrk="0" hangingPunct="1">
+      <a:lvl6pPr marL="2263140" indent="-205740" algn="l" defTabSz="822960" rtl="0" eaLnBrk="1" latinLnBrk="0" hangingPunct="1">
         <a:lnSpc>
           <a:spcPct val="90000"/>
         </a:lnSpc>
         <a:spcBef>
-          <a:spcPts val="400"/>
+          <a:spcPts val="450"/>
         </a:spcBef>
         <a:buFont typeface="Arial" panose="020B0604020202020204" pitchFamily="34" charset="0"/>
         <a:buChar char="•"/>
-        <a:defRPr sz="1440" kern="1200">
+        <a:defRPr sz="1620" kern="1200">
           <a:solidFill>
             <a:schemeClr val="tx1"/>
           </a:solidFill>
@@ -2800,16 +2801,16 @@
           <a:cs typeface="+mn-cs"/>
         </a:defRPr>
       </a:lvl6pPr>
-      <a:lvl7pPr marL="2377440" indent="-182880" algn="l" defTabSz="731520" rtl="0" eaLnBrk="1" latinLnBrk="0" hangingPunct="1">
+      <a:lvl7pPr marL="2674620" indent="-205740" algn="l" defTabSz="822960" rtl="0" eaLnBrk="1" latinLnBrk="0" hangingPunct="1">
         <a:lnSpc>
           <a:spcPct val="90000"/>
         </a:lnSpc>
         <a:spcBef>
-          <a:spcPts val="400"/>
+          <a:spcPts val="450"/>
         </a:spcBef>
         <a:buFont typeface="Arial" panose="020B0604020202020204" pitchFamily="34" charset="0"/>
         <a:buChar char="•"/>
-        <a:defRPr sz="1440" kern="1200">
+        <a:defRPr sz="1620" kern="1200">
           <a:solidFill>
             <a:schemeClr val="tx1"/>
           </a:solidFill>
@@ -2818,16 +2819,16 @@
           <a:cs typeface="+mn-cs"/>
         </a:defRPr>
       </a:lvl7pPr>
-      <a:lvl8pPr marL="2743200" indent="-182880" algn="l" defTabSz="731520" rtl="0" eaLnBrk="1" latinLnBrk="0" hangingPunct="1">
+      <a:lvl8pPr marL="3086100" indent="-205740" algn="l" defTabSz="822960" rtl="0" eaLnBrk="1" latinLnBrk="0" hangingPunct="1">
         <a:lnSpc>
           <a:spcPct val="90000"/>
         </a:lnSpc>
         <a:spcBef>
-          <a:spcPts val="400"/>
+          <a:spcPts val="450"/>
         </a:spcBef>
         <a:buFont typeface="Arial" panose="020B0604020202020204" pitchFamily="34" charset="0"/>
         <a:buChar char="•"/>
-        <a:defRPr sz="1440" kern="1200">
+        <a:defRPr sz="1620" kern="1200">
           <a:solidFill>
             <a:schemeClr val="tx1"/>
           </a:solidFill>
@@ -2836,16 +2837,16 @@
           <a:cs typeface="+mn-cs"/>
         </a:defRPr>
       </a:lvl8pPr>
-      <a:lvl9pPr marL="3108960" indent="-182880" algn="l" defTabSz="731520" rtl="0" eaLnBrk="1" latinLnBrk="0" hangingPunct="1">
+      <a:lvl9pPr marL="3497580" indent="-205740" algn="l" defTabSz="822960" rtl="0" eaLnBrk="1" latinLnBrk="0" hangingPunct="1">
         <a:lnSpc>
           <a:spcPct val="90000"/>
         </a:lnSpc>
         <a:spcBef>
-          <a:spcPts val="400"/>
+          <a:spcPts val="450"/>
         </a:spcBef>
         <a:buFont typeface="Arial" panose="020B0604020202020204" pitchFamily="34" charset="0"/>
         <a:buChar char="•"/>
-        <a:defRPr sz="1440" kern="1200">
+        <a:defRPr sz="1620" kern="1200">
           <a:solidFill>
             <a:schemeClr val="tx1"/>
           </a:solidFill>
@@ -2859,8 +2860,8 @@
       <a:defPPr>
         <a:defRPr lang="en-US"/>
       </a:defPPr>
-      <a:lvl1pPr marL="0" algn="l" defTabSz="731520" rtl="0" eaLnBrk="1" latinLnBrk="0" hangingPunct="1">
-        <a:defRPr sz="1440" kern="1200">
+      <a:lvl1pPr marL="0" algn="l" defTabSz="822960" rtl="0" eaLnBrk="1" latinLnBrk="0" hangingPunct="1">
+        <a:defRPr sz="1620" kern="1200">
           <a:solidFill>
             <a:schemeClr val="tx1"/>
           </a:solidFill>
@@ -2869,8 +2870,8 @@
           <a:cs typeface="+mn-cs"/>
         </a:defRPr>
       </a:lvl1pPr>
-      <a:lvl2pPr marL="365760" algn="l" defTabSz="731520" rtl="0" eaLnBrk="1" latinLnBrk="0" hangingPunct="1">
-        <a:defRPr sz="1440" kern="1200">
+      <a:lvl2pPr marL="411480" algn="l" defTabSz="822960" rtl="0" eaLnBrk="1" latinLnBrk="0" hangingPunct="1">
+        <a:defRPr sz="1620" kern="1200">
           <a:solidFill>
             <a:schemeClr val="tx1"/>
           </a:solidFill>
@@ -2879,8 +2880,8 @@
           <a:cs typeface="+mn-cs"/>
         </a:defRPr>
       </a:lvl2pPr>
-      <a:lvl3pPr marL="731520" algn="l" defTabSz="731520" rtl="0" eaLnBrk="1" latinLnBrk="0" hangingPunct="1">
-        <a:defRPr sz="1440" kern="1200">
+      <a:lvl3pPr marL="822960" algn="l" defTabSz="822960" rtl="0" eaLnBrk="1" latinLnBrk="0" hangingPunct="1">
+        <a:defRPr sz="1620" kern="1200">
           <a:solidFill>
             <a:schemeClr val="tx1"/>
           </a:solidFill>
@@ -2889,8 +2890,8 @@
           <a:cs typeface="+mn-cs"/>
         </a:defRPr>
       </a:lvl3pPr>
-      <a:lvl4pPr marL="1097280" algn="l" defTabSz="731520" rtl="0" eaLnBrk="1" latinLnBrk="0" hangingPunct="1">
-        <a:defRPr sz="1440" kern="1200">
+      <a:lvl4pPr marL="1234440" algn="l" defTabSz="822960" rtl="0" eaLnBrk="1" latinLnBrk="0" hangingPunct="1">
+        <a:defRPr sz="1620" kern="1200">
           <a:solidFill>
             <a:schemeClr val="tx1"/>
           </a:solidFill>
@@ -2899,8 +2900,8 @@
           <a:cs typeface="+mn-cs"/>
         </a:defRPr>
       </a:lvl4pPr>
-      <a:lvl5pPr marL="1463040" algn="l" defTabSz="731520" rtl="0" eaLnBrk="1" latinLnBrk="0" hangingPunct="1">
-        <a:defRPr sz="1440" kern="1200">
+      <a:lvl5pPr marL="1645920" algn="l" defTabSz="822960" rtl="0" eaLnBrk="1" latinLnBrk="0" hangingPunct="1">
+        <a:defRPr sz="1620" kern="1200">
           <a:solidFill>
             <a:schemeClr val="tx1"/>
           </a:solidFill>
@@ -2909,8 +2910,8 @@
           <a:cs typeface="+mn-cs"/>
         </a:defRPr>
       </a:lvl5pPr>
-      <a:lvl6pPr marL="1828800" algn="l" defTabSz="731520" rtl="0" eaLnBrk="1" latinLnBrk="0" hangingPunct="1">
-        <a:defRPr sz="1440" kern="1200">
+      <a:lvl6pPr marL="2057400" algn="l" defTabSz="822960" rtl="0" eaLnBrk="1" latinLnBrk="0" hangingPunct="1">
+        <a:defRPr sz="1620" kern="1200">
           <a:solidFill>
             <a:schemeClr val="tx1"/>
           </a:solidFill>
@@ -2919,8 +2920,8 @@
           <a:cs typeface="+mn-cs"/>
         </a:defRPr>
       </a:lvl6pPr>
-      <a:lvl7pPr marL="2194560" algn="l" defTabSz="731520" rtl="0" eaLnBrk="1" latinLnBrk="0" hangingPunct="1">
-        <a:defRPr sz="1440" kern="1200">
+      <a:lvl7pPr marL="2468880" algn="l" defTabSz="822960" rtl="0" eaLnBrk="1" latinLnBrk="0" hangingPunct="1">
+        <a:defRPr sz="1620" kern="1200">
           <a:solidFill>
             <a:schemeClr val="tx1"/>
           </a:solidFill>
@@ -2929,8 +2930,8 @@
           <a:cs typeface="+mn-cs"/>
         </a:defRPr>
       </a:lvl7pPr>
-      <a:lvl8pPr marL="2560320" algn="l" defTabSz="731520" rtl="0" eaLnBrk="1" latinLnBrk="0" hangingPunct="1">
-        <a:defRPr sz="1440" kern="1200">
+      <a:lvl8pPr marL="2880360" algn="l" defTabSz="822960" rtl="0" eaLnBrk="1" latinLnBrk="0" hangingPunct="1">
+        <a:defRPr sz="1620" kern="1200">
           <a:solidFill>
             <a:schemeClr val="tx1"/>
           </a:solidFill>
@@ -2939,8 +2940,8 @@
           <a:cs typeface="+mn-cs"/>
         </a:defRPr>
       </a:lvl8pPr>
-      <a:lvl9pPr marL="2926080" algn="l" defTabSz="731520" rtl="0" eaLnBrk="1" latinLnBrk="0" hangingPunct="1">
-        <a:defRPr sz="1440" kern="1200">
+      <a:lvl9pPr marL="3291840" algn="l" defTabSz="822960" rtl="0" eaLnBrk="1" latinLnBrk="0" hangingPunct="1">
+        <a:defRPr sz="1620" kern="1200">
           <a:solidFill>
             <a:schemeClr val="tx1"/>
           </a:solidFill>
@@ -2985,7 +2986,7 @@
         </p:nvSpPr>
         <p:spPr>
           <a:xfrm>
-            <a:off x="200339" y="696929"/>
+            <a:off x="657539" y="925529"/>
             <a:ext cx="5486400" cy="5486400"/>
           </a:xfrm>
           <a:prstGeom prst="rect">
@@ -3042,7 +3043,7 @@
         </p:nvCxnSpPr>
         <p:spPr>
           <a:xfrm flipH="1" flipV="1">
-            <a:off x="2941747" y="685767"/>
+            <a:off x="3398947" y="914367"/>
             <a:ext cx="1792" cy="5497562"/>
           </a:xfrm>
           <a:prstGeom prst="line">
@@ -3086,8 +3087,8 @@
         </p:nvCxnSpPr>
         <p:spPr>
           <a:xfrm flipV="1">
-            <a:off x="421003" y="5393355"/>
-            <a:ext cx="0" cy="572552"/>
+            <a:off x="878203" y="5621957"/>
+            <a:ext cx="0" cy="572553"/>
           </a:xfrm>
           <a:prstGeom prst="straightConnector1">
             <a:avLst/>
@@ -3128,7 +3129,7 @@
         </p:nvCxnSpPr>
         <p:spPr>
           <a:xfrm flipV="1">
-            <a:off x="413971" y="5965911"/>
+            <a:off x="871193" y="6194544"/>
             <a:ext cx="542219" cy="1"/>
           </a:xfrm>
           <a:prstGeom prst="straightConnector1">
@@ -3168,8 +3169,8 @@
         </p:nvSpPr>
         <p:spPr>
           <a:xfrm>
-            <a:off x="874821" y="5635060"/>
-            <a:ext cx="320922" cy="369332"/>
+            <a:off x="1332021" y="5863661"/>
+            <a:ext cx="320922" cy="369460"/>
           </a:xfrm>
           <a:prstGeom prst="rect">
             <a:avLst/>
@@ -3183,7 +3184,7 @@
           <a:lstStyle/>
           <a:p>
             <a:r>
-              <a:rPr lang="en-US" dirty="0">
+              <a:rPr lang="en-US" sz="1801" dirty="0">
                 <a:latin typeface="Verdana" panose="020B0604030504040204" pitchFamily="34" charset="0"/>
                 <a:ea typeface="Verdana" panose="020B0604030504040204" pitchFamily="34" charset="0"/>
               </a:rPr>
@@ -3206,8 +3207,8 @@
         </p:nvSpPr>
         <p:spPr>
           <a:xfrm>
-            <a:off x="449265" y="5173879"/>
-            <a:ext cx="320922" cy="369332"/>
+            <a:off x="906465" y="5402478"/>
+            <a:ext cx="320922" cy="369460"/>
           </a:xfrm>
           <a:prstGeom prst="rect">
             <a:avLst/>
@@ -3221,7 +3222,7 @@
           <a:lstStyle/>
           <a:p>
             <a:r>
-              <a:rPr lang="en-US" dirty="0">
+              <a:rPr lang="en-US" sz="1801" dirty="0">
                 <a:latin typeface="Verdana" panose="020B0604030504040204" pitchFamily="34" charset="0"/>
                 <a:ea typeface="Verdana" panose="020B0604030504040204" pitchFamily="34" charset="0"/>
               </a:rPr>
@@ -3244,8 +3245,8 @@
         </p:nvSpPr>
         <p:spPr>
           <a:xfrm>
-            <a:off x="2630608" y="2988319"/>
-            <a:ext cx="622286" cy="369332"/>
+            <a:off x="3087019" y="3216919"/>
+            <a:ext cx="623889" cy="369460"/>
           </a:xfrm>
           <a:prstGeom prst="rect">
             <a:avLst/>
@@ -3262,7 +3263,7 @@
           <a:p>
             <a:pPr algn="ctr"/>
             <a:r>
-              <a:rPr lang="en-US" dirty="0">
+              <a:rPr lang="en-US" sz="1801" dirty="0">
                 <a:latin typeface="Verdana" panose="020B0604030504040204" pitchFamily="34" charset="0"/>
                 <a:ea typeface="Verdana" panose="020B0604030504040204" pitchFamily="34" charset="0"/>
               </a:rPr>
@@ -3285,8 +3286,8 @@
         </p:nvSpPr>
         <p:spPr>
           <a:xfrm>
-            <a:off x="1681792" y="5557698"/>
-            <a:ext cx="1086323" cy="369332"/>
+            <a:off x="2139024" y="5786299"/>
+            <a:ext cx="1086323" cy="369460"/>
           </a:xfrm>
           <a:prstGeom prst="rect">
             <a:avLst/>
@@ -3300,7 +3301,7 @@
           <a:lstStyle/>
           <a:p>
             <a:r>
-              <a:rPr lang="en-US" dirty="0">
+              <a:rPr lang="en-US" sz="1801" dirty="0">
                 <a:latin typeface="Verdana" panose="020B0604030504040204" pitchFamily="34" charset="0"/>
                 <a:ea typeface="Verdana" panose="020B0604030504040204" pitchFamily="34" charset="0"/>
               </a:rPr>
@@ -3325,7 +3326,7 @@
         </p:nvCxnSpPr>
         <p:spPr>
           <a:xfrm flipH="1">
-            <a:off x="1895587" y="5875072"/>
+            <a:off x="2352818" y="6103694"/>
             <a:ext cx="268147" cy="307211"/>
           </a:xfrm>
           <a:prstGeom prst="line">
@@ -3366,8 +3367,8 @@
         </p:nvSpPr>
         <p:spPr>
           <a:xfrm>
-            <a:off x="1681791" y="61185"/>
-            <a:ext cx="1086323" cy="369332"/>
+            <a:off x="2139012" y="289785"/>
+            <a:ext cx="1086323" cy="369460"/>
           </a:xfrm>
           <a:prstGeom prst="rect">
             <a:avLst/>
@@ -3381,7 +3382,7 @@
           <a:lstStyle/>
           <a:p>
             <a:r>
-              <a:rPr lang="en-US" dirty="0">
+              <a:rPr lang="en-US" sz="1801" dirty="0">
                 <a:latin typeface="Verdana" panose="020B0604030504040204" pitchFamily="34" charset="0"/>
                 <a:ea typeface="Verdana" panose="020B0604030504040204" pitchFamily="34" charset="0"/>
               </a:rPr>
@@ -3406,7 +3407,7 @@
         </p:nvCxnSpPr>
         <p:spPr>
           <a:xfrm flipH="1">
-            <a:off x="1895587" y="378559"/>
+            <a:off x="2352818" y="607182"/>
             <a:ext cx="268147" cy="307211"/>
           </a:xfrm>
           <a:prstGeom prst="line">
@@ -3447,7 +3448,7 @@
         </p:nvSpPr>
         <p:spPr>
           <a:xfrm>
-            <a:off x="-486899" y="1102339"/>
+            <a:off x="-29699" y="1330945"/>
             <a:ext cx="1371600" cy="1371600"/>
           </a:xfrm>
           <a:prstGeom prst="pie">
@@ -3506,8 +3507,8 @@
         </p:nvSpPr>
         <p:spPr>
           <a:xfrm rot="16200000">
-            <a:off x="62190" y="1599101"/>
-            <a:ext cx="875561" cy="369332"/>
+            <a:off x="519421" y="1827638"/>
+            <a:ext cx="875560" cy="369460"/>
           </a:xfrm>
           <a:prstGeom prst="rect">
             <a:avLst/>
@@ -3531,7 +3532,7 @@
           </a:lstStyle>
           <a:p>
             <a:r>
-              <a:rPr lang="en-US" sz="1800" dirty="0"/>
+              <a:rPr lang="en-US" sz="1801" dirty="0"/>
               <a:t>Liquid</a:t>
             </a:r>
           </a:p>
@@ -3551,8 +3552,8 @@
         </p:nvSpPr>
         <p:spPr>
           <a:xfrm>
-            <a:off x="257646" y="3362244"/>
-            <a:ext cx="1595117" cy="923330"/>
+            <a:off x="714878" y="3590843"/>
+            <a:ext cx="1595117" cy="923714"/>
           </a:xfrm>
           <a:prstGeom prst="rect">
             <a:avLst/>
@@ -3566,7 +3567,7 @@
           <a:lstStyle/>
           <a:p>
             <a:r>
-              <a:rPr lang="en-US" dirty="0">
+              <a:rPr lang="en-US" sz="1801" dirty="0">
                 <a:latin typeface="Verdana" panose="020B0604030504040204" pitchFamily="34" charset="0"/>
                 <a:ea typeface="Verdana" panose="020B0604030504040204" pitchFamily="34" charset="0"/>
               </a:rPr>
@@ -3575,20 +3576,20 @@
           </a:p>
           <a:p>
             <a:r>
-              <a:rPr lang="en-US" dirty="0">
+              <a:rPr lang="en-US" sz="1801" dirty="0">
                 <a:latin typeface="Verdana" panose="020B0604030504040204" pitchFamily="34" charset="0"/>
                 <a:ea typeface="Verdana" panose="020B0604030504040204" pitchFamily="34" charset="0"/>
               </a:rPr>
               <a:t>(Symmetry)</a:t>
             </a:r>
             <a:br>
-              <a:rPr lang="en-US" dirty="0">
+              <a:rPr lang="en-US" sz="1801" dirty="0">
                 <a:latin typeface="Verdana" panose="020B0604030504040204" pitchFamily="34" charset="0"/>
                 <a:ea typeface="Verdana" panose="020B0604030504040204" pitchFamily="34" charset="0"/>
               </a:rPr>
             </a:br>
             <a:r>
-              <a:rPr lang="en-US" dirty="0">
+              <a:rPr lang="en-US" sz="1801" dirty="0">
                 <a:latin typeface="Verdana" panose="020B0604030504040204" pitchFamily="34" charset="0"/>
                 <a:ea typeface="Verdana" panose="020B0604030504040204" pitchFamily="34" charset="0"/>
               </a:rPr>
@@ -3613,7 +3614,7 @@
         </p:nvCxnSpPr>
         <p:spPr>
           <a:xfrm flipH="1">
-            <a:off x="206922" y="4289150"/>
+            <a:off x="664146" y="4517774"/>
             <a:ext cx="268147" cy="307211"/>
           </a:xfrm>
           <a:prstGeom prst="line">
@@ -3656,7 +3657,7 @@
         </p:nvCxnSpPr>
         <p:spPr>
           <a:xfrm flipH="1">
-            <a:off x="5671709" y="4289150"/>
+            <a:off x="6128931" y="4517774"/>
             <a:ext cx="268147" cy="307211"/>
           </a:xfrm>
           <a:prstGeom prst="line">
@@ -3697,8 +3698,8 @@
         </p:nvSpPr>
         <p:spPr>
           <a:xfrm>
-            <a:off x="2964759" y="3914233"/>
-            <a:ext cx="1595117" cy="369332"/>
+            <a:off x="3421984" y="4142830"/>
+            <a:ext cx="1595117" cy="369460"/>
           </a:xfrm>
           <a:prstGeom prst="rect">
             <a:avLst/>
@@ -3712,7 +3713,7 @@
           <a:lstStyle/>
           <a:p>
             <a:r>
-              <a:rPr lang="en-US" dirty="0">
+              <a:rPr lang="en-US" sz="1801" dirty="0">
                 <a:latin typeface="Verdana" panose="020B0604030504040204" pitchFamily="34" charset="0"/>
                 <a:ea typeface="Verdana" panose="020B0604030504040204" pitchFamily="34" charset="0"/>
               </a:rPr>
@@ -3737,7 +3738,7 @@
         </p:nvCxnSpPr>
         <p:spPr>
           <a:xfrm flipH="1">
-            <a:off x="2935088" y="4289150"/>
+            <a:off x="3392310" y="4517774"/>
             <a:ext cx="268147" cy="307211"/>
           </a:xfrm>
           <a:prstGeom prst="line">
@@ -3778,8 +3779,8 @@
         </p:nvSpPr>
         <p:spPr>
           <a:xfrm>
-            <a:off x="3326615" y="1275805"/>
-            <a:ext cx="1996830" cy="1477328"/>
+            <a:off x="3783842" y="1504408"/>
+            <a:ext cx="1996829" cy="1477969"/>
           </a:xfrm>
           <a:prstGeom prst="rect">
             <a:avLst/>
@@ -3794,59 +3795,59 @@
           <a:p>
             <a:pPr algn="ctr"/>
             <a:r>
-              <a:rPr lang="en-US" dirty="0">
+              <a:rPr lang="en-US" sz="1801" dirty="0">
                 <a:latin typeface="Verdana" panose="020B0604030504040204" pitchFamily="34" charset="0"/>
                 <a:ea typeface="Verdana" panose="020B0604030504040204" pitchFamily="34" charset="0"/>
               </a:rPr>
               <a:t>Force densities </a:t>
             </a:r>
             <a:br>
-              <a:rPr lang="en-US" dirty="0">
+              <a:rPr lang="en-US" sz="1801" dirty="0">
                 <a:latin typeface="Verdana" panose="020B0604030504040204" pitchFamily="34" charset="0"/>
                 <a:ea typeface="Verdana" panose="020B0604030504040204" pitchFamily="34" charset="0"/>
               </a:rPr>
             </a:br>
             <a:r>
-              <a:rPr lang="en-US" dirty="0">
+              <a:rPr lang="en-US" sz="1801" dirty="0">
                 <a:latin typeface="Verdana" panose="020B0604030504040204" pitchFamily="34" charset="0"/>
                 <a:ea typeface="Verdana" panose="020B0604030504040204" pitchFamily="34" charset="0"/>
               </a:rPr>
               <a:t>in this half </a:t>
             </a:r>
             <a:br>
-              <a:rPr lang="en-US" dirty="0">
+              <a:rPr lang="en-US" sz="1801" dirty="0">
                 <a:latin typeface="Verdana" panose="020B0604030504040204" pitchFamily="34" charset="0"/>
                 <a:ea typeface="Verdana" panose="020B0604030504040204" pitchFamily="34" charset="0"/>
               </a:rPr>
             </a:br>
             <a:r>
-              <a:rPr lang="en-US" dirty="0">
+              <a:rPr lang="en-US" sz="1801" dirty="0">
                 <a:latin typeface="Verdana" panose="020B0604030504040204" pitchFamily="34" charset="0"/>
                 <a:ea typeface="Verdana" panose="020B0604030504040204" pitchFamily="34" charset="0"/>
               </a:rPr>
               <a:t>is a mirrored </a:t>
             </a:r>
             <a:br>
-              <a:rPr lang="en-US" dirty="0">
+              <a:rPr lang="en-US" sz="1801" dirty="0">
                 <a:latin typeface="Verdana" panose="020B0604030504040204" pitchFamily="34" charset="0"/>
                 <a:ea typeface="Verdana" panose="020B0604030504040204" pitchFamily="34" charset="0"/>
               </a:rPr>
             </a:br>
             <a:r>
-              <a:rPr lang="en-US" dirty="0">
+              <a:rPr lang="en-US" sz="1801" dirty="0">
                 <a:latin typeface="Verdana" panose="020B0604030504040204" pitchFamily="34" charset="0"/>
                 <a:ea typeface="Verdana" panose="020B0604030504040204" pitchFamily="34" charset="0"/>
               </a:rPr>
               <a:t>copy of the</a:t>
             </a:r>
             <a:br>
-              <a:rPr lang="en-US" dirty="0">
+              <a:rPr lang="en-US" sz="1801" dirty="0">
                 <a:latin typeface="Verdana" panose="020B0604030504040204" pitchFamily="34" charset="0"/>
                 <a:ea typeface="Verdana" panose="020B0604030504040204" pitchFamily="34" charset="0"/>
               </a:rPr>
             </a:br>
             <a:r>
-              <a:rPr lang="en-US" dirty="0">
+              <a:rPr lang="en-US" sz="1801" dirty="0">
                 <a:latin typeface="Verdana" panose="020B0604030504040204" pitchFamily="34" charset="0"/>
                 <a:ea typeface="Verdana" panose="020B0604030504040204" pitchFamily="34" charset="0"/>
               </a:rPr>
@@ -3869,8 +3870,8 @@
         </p:nvSpPr>
         <p:spPr>
           <a:xfrm>
-            <a:off x="5726349" y="3344891"/>
-            <a:ext cx="1595117" cy="923330"/>
+            <a:off x="6183581" y="3573496"/>
+            <a:ext cx="1595117" cy="923714"/>
           </a:xfrm>
           <a:prstGeom prst="rect">
             <a:avLst/>
@@ -3884,7 +3885,7 @@
           <a:lstStyle/>
           <a:p>
             <a:r>
-              <a:rPr lang="en-US" dirty="0">
+              <a:rPr lang="en-US" sz="1801" dirty="0">
                 <a:latin typeface="Verdana" panose="020B0604030504040204" pitchFamily="34" charset="0"/>
                 <a:ea typeface="Verdana" panose="020B0604030504040204" pitchFamily="34" charset="0"/>
               </a:rPr>
@@ -3893,20 +3894,20 @@
           </a:p>
           <a:p>
             <a:r>
-              <a:rPr lang="en-US" dirty="0">
+              <a:rPr lang="en-US" sz="1801" dirty="0">
                 <a:latin typeface="Verdana" panose="020B0604030504040204" pitchFamily="34" charset="0"/>
                 <a:ea typeface="Verdana" panose="020B0604030504040204" pitchFamily="34" charset="0"/>
               </a:rPr>
               <a:t>(Symmetry)</a:t>
             </a:r>
             <a:br>
-              <a:rPr lang="en-US" dirty="0">
+              <a:rPr lang="en-US" sz="1801" dirty="0">
                 <a:latin typeface="Verdana" panose="020B0604030504040204" pitchFamily="34" charset="0"/>
                 <a:ea typeface="Verdana" panose="020B0604030504040204" pitchFamily="34" charset="0"/>
               </a:rPr>
             </a:br>
             <a:r>
-              <a:rPr lang="en-US" dirty="0">
+              <a:rPr lang="en-US" sz="1801" dirty="0">
                 <a:latin typeface="Verdana" panose="020B0604030504040204" pitchFamily="34" charset="0"/>
                 <a:ea typeface="Verdana" panose="020B0604030504040204" pitchFamily="34" charset="0"/>
               </a:rPr>
@@ -3919,6 +3920,1637 @@
     <p:extLst>
       <p:ext uri="{BB962C8B-B14F-4D97-AF65-F5344CB8AC3E}">
         <p14:creationId xmlns:p14="http://schemas.microsoft.com/office/powerpoint/2010/main" val="3255000700"/>
+      </p:ext>
+    </p:extLst>
+  </p:cSld>
+  <p:clrMapOvr>
+    <a:masterClrMapping/>
+  </p:clrMapOvr>
+</p:sld>
+</file>
+
+<file path=ppt/slides/slide2.xml><?xml version="1.0" encoding="utf-8"?>
+<p:sld xmlns:a="http://schemas.openxmlformats.org/drawingml/2006/main" xmlns:r="http://schemas.openxmlformats.org/officeDocument/2006/relationships" xmlns:p="http://schemas.openxmlformats.org/presentationml/2006/main">
+  <p:cSld>
+    <p:spTree>
+      <p:nvGrpSpPr>
+        <p:cNvPr id="1" name=""/>
+        <p:cNvGrpSpPr/>
+        <p:nvPr/>
+      </p:nvGrpSpPr>
+      <p:grpSpPr>
+        <a:xfrm>
+          <a:off x="0" y="0"/>
+          <a:ext cx="0" cy="0"/>
+          <a:chOff x="0" y="0"/>
+          <a:chExt cx="0" cy="0"/>
+        </a:xfrm>
+      </p:grpSpPr>
+      <p:sp>
+        <p:nvSpPr>
+          <p:cNvPr id="4" name="Rectangle 3">
+            <a:extLst>
+              <a:ext uri="{FF2B5EF4-FFF2-40B4-BE49-F238E27FC236}">
+                <a16:creationId xmlns:a16="http://schemas.microsoft.com/office/drawing/2014/main" id="{FD80AC20-1EE5-47E9-9DDD-08E78681430D}"/>
+              </a:ext>
+            </a:extLst>
+          </p:cNvPr>
+          <p:cNvSpPr/>
+          <p:nvPr/>
+        </p:nvSpPr>
+        <p:spPr>
+          <a:xfrm>
+            <a:off x="1071295" y="737496"/>
+            <a:ext cx="5486400" cy="5486400"/>
+          </a:xfrm>
+          <a:prstGeom prst="rect">
+            <a:avLst/>
+          </a:prstGeom>
+          <a:solidFill>
+            <a:schemeClr val="bg1"/>
+          </a:solidFill>
+          <a:ln w="57150">
+            <a:solidFill>
+              <a:schemeClr val="tx1"/>
+            </a:solidFill>
+          </a:ln>
+        </p:spPr>
+        <p:style>
+          <a:lnRef idx="2">
+            <a:schemeClr val="accent1">
+              <a:shade val="50000"/>
+            </a:schemeClr>
+          </a:lnRef>
+          <a:fillRef idx="1">
+            <a:schemeClr val="accent1"/>
+          </a:fillRef>
+          <a:effectRef idx="0">
+            <a:schemeClr val="accent1"/>
+          </a:effectRef>
+          <a:fontRef idx="minor">
+            <a:schemeClr val="lt1"/>
+          </a:fontRef>
+        </p:style>
+        <p:txBody>
+          <a:bodyPr rtlCol="0" anchor="ctr"/>
+          <a:lstStyle/>
+          <a:p>
+            <a:pPr algn="ctr"/>
+            <a:endParaRPr lang="en-US" sz="1350" dirty="0"/>
+          </a:p>
+        </p:txBody>
+      </p:sp>
+      <p:cxnSp>
+        <p:nvCxnSpPr>
+          <p:cNvPr id="36" name="Straight Connector 35">
+            <a:extLst>
+              <a:ext uri="{FF2B5EF4-FFF2-40B4-BE49-F238E27FC236}">
+                <a16:creationId xmlns:a16="http://schemas.microsoft.com/office/drawing/2014/main" id="{661F1643-1BDB-4277-A10A-C2C243BE0459}"/>
+              </a:ext>
+            </a:extLst>
+          </p:cNvPr>
+          <p:cNvCxnSpPr>
+            <a:cxnSpLocks/>
+            <a:stCxn id="4" idx="2"/>
+          </p:cNvCxnSpPr>
+          <p:nvPr/>
+        </p:nvCxnSpPr>
+        <p:spPr>
+          <a:xfrm flipH="1" flipV="1">
+            <a:off x="3812703" y="726334"/>
+            <a:ext cx="1792" cy="5497562"/>
+          </a:xfrm>
+          <a:prstGeom prst="line">
+            <a:avLst/>
+          </a:prstGeom>
+          <a:ln w="38100">
+            <a:solidFill>
+              <a:schemeClr val="tx1"/>
+            </a:solidFill>
+            <a:prstDash val="dash"/>
+          </a:ln>
+        </p:spPr>
+        <p:style>
+          <a:lnRef idx="1">
+            <a:schemeClr val="accent1"/>
+          </a:lnRef>
+          <a:fillRef idx="0">
+            <a:schemeClr val="accent1"/>
+          </a:fillRef>
+          <a:effectRef idx="0">
+            <a:schemeClr val="accent1"/>
+          </a:effectRef>
+          <a:fontRef idx="minor">
+            <a:schemeClr val="tx1"/>
+          </a:fontRef>
+        </p:style>
+      </p:cxnSp>
+      <p:cxnSp>
+        <p:nvCxnSpPr>
+          <p:cNvPr id="24" name="Straight Arrow Connector 23">
+            <a:extLst>
+              <a:ext uri="{FF2B5EF4-FFF2-40B4-BE49-F238E27FC236}">
+                <a16:creationId xmlns:a16="http://schemas.microsoft.com/office/drawing/2014/main" id="{C710553E-EE82-49E2-8530-CB1F2C29CD73}"/>
+              </a:ext>
+            </a:extLst>
+          </p:cNvPr>
+          <p:cNvCxnSpPr>
+            <a:cxnSpLocks/>
+          </p:cNvCxnSpPr>
+          <p:nvPr/>
+        </p:nvCxnSpPr>
+        <p:spPr>
+          <a:xfrm flipV="1">
+            <a:off x="1291959" y="5433925"/>
+            <a:ext cx="0" cy="572553"/>
+          </a:xfrm>
+          <a:prstGeom prst="straightConnector1">
+            <a:avLst/>
+          </a:prstGeom>
+          <a:ln w="38100">
+            <a:headEnd type="none" w="lg" len="lg"/>
+            <a:tailEnd type="triangle" w="lg" len="lg"/>
+          </a:ln>
+        </p:spPr>
+        <p:style>
+          <a:lnRef idx="1">
+            <a:schemeClr val="dk1"/>
+          </a:lnRef>
+          <a:fillRef idx="0">
+            <a:schemeClr val="dk1"/>
+          </a:fillRef>
+          <a:effectRef idx="0">
+            <a:schemeClr val="dk1"/>
+          </a:effectRef>
+          <a:fontRef idx="minor">
+            <a:schemeClr val="tx1"/>
+          </a:fontRef>
+        </p:style>
+      </p:cxnSp>
+      <p:cxnSp>
+        <p:nvCxnSpPr>
+          <p:cNvPr id="28" name="Straight Arrow Connector 27">
+            <a:extLst>
+              <a:ext uri="{FF2B5EF4-FFF2-40B4-BE49-F238E27FC236}">
+                <a16:creationId xmlns:a16="http://schemas.microsoft.com/office/drawing/2014/main" id="{74B815CA-24C4-49AB-B6EF-610FBE21EE15}"/>
+              </a:ext>
+            </a:extLst>
+          </p:cNvPr>
+          <p:cNvCxnSpPr>
+            <a:cxnSpLocks/>
+          </p:cNvCxnSpPr>
+          <p:nvPr/>
+        </p:nvCxnSpPr>
+        <p:spPr>
+          <a:xfrm flipV="1">
+            <a:off x="1284950" y="6006508"/>
+            <a:ext cx="542219" cy="1"/>
+          </a:xfrm>
+          <a:prstGeom prst="straightConnector1">
+            <a:avLst/>
+          </a:prstGeom>
+          <a:ln w="38100">
+            <a:headEnd type="none" w="lg" len="lg"/>
+            <a:tailEnd type="triangle" w="lg" len="lg"/>
+          </a:ln>
+        </p:spPr>
+        <p:style>
+          <a:lnRef idx="1">
+            <a:schemeClr val="dk1"/>
+          </a:lnRef>
+          <a:fillRef idx="0">
+            <a:schemeClr val="dk1"/>
+          </a:fillRef>
+          <a:effectRef idx="0">
+            <a:schemeClr val="dk1"/>
+          </a:effectRef>
+          <a:fontRef idx="minor">
+            <a:schemeClr val="tx1"/>
+          </a:fontRef>
+        </p:style>
+      </p:cxnSp>
+      <p:sp>
+        <p:nvSpPr>
+          <p:cNvPr id="31" name="TextBox 30">
+            <a:extLst>
+              <a:ext uri="{FF2B5EF4-FFF2-40B4-BE49-F238E27FC236}">
+                <a16:creationId xmlns:a16="http://schemas.microsoft.com/office/drawing/2014/main" id="{1550F232-6E04-4B4A-8F37-5C1F235C7B62}"/>
+              </a:ext>
+            </a:extLst>
+          </p:cNvPr>
+          <p:cNvSpPr txBox="1"/>
+          <p:nvPr/>
+        </p:nvSpPr>
+        <p:spPr>
+          <a:xfrm>
+            <a:off x="1745777" y="5675628"/>
+            <a:ext cx="320922" cy="369460"/>
+          </a:xfrm>
+          <a:prstGeom prst="rect">
+            <a:avLst/>
+          </a:prstGeom>
+          <a:noFill/>
+        </p:spPr>
+        <p:txBody>
+          <a:bodyPr wrap="none" rtlCol="0">
+            <a:spAutoFit/>
+          </a:bodyPr>
+          <a:lstStyle/>
+          <a:p>
+            <a:r>
+              <a:rPr lang="en-US" sz="1801" dirty="0">
+                <a:latin typeface="Verdana" panose="020B0604030504040204" pitchFamily="34" charset="0"/>
+                <a:ea typeface="Verdana" panose="020B0604030504040204" pitchFamily="34" charset="0"/>
+              </a:rPr>
+              <a:t>x</a:t>
+            </a:r>
+          </a:p>
+        </p:txBody>
+      </p:sp>
+      <p:sp>
+        <p:nvSpPr>
+          <p:cNvPr id="33" name="TextBox 32">
+            <a:extLst>
+              <a:ext uri="{FF2B5EF4-FFF2-40B4-BE49-F238E27FC236}">
+                <a16:creationId xmlns:a16="http://schemas.microsoft.com/office/drawing/2014/main" id="{1BC810BA-3E36-424F-B819-704AD22192F6}"/>
+              </a:ext>
+            </a:extLst>
+          </p:cNvPr>
+          <p:cNvSpPr txBox="1"/>
+          <p:nvPr/>
+        </p:nvSpPr>
+        <p:spPr>
+          <a:xfrm>
+            <a:off x="1320221" y="5214446"/>
+            <a:ext cx="320922" cy="369460"/>
+          </a:xfrm>
+          <a:prstGeom prst="rect">
+            <a:avLst/>
+          </a:prstGeom>
+          <a:noFill/>
+        </p:spPr>
+        <p:txBody>
+          <a:bodyPr wrap="none" rtlCol="0">
+            <a:spAutoFit/>
+          </a:bodyPr>
+          <a:lstStyle/>
+          <a:p>
+            <a:r>
+              <a:rPr lang="en-US" sz="1801" dirty="0">
+                <a:latin typeface="Verdana" panose="020B0604030504040204" pitchFamily="34" charset="0"/>
+                <a:ea typeface="Verdana" panose="020B0604030504040204" pitchFamily="34" charset="0"/>
+              </a:rPr>
+              <a:t>y</a:t>
+            </a:r>
+          </a:p>
+        </p:txBody>
+      </p:sp>
+      <p:sp>
+        <p:nvSpPr>
+          <p:cNvPr id="35" name="TextBox 34">
+            <a:extLst>
+              <a:ext uri="{FF2B5EF4-FFF2-40B4-BE49-F238E27FC236}">
+                <a16:creationId xmlns:a16="http://schemas.microsoft.com/office/drawing/2014/main" id="{8E22C7C0-7875-484B-94FB-5F3CB38CE70B}"/>
+              </a:ext>
+            </a:extLst>
+          </p:cNvPr>
+          <p:cNvSpPr txBox="1"/>
+          <p:nvPr/>
+        </p:nvSpPr>
+        <p:spPr>
+          <a:xfrm>
+            <a:off x="3500774" y="3028884"/>
+            <a:ext cx="623889" cy="369460"/>
+          </a:xfrm>
+          <a:prstGeom prst="rect">
+            <a:avLst/>
+          </a:prstGeom>
+          <a:solidFill>
+            <a:schemeClr val="bg1"/>
+          </a:solidFill>
+        </p:spPr>
+        <p:txBody>
+          <a:bodyPr wrap="none" rtlCol="0">
+            <a:spAutoFit/>
+          </a:bodyPr>
+          <a:lstStyle/>
+          <a:p>
+            <a:pPr algn="ctr"/>
+            <a:r>
+              <a:rPr lang="en-US" sz="1801" dirty="0">
+                <a:latin typeface="Verdana" panose="020B0604030504040204" pitchFamily="34" charset="0"/>
+                <a:ea typeface="Verdana" panose="020B0604030504040204" pitchFamily="34" charset="0"/>
+              </a:rPr>
+              <a:t>Gas</a:t>
+            </a:r>
+          </a:p>
+        </p:txBody>
+      </p:sp>
+      <p:sp>
+        <p:nvSpPr>
+          <p:cNvPr id="39" name="TextBox 38">
+            <a:extLst>
+              <a:ext uri="{FF2B5EF4-FFF2-40B4-BE49-F238E27FC236}">
+                <a16:creationId xmlns:a16="http://schemas.microsoft.com/office/drawing/2014/main" id="{D5E4E203-CAFA-4EA7-A9D3-AB17E6A048D6}"/>
+              </a:ext>
+            </a:extLst>
+          </p:cNvPr>
+          <p:cNvSpPr txBox="1"/>
+          <p:nvPr/>
+        </p:nvSpPr>
+        <p:spPr>
+          <a:xfrm>
+            <a:off x="2552769" y="5598266"/>
+            <a:ext cx="1086323" cy="369460"/>
+          </a:xfrm>
+          <a:prstGeom prst="rect">
+            <a:avLst/>
+          </a:prstGeom>
+          <a:noFill/>
+        </p:spPr>
+        <p:txBody>
+          <a:bodyPr wrap="none" rtlCol="0">
+            <a:spAutoFit/>
+          </a:bodyPr>
+          <a:lstStyle/>
+          <a:p>
+            <a:r>
+              <a:rPr lang="en-US" sz="1801" dirty="0">
+                <a:latin typeface="Verdana" panose="020B0604030504040204" pitchFamily="34" charset="0"/>
+                <a:ea typeface="Verdana" panose="020B0604030504040204" pitchFamily="34" charset="0"/>
+              </a:rPr>
+              <a:t>Periodic</a:t>
+            </a:r>
+          </a:p>
+        </p:txBody>
+      </p:sp>
+      <p:cxnSp>
+        <p:nvCxnSpPr>
+          <p:cNvPr id="40" name="Straight Connector 39">
+            <a:extLst>
+              <a:ext uri="{FF2B5EF4-FFF2-40B4-BE49-F238E27FC236}">
+                <a16:creationId xmlns:a16="http://schemas.microsoft.com/office/drawing/2014/main" id="{6915B450-B5E9-43B9-8284-D6B847167EA5}"/>
+              </a:ext>
+            </a:extLst>
+          </p:cNvPr>
+          <p:cNvCxnSpPr>
+            <a:cxnSpLocks/>
+          </p:cNvCxnSpPr>
+          <p:nvPr/>
+        </p:nvCxnSpPr>
+        <p:spPr>
+          <a:xfrm flipH="1">
+            <a:off x="2766562" y="5915668"/>
+            <a:ext cx="268147" cy="307211"/>
+          </a:xfrm>
+          <a:prstGeom prst="line">
+            <a:avLst/>
+          </a:prstGeom>
+          <a:ln w="38100">
+            <a:solidFill>
+              <a:schemeClr val="tx1"/>
+            </a:solidFill>
+          </a:ln>
+        </p:spPr>
+        <p:style>
+          <a:lnRef idx="1">
+            <a:schemeClr val="accent1"/>
+          </a:lnRef>
+          <a:fillRef idx="0">
+            <a:schemeClr val="accent1"/>
+          </a:fillRef>
+          <a:effectRef idx="0">
+            <a:schemeClr val="accent1"/>
+          </a:effectRef>
+          <a:fontRef idx="minor">
+            <a:schemeClr val="tx1"/>
+          </a:fontRef>
+        </p:style>
+      </p:cxnSp>
+      <p:sp>
+        <p:nvSpPr>
+          <p:cNvPr id="41" name="TextBox 40">
+            <a:extLst>
+              <a:ext uri="{FF2B5EF4-FFF2-40B4-BE49-F238E27FC236}">
+                <a16:creationId xmlns:a16="http://schemas.microsoft.com/office/drawing/2014/main" id="{DA32373E-E2C4-4DF1-9C92-EC99D8651544}"/>
+              </a:ext>
+            </a:extLst>
+          </p:cNvPr>
+          <p:cNvSpPr txBox="1"/>
+          <p:nvPr/>
+        </p:nvSpPr>
+        <p:spPr>
+          <a:xfrm>
+            <a:off x="2552769" y="101748"/>
+            <a:ext cx="1086323" cy="369460"/>
+          </a:xfrm>
+          <a:prstGeom prst="rect">
+            <a:avLst/>
+          </a:prstGeom>
+          <a:noFill/>
+        </p:spPr>
+        <p:txBody>
+          <a:bodyPr wrap="none" rtlCol="0">
+            <a:spAutoFit/>
+          </a:bodyPr>
+          <a:lstStyle/>
+          <a:p>
+            <a:r>
+              <a:rPr lang="en-US" sz="1801" dirty="0">
+                <a:latin typeface="Verdana" panose="020B0604030504040204" pitchFamily="34" charset="0"/>
+                <a:ea typeface="Verdana" panose="020B0604030504040204" pitchFamily="34" charset="0"/>
+              </a:rPr>
+              <a:t>Periodic</a:t>
+            </a:r>
+          </a:p>
+        </p:txBody>
+      </p:sp>
+      <p:cxnSp>
+        <p:nvCxnSpPr>
+          <p:cNvPr id="42" name="Straight Connector 41">
+            <a:extLst>
+              <a:ext uri="{FF2B5EF4-FFF2-40B4-BE49-F238E27FC236}">
+                <a16:creationId xmlns:a16="http://schemas.microsoft.com/office/drawing/2014/main" id="{45A14AA0-9636-4E5C-9662-889D9E288041}"/>
+              </a:ext>
+            </a:extLst>
+          </p:cNvPr>
+          <p:cNvCxnSpPr>
+            <a:cxnSpLocks/>
+          </p:cNvCxnSpPr>
+          <p:nvPr/>
+        </p:nvCxnSpPr>
+        <p:spPr>
+          <a:xfrm flipH="1">
+            <a:off x="2766562" y="419145"/>
+            <a:ext cx="268147" cy="307211"/>
+          </a:xfrm>
+          <a:prstGeom prst="line">
+            <a:avLst/>
+          </a:prstGeom>
+          <a:ln w="38100">
+            <a:solidFill>
+              <a:schemeClr val="tx1"/>
+            </a:solidFill>
+          </a:ln>
+        </p:spPr>
+        <p:style>
+          <a:lnRef idx="1">
+            <a:schemeClr val="accent1"/>
+          </a:lnRef>
+          <a:fillRef idx="0">
+            <a:schemeClr val="accent1"/>
+          </a:fillRef>
+          <a:effectRef idx="0">
+            <a:schemeClr val="accent1"/>
+          </a:effectRef>
+          <a:fontRef idx="minor">
+            <a:schemeClr val="tx1"/>
+          </a:fontRef>
+        </p:style>
+      </p:cxnSp>
+      <p:sp>
+        <p:nvSpPr>
+          <p:cNvPr id="3" name="Partial Circle 2">
+            <a:extLst>
+              <a:ext uri="{FF2B5EF4-FFF2-40B4-BE49-F238E27FC236}">
+                <a16:creationId xmlns:a16="http://schemas.microsoft.com/office/drawing/2014/main" id="{898B462B-0DD7-4BE6-A8C6-803FBBAAE7B2}"/>
+              </a:ext>
+            </a:extLst>
+          </p:cNvPr>
+          <p:cNvSpPr/>
+          <p:nvPr/>
+        </p:nvSpPr>
+        <p:spPr>
+          <a:xfrm>
+            <a:off x="384057" y="1142906"/>
+            <a:ext cx="1371600" cy="1371600"/>
+          </a:xfrm>
+          <a:prstGeom prst="pie">
+            <a:avLst>
+              <a:gd name="adj1" fmla="val 16194114"/>
+              <a:gd name="adj2" fmla="val 5389866"/>
+            </a:avLst>
+          </a:prstGeom>
+          <a:solidFill>
+            <a:schemeClr val="bg1">
+              <a:lumMod val="85000"/>
+            </a:schemeClr>
+          </a:solidFill>
+          <a:ln w="57150">
+            <a:solidFill>
+              <a:schemeClr val="tx1"/>
+            </a:solidFill>
+          </a:ln>
+        </p:spPr>
+        <p:style>
+          <a:lnRef idx="2">
+            <a:schemeClr val="accent1">
+              <a:shade val="50000"/>
+            </a:schemeClr>
+          </a:lnRef>
+          <a:fillRef idx="1">
+            <a:schemeClr val="accent1"/>
+          </a:fillRef>
+          <a:effectRef idx="0">
+            <a:schemeClr val="accent1"/>
+          </a:effectRef>
+          <a:fontRef idx="minor">
+            <a:schemeClr val="lt1"/>
+          </a:fontRef>
+        </p:style>
+        <p:txBody>
+          <a:bodyPr rtlCol="0" anchor="ctr"/>
+          <a:lstStyle/>
+          <a:p>
+            <a:pPr algn="ctr"/>
+            <a:endParaRPr lang="en-US" sz="1350"/>
+          </a:p>
+        </p:txBody>
+      </p:sp>
+      <p:sp>
+        <p:nvSpPr>
+          <p:cNvPr id="34" name="TextBox 33">
+            <a:extLst>
+              <a:ext uri="{FF2B5EF4-FFF2-40B4-BE49-F238E27FC236}">
+                <a16:creationId xmlns:a16="http://schemas.microsoft.com/office/drawing/2014/main" id="{B6CE1365-62A0-49CC-A422-DB8D9DBECE8B}"/>
+              </a:ext>
+            </a:extLst>
+          </p:cNvPr>
+          <p:cNvSpPr txBox="1"/>
+          <p:nvPr/>
+        </p:nvSpPr>
+        <p:spPr>
+          <a:xfrm rot="16200000">
+            <a:off x="933173" y="1639605"/>
+            <a:ext cx="875560" cy="369460"/>
+          </a:xfrm>
+          <a:prstGeom prst="rect">
+            <a:avLst/>
+          </a:prstGeom>
+          <a:noFill/>
+        </p:spPr>
+        <p:txBody>
+          <a:bodyPr wrap="none" rtlCol="0">
+            <a:spAutoFit/>
+          </a:bodyPr>
+          <a:lstStyle>
+            <a:defPPr>
+              <a:defRPr lang="en-US"/>
+            </a:defPPr>
+            <a:lvl1pPr algn="ctr">
+              <a:defRPr sz="1600">
+                <a:latin typeface="Verdana" panose="020B0604030504040204" pitchFamily="34" charset="0"/>
+                <a:ea typeface="Verdana" panose="020B0604030504040204" pitchFamily="34" charset="0"/>
+              </a:defRPr>
+            </a:lvl1pPr>
+          </a:lstStyle>
+          <a:p>
+            <a:r>
+              <a:rPr lang="en-US" sz="1801" dirty="0"/>
+              <a:t>Liquid</a:t>
+            </a:r>
+          </a:p>
+        </p:txBody>
+      </p:sp>
+      <p:sp>
+        <p:nvSpPr>
+          <p:cNvPr id="50" name="TextBox 49">
+            <a:extLst>
+              <a:ext uri="{FF2B5EF4-FFF2-40B4-BE49-F238E27FC236}">
+                <a16:creationId xmlns:a16="http://schemas.microsoft.com/office/drawing/2014/main" id="{7E872F89-AD27-4C02-AB7B-958272D3C69C}"/>
+              </a:ext>
+            </a:extLst>
+          </p:cNvPr>
+          <p:cNvSpPr txBox="1"/>
+          <p:nvPr/>
+        </p:nvSpPr>
+        <p:spPr>
+          <a:xfrm>
+            <a:off x="1128624" y="3402814"/>
+            <a:ext cx="1595117" cy="923714"/>
+          </a:xfrm>
+          <a:prstGeom prst="rect">
+            <a:avLst/>
+          </a:prstGeom>
+          <a:noFill/>
+        </p:spPr>
+        <p:txBody>
+          <a:bodyPr wrap="none" rtlCol="0">
+            <a:spAutoFit/>
+          </a:bodyPr>
+          <a:lstStyle/>
+          <a:p>
+            <a:r>
+              <a:rPr lang="en-US" sz="1801" dirty="0">
+                <a:latin typeface="Verdana" panose="020B0604030504040204" pitchFamily="34" charset="0"/>
+                <a:ea typeface="Verdana" panose="020B0604030504040204" pitchFamily="34" charset="0"/>
+              </a:rPr>
+              <a:t>Periodic</a:t>
+            </a:r>
+          </a:p>
+          <a:p>
+            <a:r>
+              <a:rPr lang="en-US" sz="1801" dirty="0">
+                <a:latin typeface="Verdana" panose="020B0604030504040204" pitchFamily="34" charset="0"/>
+                <a:ea typeface="Verdana" panose="020B0604030504040204" pitchFamily="34" charset="0"/>
+              </a:rPr>
+              <a:t>(Symmetry)</a:t>
+            </a:r>
+            <a:br>
+              <a:rPr lang="en-US" sz="1801" dirty="0">
+                <a:latin typeface="Verdana" panose="020B0604030504040204" pitchFamily="34" charset="0"/>
+                <a:ea typeface="Verdana" panose="020B0604030504040204" pitchFamily="34" charset="0"/>
+              </a:rPr>
+            </a:br>
+            <a:r>
+              <a:rPr lang="en-US" sz="1801" dirty="0">
+                <a:latin typeface="Verdana" panose="020B0604030504040204" pitchFamily="34" charset="0"/>
+                <a:ea typeface="Verdana" panose="020B0604030504040204" pitchFamily="34" charset="0"/>
+              </a:rPr>
+              <a:t>(GNBC)</a:t>
+            </a:r>
+          </a:p>
+        </p:txBody>
+      </p:sp>
+      <p:cxnSp>
+        <p:nvCxnSpPr>
+          <p:cNvPr id="51" name="Straight Connector 50">
+            <a:extLst>
+              <a:ext uri="{FF2B5EF4-FFF2-40B4-BE49-F238E27FC236}">
+                <a16:creationId xmlns:a16="http://schemas.microsoft.com/office/drawing/2014/main" id="{FA43B61F-6B0F-4FD0-892D-9AB41972BCFD}"/>
+              </a:ext>
+            </a:extLst>
+          </p:cNvPr>
+          <p:cNvCxnSpPr>
+            <a:cxnSpLocks/>
+          </p:cNvCxnSpPr>
+          <p:nvPr/>
+        </p:nvCxnSpPr>
+        <p:spPr>
+          <a:xfrm flipH="1">
+            <a:off x="1077896" y="4329736"/>
+            <a:ext cx="268147" cy="307211"/>
+          </a:xfrm>
+          <a:prstGeom prst="line">
+            <a:avLst/>
+          </a:prstGeom>
+          <a:ln w="38100">
+            <a:solidFill>
+              <a:schemeClr val="tx1"/>
+            </a:solidFill>
+          </a:ln>
+        </p:spPr>
+        <p:style>
+          <a:lnRef idx="1">
+            <a:schemeClr val="accent1"/>
+          </a:lnRef>
+          <a:fillRef idx="0">
+            <a:schemeClr val="accent1"/>
+          </a:fillRef>
+          <a:effectRef idx="0">
+            <a:schemeClr val="accent1"/>
+          </a:effectRef>
+          <a:fontRef idx="minor">
+            <a:schemeClr val="tx1"/>
+          </a:fontRef>
+        </p:style>
+      </p:cxnSp>
+      <p:cxnSp>
+        <p:nvCxnSpPr>
+          <p:cNvPr id="56" name="Straight Connector 55">
+            <a:extLst>
+              <a:ext uri="{FF2B5EF4-FFF2-40B4-BE49-F238E27FC236}">
+                <a16:creationId xmlns:a16="http://schemas.microsoft.com/office/drawing/2014/main" id="{CACD9216-5E6D-4BCF-B02F-428ABED366E1}"/>
+              </a:ext>
+            </a:extLst>
+          </p:cNvPr>
+          <p:cNvCxnSpPr>
+            <a:cxnSpLocks/>
+          </p:cNvCxnSpPr>
+          <p:nvPr/>
+        </p:nvCxnSpPr>
+        <p:spPr>
+          <a:xfrm flipH="1">
+            <a:off x="6542690" y="4329736"/>
+            <a:ext cx="268147" cy="307211"/>
+          </a:xfrm>
+          <a:prstGeom prst="line">
+            <a:avLst/>
+          </a:prstGeom>
+          <a:ln w="38100">
+            <a:solidFill>
+              <a:schemeClr val="tx1"/>
+            </a:solidFill>
+          </a:ln>
+        </p:spPr>
+        <p:style>
+          <a:lnRef idx="1">
+            <a:schemeClr val="accent1"/>
+          </a:lnRef>
+          <a:fillRef idx="0">
+            <a:schemeClr val="accent1"/>
+          </a:fillRef>
+          <a:effectRef idx="0">
+            <a:schemeClr val="accent1"/>
+          </a:effectRef>
+          <a:fontRef idx="minor">
+            <a:schemeClr val="tx1"/>
+          </a:fontRef>
+        </p:style>
+      </p:cxnSp>
+      <p:sp>
+        <p:nvSpPr>
+          <p:cNvPr id="58" name="TextBox 57">
+            <a:extLst>
+              <a:ext uri="{FF2B5EF4-FFF2-40B4-BE49-F238E27FC236}">
+                <a16:creationId xmlns:a16="http://schemas.microsoft.com/office/drawing/2014/main" id="{7B89DA01-39A7-4946-9268-321552D9D4B2}"/>
+              </a:ext>
+            </a:extLst>
+          </p:cNvPr>
+          <p:cNvSpPr txBox="1"/>
+          <p:nvPr/>
+        </p:nvSpPr>
+        <p:spPr>
+          <a:xfrm>
+            <a:off x="3835743" y="3954801"/>
+            <a:ext cx="1595117" cy="369460"/>
+          </a:xfrm>
+          <a:prstGeom prst="rect">
+            <a:avLst/>
+          </a:prstGeom>
+          <a:noFill/>
+        </p:spPr>
+        <p:txBody>
+          <a:bodyPr wrap="none" rtlCol="0">
+            <a:spAutoFit/>
+          </a:bodyPr>
+          <a:lstStyle/>
+          <a:p>
+            <a:r>
+              <a:rPr lang="en-US" sz="1801" dirty="0">
+                <a:latin typeface="Verdana" panose="020B0604030504040204" pitchFamily="34" charset="0"/>
+                <a:ea typeface="Verdana" panose="020B0604030504040204" pitchFamily="34" charset="0"/>
+              </a:rPr>
+              <a:t>(Symmetry)</a:t>
+            </a:r>
+          </a:p>
+        </p:txBody>
+      </p:sp>
+      <p:cxnSp>
+        <p:nvCxnSpPr>
+          <p:cNvPr id="59" name="Straight Connector 58">
+            <a:extLst>
+              <a:ext uri="{FF2B5EF4-FFF2-40B4-BE49-F238E27FC236}">
+                <a16:creationId xmlns:a16="http://schemas.microsoft.com/office/drawing/2014/main" id="{4EC8B5AD-966C-43C6-A40E-737E7F1CC275}"/>
+              </a:ext>
+            </a:extLst>
+          </p:cNvPr>
+          <p:cNvCxnSpPr>
+            <a:cxnSpLocks/>
+          </p:cNvCxnSpPr>
+          <p:nvPr/>
+        </p:nvCxnSpPr>
+        <p:spPr>
+          <a:xfrm flipH="1">
+            <a:off x="3806066" y="4329736"/>
+            <a:ext cx="268147" cy="307211"/>
+          </a:xfrm>
+          <a:prstGeom prst="line">
+            <a:avLst/>
+          </a:prstGeom>
+          <a:ln w="38100">
+            <a:solidFill>
+              <a:schemeClr val="tx1"/>
+            </a:solidFill>
+          </a:ln>
+        </p:spPr>
+        <p:style>
+          <a:lnRef idx="1">
+            <a:schemeClr val="accent1"/>
+          </a:lnRef>
+          <a:fillRef idx="0">
+            <a:schemeClr val="accent1"/>
+          </a:fillRef>
+          <a:effectRef idx="0">
+            <a:schemeClr val="accent1"/>
+          </a:effectRef>
+          <a:fontRef idx="minor">
+            <a:schemeClr val="tx1"/>
+          </a:fontRef>
+        </p:style>
+      </p:cxnSp>
+      <p:sp>
+        <p:nvSpPr>
+          <p:cNvPr id="60" name="TextBox 59">
+            <a:extLst>
+              <a:ext uri="{FF2B5EF4-FFF2-40B4-BE49-F238E27FC236}">
+                <a16:creationId xmlns:a16="http://schemas.microsoft.com/office/drawing/2014/main" id="{6C582797-BE22-4F8E-8204-A60748477506}"/>
+              </a:ext>
+            </a:extLst>
+          </p:cNvPr>
+          <p:cNvSpPr txBox="1"/>
+          <p:nvPr/>
+        </p:nvSpPr>
+        <p:spPr>
+          <a:xfrm>
+            <a:off x="4197597" y="1316379"/>
+            <a:ext cx="1996829" cy="1477969"/>
+          </a:xfrm>
+          <a:prstGeom prst="rect">
+            <a:avLst/>
+          </a:prstGeom>
+          <a:noFill/>
+        </p:spPr>
+        <p:txBody>
+          <a:bodyPr wrap="none" rtlCol="0">
+            <a:spAutoFit/>
+          </a:bodyPr>
+          <a:lstStyle/>
+          <a:p>
+            <a:pPr algn="ctr"/>
+            <a:r>
+              <a:rPr lang="en-US" sz="1801" dirty="0">
+                <a:latin typeface="Verdana" panose="020B0604030504040204" pitchFamily="34" charset="0"/>
+                <a:ea typeface="Verdana" panose="020B0604030504040204" pitchFamily="34" charset="0"/>
+              </a:rPr>
+              <a:t>Force densities </a:t>
+            </a:r>
+            <a:br>
+              <a:rPr lang="en-US" sz="1801" dirty="0">
+                <a:latin typeface="Verdana" panose="020B0604030504040204" pitchFamily="34" charset="0"/>
+                <a:ea typeface="Verdana" panose="020B0604030504040204" pitchFamily="34" charset="0"/>
+              </a:rPr>
+            </a:br>
+            <a:r>
+              <a:rPr lang="en-US" sz="1801" dirty="0">
+                <a:latin typeface="Verdana" panose="020B0604030504040204" pitchFamily="34" charset="0"/>
+                <a:ea typeface="Verdana" panose="020B0604030504040204" pitchFamily="34" charset="0"/>
+              </a:rPr>
+              <a:t>in this half </a:t>
+            </a:r>
+            <a:br>
+              <a:rPr lang="en-US" sz="1801" dirty="0">
+                <a:latin typeface="Verdana" panose="020B0604030504040204" pitchFamily="34" charset="0"/>
+                <a:ea typeface="Verdana" panose="020B0604030504040204" pitchFamily="34" charset="0"/>
+              </a:rPr>
+            </a:br>
+            <a:r>
+              <a:rPr lang="en-US" sz="1801" dirty="0">
+                <a:latin typeface="Verdana" panose="020B0604030504040204" pitchFamily="34" charset="0"/>
+                <a:ea typeface="Verdana" panose="020B0604030504040204" pitchFamily="34" charset="0"/>
+              </a:rPr>
+              <a:t>is a mirrored </a:t>
+            </a:r>
+            <a:br>
+              <a:rPr lang="en-US" sz="1801" dirty="0">
+                <a:latin typeface="Verdana" panose="020B0604030504040204" pitchFamily="34" charset="0"/>
+                <a:ea typeface="Verdana" panose="020B0604030504040204" pitchFamily="34" charset="0"/>
+              </a:rPr>
+            </a:br>
+            <a:r>
+              <a:rPr lang="en-US" sz="1801" dirty="0">
+                <a:latin typeface="Verdana" panose="020B0604030504040204" pitchFamily="34" charset="0"/>
+                <a:ea typeface="Verdana" panose="020B0604030504040204" pitchFamily="34" charset="0"/>
+              </a:rPr>
+              <a:t>copy of the</a:t>
+            </a:r>
+            <a:br>
+              <a:rPr lang="en-US" sz="1801" dirty="0">
+                <a:latin typeface="Verdana" panose="020B0604030504040204" pitchFamily="34" charset="0"/>
+                <a:ea typeface="Verdana" panose="020B0604030504040204" pitchFamily="34" charset="0"/>
+              </a:rPr>
+            </a:br>
+            <a:r>
+              <a:rPr lang="en-US" sz="1801" dirty="0">
+                <a:latin typeface="Verdana" panose="020B0604030504040204" pitchFamily="34" charset="0"/>
+                <a:ea typeface="Verdana" panose="020B0604030504040204" pitchFamily="34" charset="0"/>
+              </a:rPr>
+              <a:t>other half. </a:t>
+            </a:r>
+          </a:p>
+        </p:txBody>
+      </p:sp>
+      <p:sp>
+        <p:nvSpPr>
+          <p:cNvPr id="22" name="TextBox 21">
+            <a:extLst>
+              <a:ext uri="{FF2B5EF4-FFF2-40B4-BE49-F238E27FC236}">
+                <a16:creationId xmlns:a16="http://schemas.microsoft.com/office/drawing/2014/main" id="{4DE2522B-5509-47F7-9864-651401081294}"/>
+              </a:ext>
+            </a:extLst>
+          </p:cNvPr>
+          <p:cNvSpPr txBox="1"/>
+          <p:nvPr/>
+        </p:nvSpPr>
+        <p:spPr>
+          <a:xfrm>
+            <a:off x="6597328" y="3385458"/>
+            <a:ext cx="1595117" cy="923714"/>
+          </a:xfrm>
+          <a:prstGeom prst="rect">
+            <a:avLst/>
+          </a:prstGeom>
+          <a:noFill/>
+        </p:spPr>
+        <p:txBody>
+          <a:bodyPr wrap="none" rtlCol="0">
+            <a:spAutoFit/>
+          </a:bodyPr>
+          <a:lstStyle/>
+          <a:p>
+            <a:r>
+              <a:rPr lang="en-US" sz="1801" dirty="0">
+                <a:latin typeface="Verdana" panose="020B0604030504040204" pitchFamily="34" charset="0"/>
+                <a:ea typeface="Verdana" panose="020B0604030504040204" pitchFamily="34" charset="0"/>
+              </a:rPr>
+              <a:t>Periodic</a:t>
+            </a:r>
+          </a:p>
+          <a:p>
+            <a:r>
+              <a:rPr lang="en-US" sz="1801" dirty="0">
+                <a:latin typeface="Verdana" panose="020B0604030504040204" pitchFamily="34" charset="0"/>
+                <a:ea typeface="Verdana" panose="020B0604030504040204" pitchFamily="34" charset="0"/>
+              </a:rPr>
+              <a:t>(Symmetry)</a:t>
+            </a:r>
+            <a:br>
+              <a:rPr lang="en-US" sz="1801" dirty="0">
+                <a:latin typeface="Verdana" panose="020B0604030504040204" pitchFamily="34" charset="0"/>
+                <a:ea typeface="Verdana" panose="020B0604030504040204" pitchFamily="34" charset="0"/>
+              </a:rPr>
+            </a:br>
+            <a:r>
+              <a:rPr lang="en-US" sz="1801" dirty="0">
+                <a:latin typeface="Verdana" panose="020B0604030504040204" pitchFamily="34" charset="0"/>
+                <a:ea typeface="Verdana" panose="020B0604030504040204" pitchFamily="34" charset="0"/>
+              </a:rPr>
+              <a:t>(GNBC)</a:t>
+            </a:r>
+          </a:p>
+        </p:txBody>
+      </p:sp>
+      <p:cxnSp>
+        <p:nvCxnSpPr>
+          <p:cNvPr id="23" name="Straight Arrow Connector 22">
+            <a:extLst>
+              <a:ext uri="{FF2B5EF4-FFF2-40B4-BE49-F238E27FC236}">
+                <a16:creationId xmlns:a16="http://schemas.microsoft.com/office/drawing/2014/main" id="{D525C7FC-B880-41D7-BECC-CBD5A117D393}"/>
+              </a:ext>
+            </a:extLst>
+          </p:cNvPr>
+          <p:cNvCxnSpPr>
+            <a:cxnSpLocks/>
+          </p:cNvCxnSpPr>
+          <p:nvPr/>
+        </p:nvCxnSpPr>
+        <p:spPr>
+          <a:xfrm>
+            <a:off x="350757" y="737498"/>
+            <a:ext cx="0" cy="5485354"/>
+          </a:xfrm>
+          <a:prstGeom prst="straightConnector1">
+            <a:avLst/>
+          </a:prstGeom>
+          <a:ln w="38100">
+            <a:headEnd type="triangle" w="lg" len="lg"/>
+            <a:tailEnd type="triangle" w="lg" len="lg"/>
+          </a:ln>
+        </p:spPr>
+        <p:style>
+          <a:lnRef idx="1">
+            <a:schemeClr val="dk1"/>
+          </a:lnRef>
+          <a:fillRef idx="0">
+            <a:schemeClr val="dk1"/>
+          </a:fillRef>
+          <a:effectRef idx="0">
+            <a:schemeClr val="dk1"/>
+          </a:effectRef>
+          <a:fontRef idx="minor">
+            <a:schemeClr val="tx1"/>
+          </a:fontRef>
+        </p:style>
+      </p:cxnSp>
+      <p:cxnSp>
+        <p:nvCxnSpPr>
+          <p:cNvPr id="25" name="Straight Connector 24">
+            <a:extLst>
+              <a:ext uri="{FF2B5EF4-FFF2-40B4-BE49-F238E27FC236}">
+                <a16:creationId xmlns:a16="http://schemas.microsoft.com/office/drawing/2014/main" id="{29168778-7AA4-4751-BB37-D41EBA806B41}"/>
+              </a:ext>
+            </a:extLst>
+          </p:cNvPr>
+          <p:cNvCxnSpPr>
+            <a:cxnSpLocks/>
+          </p:cNvCxnSpPr>
+          <p:nvPr/>
+        </p:nvCxnSpPr>
+        <p:spPr>
+          <a:xfrm flipH="1">
+            <a:off x="134167" y="737496"/>
+            <a:ext cx="836704" cy="0"/>
+          </a:xfrm>
+          <a:prstGeom prst="line">
+            <a:avLst/>
+          </a:prstGeom>
+          <a:ln w="38100">
+            <a:solidFill>
+              <a:schemeClr val="tx1"/>
+            </a:solidFill>
+          </a:ln>
+        </p:spPr>
+        <p:style>
+          <a:lnRef idx="1">
+            <a:schemeClr val="accent1"/>
+          </a:lnRef>
+          <a:fillRef idx="0">
+            <a:schemeClr val="accent1"/>
+          </a:fillRef>
+          <a:effectRef idx="0">
+            <a:schemeClr val="accent1"/>
+          </a:effectRef>
+          <a:fontRef idx="minor">
+            <a:schemeClr val="tx1"/>
+          </a:fontRef>
+        </p:style>
+      </p:cxnSp>
+      <p:cxnSp>
+        <p:nvCxnSpPr>
+          <p:cNvPr id="26" name="Straight Connector 25">
+            <a:extLst>
+              <a:ext uri="{FF2B5EF4-FFF2-40B4-BE49-F238E27FC236}">
+                <a16:creationId xmlns:a16="http://schemas.microsoft.com/office/drawing/2014/main" id="{94CA6E9F-C569-487F-9AEE-68E17B517E26}"/>
+              </a:ext>
+            </a:extLst>
+          </p:cNvPr>
+          <p:cNvCxnSpPr>
+            <a:cxnSpLocks/>
+          </p:cNvCxnSpPr>
+          <p:nvPr/>
+        </p:nvCxnSpPr>
+        <p:spPr>
+          <a:xfrm flipH="1">
+            <a:off x="130992" y="6222850"/>
+            <a:ext cx="836703" cy="0"/>
+          </a:xfrm>
+          <a:prstGeom prst="line">
+            <a:avLst/>
+          </a:prstGeom>
+          <a:ln w="38100">
+            <a:solidFill>
+              <a:schemeClr val="tx1"/>
+            </a:solidFill>
+          </a:ln>
+        </p:spPr>
+        <p:style>
+          <a:lnRef idx="1">
+            <a:schemeClr val="accent1"/>
+          </a:lnRef>
+          <a:fillRef idx="0">
+            <a:schemeClr val="accent1"/>
+          </a:fillRef>
+          <a:effectRef idx="0">
+            <a:schemeClr val="accent1"/>
+          </a:effectRef>
+          <a:fontRef idx="minor">
+            <a:schemeClr val="tx1"/>
+          </a:fontRef>
+        </p:style>
+      </p:cxnSp>
+      <p:sp>
+        <p:nvSpPr>
+          <p:cNvPr id="27" name="TextBox 26">
+            <a:extLst>
+              <a:ext uri="{FF2B5EF4-FFF2-40B4-BE49-F238E27FC236}">
+                <a16:creationId xmlns:a16="http://schemas.microsoft.com/office/drawing/2014/main" id="{39BDF528-3FB8-456D-8792-EB5B12D082FC}"/>
+              </a:ext>
+            </a:extLst>
+          </p:cNvPr>
+          <p:cNvSpPr txBox="1"/>
+          <p:nvPr/>
+        </p:nvSpPr>
+        <p:spPr>
+          <a:xfrm>
+            <a:off x="184606" y="3290449"/>
+            <a:ext cx="348172" cy="369460"/>
+          </a:xfrm>
+          <a:prstGeom prst="rect">
+            <a:avLst/>
+          </a:prstGeom>
+          <a:solidFill>
+            <a:schemeClr val="bg1"/>
+          </a:solidFill>
+        </p:spPr>
+        <p:txBody>
+          <a:bodyPr wrap="none" rtlCol="0">
+            <a:spAutoFit/>
+          </a:bodyPr>
+          <a:lstStyle>
+            <a:defPPr>
+              <a:defRPr lang="en-US"/>
+            </a:defPPr>
+            <a:lvl1pPr>
+              <a:defRPr sz="2400" b="1">
+                <a:latin typeface="Verdana" panose="020B0604030504040204" pitchFamily="34" charset="0"/>
+                <a:ea typeface="Verdana" panose="020B0604030504040204" pitchFamily="34" charset="0"/>
+              </a:defRPr>
+            </a:lvl1pPr>
+          </a:lstStyle>
+          <a:p>
+            <a:r>
+              <a:rPr lang="en-US" sz="1801" dirty="0"/>
+              <a:t>2</a:t>
+            </a:r>
+          </a:p>
+        </p:txBody>
+      </p:sp>
+      <p:cxnSp>
+        <p:nvCxnSpPr>
+          <p:cNvPr id="29" name="Straight Arrow Connector 28">
+            <a:extLst>
+              <a:ext uri="{FF2B5EF4-FFF2-40B4-BE49-F238E27FC236}">
+                <a16:creationId xmlns:a16="http://schemas.microsoft.com/office/drawing/2014/main" id="{4C844990-E460-494F-B787-9C2052CC3B0C}"/>
+              </a:ext>
+            </a:extLst>
+          </p:cNvPr>
+          <p:cNvCxnSpPr>
+            <a:cxnSpLocks/>
+          </p:cNvCxnSpPr>
+          <p:nvPr/>
+        </p:nvCxnSpPr>
+        <p:spPr>
+          <a:xfrm flipV="1">
+            <a:off x="729134" y="737496"/>
+            <a:ext cx="0" cy="1077950"/>
+          </a:xfrm>
+          <a:prstGeom prst="straightConnector1">
+            <a:avLst/>
+          </a:prstGeom>
+          <a:ln w="38100">
+            <a:headEnd type="triangle" w="lg" len="lg"/>
+            <a:tailEnd type="triangle" w="lg" len="lg"/>
+          </a:ln>
+        </p:spPr>
+        <p:style>
+          <a:lnRef idx="1">
+            <a:schemeClr val="dk1"/>
+          </a:lnRef>
+          <a:fillRef idx="0">
+            <a:schemeClr val="dk1"/>
+          </a:fillRef>
+          <a:effectRef idx="0">
+            <a:schemeClr val="dk1"/>
+          </a:effectRef>
+          <a:fontRef idx="minor">
+            <a:schemeClr val="tx1"/>
+          </a:fontRef>
+        </p:style>
+      </p:cxnSp>
+      <p:cxnSp>
+        <p:nvCxnSpPr>
+          <p:cNvPr id="30" name="Straight Connector 29">
+            <a:extLst>
+              <a:ext uri="{FF2B5EF4-FFF2-40B4-BE49-F238E27FC236}">
+                <a16:creationId xmlns:a16="http://schemas.microsoft.com/office/drawing/2014/main" id="{98C9DD72-93FB-440B-B30F-F888F3551860}"/>
+              </a:ext>
+            </a:extLst>
+          </p:cNvPr>
+          <p:cNvCxnSpPr>
+            <a:cxnSpLocks/>
+          </p:cNvCxnSpPr>
+          <p:nvPr/>
+        </p:nvCxnSpPr>
+        <p:spPr>
+          <a:xfrm flipH="1">
+            <a:off x="535271" y="1801935"/>
+            <a:ext cx="432425" cy="0"/>
+          </a:xfrm>
+          <a:prstGeom prst="line">
+            <a:avLst/>
+          </a:prstGeom>
+          <a:ln w="38100">
+            <a:solidFill>
+              <a:schemeClr val="tx1"/>
+            </a:solidFill>
+          </a:ln>
+        </p:spPr>
+        <p:style>
+          <a:lnRef idx="1">
+            <a:schemeClr val="accent1"/>
+          </a:lnRef>
+          <a:fillRef idx="0">
+            <a:schemeClr val="accent1"/>
+          </a:fillRef>
+          <a:effectRef idx="0">
+            <a:schemeClr val="accent1"/>
+          </a:effectRef>
+          <a:fontRef idx="minor">
+            <a:schemeClr val="tx1"/>
+          </a:fontRef>
+        </p:style>
+      </p:cxnSp>
+      <p:sp>
+        <p:nvSpPr>
+          <p:cNvPr id="32" name="TextBox 31">
+            <a:extLst>
+              <a:ext uri="{FF2B5EF4-FFF2-40B4-BE49-F238E27FC236}">
+                <a16:creationId xmlns:a16="http://schemas.microsoft.com/office/drawing/2014/main" id="{47C04E72-6389-4CB4-A5D3-CAA48EADFA22}"/>
+              </a:ext>
+            </a:extLst>
+          </p:cNvPr>
+          <p:cNvSpPr txBox="1"/>
+          <p:nvPr/>
+        </p:nvSpPr>
+        <p:spPr>
+          <a:xfrm>
+            <a:off x="429821" y="1129396"/>
+            <a:ext cx="595035" cy="369460"/>
+          </a:xfrm>
+          <a:prstGeom prst="rect">
+            <a:avLst/>
+          </a:prstGeom>
+          <a:solidFill>
+            <a:schemeClr val="bg1"/>
+          </a:solidFill>
+        </p:spPr>
+        <p:txBody>
+          <a:bodyPr wrap="none" rtlCol="0">
+            <a:spAutoFit/>
+          </a:bodyPr>
+          <a:lstStyle>
+            <a:defPPr>
+              <a:defRPr lang="en-US"/>
+            </a:defPPr>
+            <a:lvl1pPr>
+              <a:defRPr sz="2400" b="1">
+                <a:latin typeface="Verdana" panose="020B0604030504040204" pitchFamily="34" charset="0"/>
+                <a:ea typeface="Verdana" panose="020B0604030504040204" pitchFamily="34" charset="0"/>
+              </a:defRPr>
+            </a:lvl1pPr>
+          </a:lstStyle>
+          <a:p>
+            <a:r>
+              <a:rPr lang="en-US" sz="1801" dirty="0"/>
+              <a:t>0.4</a:t>
+            </a:r>
+          </a:p>
+        </p:txBody>
+      </p:sp>
+      <p:cxnSp>
+        <p:nvCxnSpPr>
+          <p:cNvPr id="37" name="Straight Arrow Connector 36">
+            <a:extLst>
+              <a:ext uri="{FF2B5EF4-FFF2-40B4-BE49-F238E27FC236}">
+                <a16:creationId xmlns:a16="http://schemas.microsoft.com/office/drawing/2014/main" id="{082AFEFF-8A1F-499F-A239-68A65AD544EC}"/>
+              </a:ext>
+            </a:extLst>
+          </p:cNvPr>
+          <p:cNvCxnSpPr>
+            <a:cxnSpLocks/>
+          </p:cNvCxnSpPr>
+          <p:nvPr/>
+        </p:nvCxnSpPr>
+        <p:spPr>
+          <a:xfrm flipV="1">
+            <a:off x="2195193" y="1129678"/>
+            <a:ext cx="0" cy="1384859"/>
+          </a:xfrm>
+          <a:prstGeom prst="straightConnector1">
+            <a:avLst/>
+          </a:prstGeom>
+          <a:ln w="38100">
+            <a:headEnd type="triangle" w="lg" len="lg"/>
+            <a:tailEnd type="triangle" w="lg" len="lg"/>
+          </a:ln>
+        </p:spPr>
+        <p:style>
+          <a:lnRef idx="1">
+            <a:schemeClr val="dk1"/>
+          </a:lnRef>
+          <a:fillRef idx="0">
+            <a:schemeClr val="dk1"/>
+          </a:fillRef>
+          <a:effectRef idx="0">
+            <a:schemeClr val="dk1"/>
+          </a:effectRef>
+          <a:fontRef idx="minor">
+            <a:schemeClr val="tx1"/>
+          </a:fontRef>
+        </p:style>
+      </p:cxnSp>
+      <p:cxnSp>
+        <p:nvCxnSpPr>
+          <p:cNvPr id="38" name="Straight Connector 37">
+            <a:extLst>
+              <a:ext uri="{FF2B5EF4-FFF2-40B4-BE49-F238E27FC236}">
+                <a16:creationId xmlns:a16="http://schemas.microsoft.com/office/drawing/2014/main" id="{422DB8BD-95F0-4B8F-AB84-6D0E496AFE80}"/>
+              </a:ext>
+            </a:extLst>
+          </p:cNvPr>
+          <p:cNvCxnSpPr>
+            <a:cxnSpLocks/>
+          </p:cNvCxnSpPr>
+          <p:nvPr/>
+        </p:nvCxnSpPr>
+        <p:spPr>
+          <a:xfrm flipH="1">
+            <a:off x="1056111" y="2514506"/>
+            <a:ext cx="1316793" cy="0"/>
+          </a:xfrm>
+          <a:prstGeom prst="line">
+            <a:avLst/>
+          </a:prstGeom>
+          <a:ln w="38100">
+            <a:solidFill>
+              <a:schemeClr val="tx1"/>
+            </a:solidFill>
+          </a:ln>
+        </p:spPr>
+        <p:style>
+          <a:lnRef idx="1">
+            <a:schemeClr val="accent1"/>
+          </a:lnRef>
+          <a:fillRef idx="0">
+            <a:schemeClr val="accent1"/>
+          </a:fillRef>
+          <a:effectRef idx="0">
+            <a:schemeClr val="accent1"/>
+          </a:effectRef>
+          <a:fontRef idx="minor">
+            <a:schemeClr val="tx1"/>
+          </a:fontRef>
+        </p:style>
+      </p:cxnSp>
+      <p:sp>
+        <p:nvSpPr>
+          <p:cNvPr id="43" name="TextBox 42">
+            <a:extLst>
+              <a:ext uri="{FF2B5EF4-FFF2-40B4-BE49-F238E27FC236}">
+                <a16:creationId xmlns:a16="http://schemas.microsoft.com/office/drawing/2014/main" id="{FBCBF1FA-2413-453F-8F16-8F64B96DED9B}"/>
+              </a:ext>
+            </a:extLst>
+          </p:cNvPr>
+          <p:cNvSpPr txBox="1"/>
+          <p:nvPr/>
+        </p:nvSpPr>
+        <p:spPr>
+          <a:xfrm>
+            <a:off x="1891645" y="1600484"/>
+            <a:ext cx="595035" cy="369460"/>
+          </a:xfrm>
+          <a:prstGeom prst="rect">
+            <a:avLst/>
+          </a:prstGeom>
+          <a:solidFill>
+            <a:schemeClr val="bg1"/>
+          </a:solidFill>
+        </p:spPr>
+        <p:txBody>
+          <a:bodyPr wrap="none" rtlCol="0">
+            <a:spAutoFit/>
+          </a:bodyPr>
+          <a:lstStyle>
+            <a:defPPr>
+              <a:defRPr lang="en-US"/>
+            </a:defPPr>
+            <a:lvl1pPr>
+              <a:defRPr sz="2400" b="1">
+                <a:latin typeface="Verdana" panose="020B0604030504040204" pitchFamily="34" charset="0"/>
+                <a:ea typeface="Verdana" panose="020B0604030504040204" pitchFamily="34" charset="0"/>
+              </a:defRPr>
+            </a:lvl1pPr>
+          </a:lstStyle>
+          <a:p>
+            <a:r>
+              <a:rPr lang="en-US" sz="1801" dirty="0"/>
+              <a:t>0.5</a:t>
+            </a:r>
+          </a:p>
+        </p:txBody>
+      </p:sp>
+      <p:cxnSp>
+        <p:nvCxnSpPr>
+          <p:cNvPr id="44" name="Straight Connector 43">
+            <a:extLst>
+              <a:ext uri="{FF2B5EF4-FFF2-40B4-BE49-F238E27FC236}">
+                <a16:creationId xmlns:a16="http://schemas.microsoft.com/office/drawing/2014/main" id="{8D6B1CF2-212C-4656-BEFC-C2BCC141C7A6}"/>
+              </a:ext>
+            </a:extLst>
+          </p:cNvPr>
+          <p:cNvCxnSpPr>
+            <a:cxnSpLocks/>
+          </p:cNvCxnSpPr>
+          <p:nvPr/>
+        </p:nvCxnSpPr>
+        <p:spPr>
+          <a:xfrm flipH="1">
+            <a:off x="1077880" y="1129647"/>
+            <a:ext cx="1295010" cy="0"/>
+          </a:xfrm>
+          <a:prstGeom prst="line">
+            <a:avLst/>
+          </a:prstGeom>
+          <a:ln w="38100">
+            <a:solidFill>
+              <a:schemeClr val="tx1"/>
+            </a:solidFill>
+          </a:ln>
+        </p:spPr>
+        <p:style>
+          <a:lnRef idx="1">
+            <a:schemeClr val="accent1"/>
+          </a:lnRef>
+          <a:fillRef idx="0">
+            <a:schemeClr val="accent1"/>
+          </a:fillRef>
+          <a:effectRef idx="0">
+            <a:schemeClr val="accent1"/>
+          </a:effectRef>
+          <a:fontRef idx="minor">
+            <a:schemeClr val="tx1"/>
+          </a:fontRef>
+        </p:style>
+      </p:cxnSp>
+      <p:cxnSp>
+        <p:nvCxnSpPr>
+          <p:cNvPr id="45" name="Straight Connector 44">
+            <a:extLst>
+              <a:ext uri="{FF2B5EF4-FFF2-40B4-BE49-F238E27FC236}">
+                <a16:creationId xmlns:a16="http://schemas.microsoft.com/office/drawing/2014/main" id="{6CD0C32E-EE9A-4FCF-9041-A14CE9821C00}"/>
+              </a:ext>
+            </a:extLst>
+          </p:cNvPr>
+          <p:cNvCxnSpPr>
+            <a:cxnSpLocks/>
+          </p:cNvCxnSpPr>
+          <p:nvPr/>
+        </p:nvCxnSpPr>
+        <p:spPr>
+          <a:xfrm flipH="1">
+            <a:off x="1071309" y="6338026"/>
+            <a:ext cx="1" cy="340858"/>
+          </a:xfrm>
+          <a:prstGeom prst="line">
+            <a:avLst/>
+          </a:prstGeom>
+          <a:ln w="38100">
+            <a:solidFill>
+              <a:schemeClr val="tx1"/>
+            </a:solidFill>
+          </a:ln>
+        </p:spPr>
+        <p:style>
+          <a:lnRef idx="1">
+            <a:schemeClr val="accent1"/>
+          </a:lnRef>
+          <a:fillRef idx="0">
+            <a:schemeClr val="accent1"/>
+          </a:fillRef>
+          <a:effectRef idx="0">
+            <a:schemeClr val="accent1"/>
+          </a:effectRef>
+          <a:fontRef idx="minor">
+            <a:schemeClr val="tx1"/>
+          </a:fontRef>
+        </p:style>
+      </p:cxnSp>
+      <p:cxnSp>
+        <p:nvCxnSpPr>
+          <p:cNvPr id="46" name="Straight Connector 45">
+            <a:extLst>
+              <a:ext uri="{FF2B5EF4-FFF2-40B4-BE49-F238E27FC236}">
+                <a16:creationId xmlns:a16="http://schemas.microsoft.com/office/drawing/2014/main" id="{D24481DF-0083-47B5-956A-43EEFFE08635}"/>
+              </a:ext>
+            </a:extLst>
+          </p:cNvPr>
+          <p:cNvCxnSpPr>
+            <a:cxnSpLocks/>
+          </p:cNvCxnSpPr>
+          <p:nvPr/>
+        </p:nvCxnSpPr>
+        <p:spPr>
+          <a:xfrm flipH="1">
+            <a:off x="3806074" y="6333991"/>
+            <a:ext cx="1" cy="344892"/>
+          </a:xfrm>
+          <a:prstGeom prst="line">
+            <a:avLst/>
+          </a:prstGeom>
+          <a:ln w="38100">
+            <a:solidFill>
+              <a:schemeClr val="tx1"/>
+            </a:solidFill>
+          </a:ln>
+        </p:spPr>
+        <p:style>
+          <a:lnRef idx="1">
+            <a:schemeClr val="accent1"/>
+          </a:lnRef>
+          <a:fillRef idx="0">
+            <a:schemeClr val="accent1"/>
+          </a:fillRef>
+          <a:effectRef idx="0">
+            <a:schemeClr val="accent1"/>
+          </a:effectRef>
+          <a:fontRef idx="minor">
+            <a:schemeClr val="tx1"/>
+          </a:fontRef>
+        </p:style>
+      </p:cxnSp>
+      <p:cxnSp>
+        <p:nvCxnSpPr>
+          <p:cNvPr id="47" name="Straight Arrow Connector 46">
+            <a:extLst>
+              <a:ext uri="{FF2B5EF4-FFF2-40B4-BE49-F238E27FC236}">
+                <a16:creationId xmlns:a16="http://schemas.microsoft.com/office/drawing/2014/main" id="{28E45E30-8E3D-4895-BA73-94BAF0B9438B}"/>
+              </a:ext>
+            </a:extLst>
+          </p:cNvPr>
+          <p:cNvCxnSpPr>
+            <a:cxnSpLocks/>
+          </p:cNvCxnSpPr>
+          <p:nvPr/>
+        </p:nvCxnSpPr>
+        <p:spPr>
+          <a:xfrm flipH="1">
+            <a:off x="1071308" y="6540257"/>
+            <a:ext cx="2741409" cy="0"/>
+          </a:xfrm>
+          <a:prstGeom prst="straightConnector1">
+            <a:avLst/>
+          </a:prstGeom>
+          <a:ln w="38100">
+            <a:headEnd type="triangle" w="lg" len="lg"/>
+            <a:tailEnd type="triangle" w="lg" len="lg"/>
+          </a:ln>
+        </p:spPr>
+        <p:style>
+          <a:lnRef idx="1">
+            <a:schemeClr val="dk1"/>
+          </a:lnRef>
+          <a:fillRef idx="0">
+            <a:schemeClr val="dk1"/>
+          </a:fillRef>
+          <a:effectRef idx="0">
+            <a:schemeClr val="dk1"/>
+          </a:effectRef>
+          <a:fontRef idx="minor">
+            <a:schemeClr val="tx1"/>
+          </a:fontRef>
+        </p:style>
+      </p:cxnSp>
+      <p:sp>
+        <p:nvSpPr>
+          <p:cNvPr id="48" name="TextBox 47">
+            <a:extLst>
+              <a:ext uri="{FF2B5EF4-FFF2-40B4-BE49-F238E27FC236}">
+                <a16:creationId xmlns:a16="http://schemas.microsoft.com/office/drawing/2014/main" id="{EB1F2858-A951-4C2F-AB70-AF139742E6E0}"/>
+              </a:ext>
+            </a:extLst>
+          </p:cNvPr>
+          <p:cNvSpPr txBox="1"/>
+          <p:nvPr/>
+        </p:nvSpPr>
+        <p:spPr>
+          <a:xfrm>
+            <a:off x="2270108" y="6345956"/>
+            <a:ext cx="348172" cy="369460"/>
+          </a:xfrm>
+          <a:prstGeom prst="rect">
+            <a:avLst/>
+          </a:prstGeom>
+          <a:solidFill>
+            <a:schemeClr val="bg1"/>
+          </a:solidFill>
+        </p:spPr>
+        <p:txBody>
+          <a:bodyPr wrap="none" rtlCol="0">
+            <a:spAutoFit/>
+          </a:bodyPr>
+          <a:lstStyle>
+            <a:defPPr>
+              <a:defRPr lang="en-US"/>
+            </a:defPPr>
+            <a:lvl1pPr>
+              <a:defRPr sz="2400" b="1">
+                <a:latin typeface="Verdana" panose="020B0604030504040204" pitchFamily="34" charset="0"/>
+                <a:ea typeface="Verdana" panose="020B0604030504040204" pitchFamily="34" charset="0"/>
+              </a:defRPr>
+            </a:lvl1pPr>
+          </a:lstStyle>
+          <a:p>
+            <a:r>
+              <a:rPr lang="en-US" sz="1801" dirty="0"/>
+              <a:t>1</a:t>
+            </a:r>
+          </a:p>
+        </p:txBody>
+      </p:sp>
+    </p:spTree>
+    <p:extLst>
+      <p:ext uri="{BB962C8B-B14F-4D97-AF65-F5344CB8AC3E}">
+        <p14:creationId xmlns:p14="http://schemas.microsoft.com/office/powerpoint/2010/main" val="4000726053"/>
       </p:ext>
     </p:extLst>
   </p:cSld>

--- a/JCP/figs/domain_schematics/domain.pptx
+++ b/JCP/figs/domain_schematics/domain.pptx
@@ -2,13 +2,13 @@
 <file path=ppt/presentation.xml><?xml version="1.0" encoding="utf-8"?>
 <p:presentation xmlns:a="http://schemas.openxmlformats.org/drawingml/2006/main" xmlns:r="http://schemas.openxmlformats.org/officeDocument/2006/relationships" xmlns:p="http://schemas.openxmlformats.org/presentationml/2006/main" saveSubsetFonts="1">
   <p:sldMasterIdLst>
-    <p:sldMasterId id="2147483780" r:id="rId1"/>
+    <p:sldMasterId id="2147483792" r:id="rId1"/>
   </p:sldMasterIdLst>
   <p:sldIdLst>
     <p:sldId id="257" r:id="rId2"/>
     <p:sldId id="258" r:id="rId3"/>
   </p:sldIdLst>
-  <p:sldSz cx="8229600" cy="6858000"/>
+  <p:sldSz cx="9144000" cy="6858000" type="screen4x3"/>
   <p:notesSz cx="6858000" cy="9144000"/>
   <p:defaultTextStyle>
     <a:defPPr>
@@ -142,15 +142,15 @@
         </p:nvSpPr>
         <p:spPr>
           <a:xfrm>
-            <a:off x="617220" y="1122363"/>
-            <a:ext cx="6995160" cy="2387600"/>
+            <a:off x="685800" y="1122363"/>
+            <a:ext cx="7772400" cy="2387600"/>
           </a:xfrm>
         </p:spPr>
         <p:txBody>
           <a:bodyPr anchor="b"/>
           <a:lstStyle>
             <a:lvl1pPr algn="ctr">
-              <a:defRPr sz="5400"/>
+              <a:defRPr sz="6000"/>
             </a:lvl1pPr>
           </a:lstStyle>
           <a:p>
@@ -174,8 +174,8 @@
         </p:nvSpPr>
         <p:spPr>
           <a:xfrm>
-            <a:off x="1028700" y="3602038"/>
-            <a:ext cx="6172200" cy="1655762"/>
+            <a:off x="1143000" y="3602038"/>
+            <a:ext cx="6858000" cy="1655762"/>
           </a:xfrm>
         </p:spPr>
         <p:txBody>
@@ -183,39 +183,39 @@
           <a:lstStyle>
             <a:lvl1pPr marL="0" indent="0" algn="ctr">
               <a:buNone/>
-              <a:defRPr sz="2160"/>
+              <a:defRPr sz="2400"/>
             </a:lvl1pPr>
-            <a:lvl2pPr marL="411480" indent="0" algn="ctr">
+            <a:lvl2pPr marL="457200" indent="0" algn="ctr">
+              <a:buNone/>
+              <a:defRPr sz="2000"/>
+            </a:lvl2pPr>
+            <a:lvl3pPr marL="914400" indent="0" algn="ctr">
               <a:buNone/>
               <a:defRPr sz="1800"/>
-            </a:lvl2pPr>
-            <a:lvl3pPr marL="822960" indent="0" algn="ctr">
-              <a:buNone/>
-              <a:defRPr sz="1620"/>
             </a:lvl3pPr>
-            <a:lvl4pPr marL="1234440" indent="0" algn="ctr">
-              <a:buNone/>
-              <a:defRPr sz="1440"/>
+            <a:lvl4pPr marL="1371600" indent="0" algn="ctr">
+              <a:buNone/>
+              <a:defRPr sz="1600"/>
             </a:lvl4pPr>
-            <a:lvl5pPr marL="1645920" indent="0" algn="ctr">
-              <a:buNone/>
-              <a:defRPr sz="1440"/>
+            <a:lvl5pPr marL="1828800" indent="0" algn="ctr">
+              <a:buNone/>
+              <a:defRPr sz="1600"/>
             </a:lvl5pPr>
-            <a:lvl6pPr marL="2057400" indent="0" algn="ctr">
-              <a:buNone/>
-              <a:defRPr sz="1440"/>
+            <a:lvl6pPr marL="2286000" indent="0" algn="ctr">
+              <a:buNone/>
+              <a:defRPr sz="1600"/>
             </a:lvl6pPr>
-            <a:lvl7pPr marL="2468880" indent="0" algn="ctr">
-              <a:buNone/>
-              <a:defRPr sz="1440"/>
+            <a:lvl7pPr marL="2743200" indent="0" algn="ctr">
+              <a:buNone/>
+              <a:defRPr sz="1600"/>
             </a:lvl7pPr>
-            <a:lvl8pPr marL="2880360" indent="0" algn="ctr">
-              <a:buNone/>
-              <a:defRPr sz="1440"/>
+            <a:lvl8pPr marL="3200400" indent="0" algn="ctr">
+              <a:buNone/>
+              <a:defRPr sz="1600"/>
             </a:lvl8pPr>
-            <a:lvl9pPr marL="3291840" indent="0" algn="ctr">
-              <a:buNone/>
-              <a:defRPr sz="1440"/>
+            <a:lvl9pPr marL="3657600" indent="0" algn="ctr">
+              <a:buNone/>
+              <a:defRPr sz="1600"/>
             </a:lvl9pPr>
           </a:lstStyle>
           <a:p>
@@ -244,7 +244,7 @@
           <a:p>
             <a:fld id="{EA69AB3C-1A45-4681-BC17-85E44D931731}" type="datetimeFigureOut">
               <a:rPr lang="en-US" smtClean="0"/>
-              <a:t>10/13/2021</a:t>
+              <a:t>10/20/2021</a:t>
             </a:fld>
             <a:endParaRPr lang="en-US"/>
           </a:p>
@@ -295,7 +295,7 @@
     </p:spTree>
     <p:extLst>
       <p:ext uri="{BB962C8B-B14F-4D97-AF65-F5344CB8AC3E}">
-        <p14:creationId xmlns:p14="http://schemas.microsoft.com/office/powerpoint/2010/main" val="3975820170"/>
+        <p14:creationId xmlns:p14="http://schemas.microsoft.com/office/powerpoint/2010/main" val="2648011194"/>
       </p:ext>
     </p:extLst>
   </p:cSld>
@@ -414,7 +414,7 @@
           <a:p>
             <a:fld id="{EA69AB3C-1A45-4681-BC17-85E44D931731}" type="datetimeFigureOut">
               <a:rPr lang="en-US" smtClean="0"/>
-              <a:t>10/13/2021</a:t>
+              <a:t>10/20/2021</a:t>
             </a:fld>
             <a:endParaRPr lang="en-US"/>
           </a:p>
@@ -465,7 +465,7 @@
     </p:spTree>
     <p:extLst>
       <p:ext uri="{BB962C8B-B14F-4D97-AF65-F5344CB8AC3E}">
-        <p14:creationId xmlns:p14="http://schemas.microsoft.com/office/powerpoint/2010/main" val="3120446527"/>
+        <p14:creationId xmlns:p14="http://schemas.microsoft.com/office/powerpoint/2010/main" val="1420729088"/>
       </p:ext>
     </p:extLst>
   </p:cSld>
@@ -504,8 +504,8 @@
         </p:nvSpPr>
         <p:spPr>
           <a:xfrm>
-            <a:off x="5889308" y="365125"/>
-            <a:ext cx="1774508" cy="5811838"/>
+            <a:off x="6543675" y="365125"/>
+            <a:ext cx="1971675" cy="5811838"/>
           </a:xfrm>
         </p:spPr>
         <p:txBody>
@@ -532,8 +532,8 @@
         </p:nvSpPr>
         <p:spPr>
           <a:xfrm>
-            <a:off x="565785" y="365125"/>
-            <a:ext cx="5220653" cy="5811838"/>
+            <a:off x="628650" y="365125"/>
+            <a:ext cx="5800725" cy="5811838"/>
           </a:xfrm>
         </p:spPr>
         <p:txBody>
@@ -594,7 +594,7 @@
           <a:p>
             <a:fld id="{EA69AB3C-1A45-4681-BC17-85E44D931731}" type="datetimeFigureOut">
               <a:rPr lang="en-US" smtClean="0"/>
-              <a:t>10/13/2021</a:t>
+              <a:t>10/20/2021</a:t>
             </a:fld>
             <a:endParaRPr lang="en-US"/>
           </a:p>
@@ -645,7 +645,7 @@
     </p:spTree>
     <p:extLst>
       <p:ext uri="{BB962C8B-B14F-4D97-AF65-F5344CB8AC3E}">
-        <p14:creationId xmlns:p14="http://schemas.microsoft.com/office/powerpoint/2010/main" val="3786639307"/>
+        <p14:creationId xmlns:p14="http://schemas.microsoft.com/office/powerpoint/2010/main" val="2655293187"/>
       </p:ext>
     </p:extLst>
   </p:cSld>
@@ -764,7 +764,7 @@
           <a:p>
             <a:fld id="{EA69AB3C-1A45-4681-BC17-85E44D931731}" type="datetimeFigureOut">
               <a:rPr lang="en-US" smtClean="0"/>
-              <a:t>10/13/2021</a:t>
+              <a:t>10/20/2021</a:t>
             </a:fld>
             <a:endParaRPr lang="en-US"/>
           </a:p>
@@ -815,7 +815,7 @@
     </p:spTree>
     <p:extLst>
       <p:ext uri="{BB962C8B-B14F-4D97-AF65-F5344CB8AC3E}">
-        <p14:creationId xmlns:p14="http://schemas.microsoft.com/office/powerpoint/2010/main" val="270524558"/>
+        <p14:creationId xmlns:p14="http://schemas.microsoft.com/office/powerpoint/2010/main" val="1415545388"/>
       </p:ext>
     </p:extLst>
   </p:cSld>
@@ -854,15 +854,15 @@
         </p:nvSpPr>
         <p:spPr>
           <a:xfrm>
-            <a:off x="561499" y="1709740"/>
-            <a:ext cx="7098030" cy="2852737"/>
+            <a:off x="623888" y="1709739"/>
+            <a:ext cx="7886700" cy="2852737"/>
           </a:xfrm>
         </p:spPr>
         <p:txBody>
           <a:bodyPr anchor="b"/>
           <a:lstStyle>
             <a:lvl1pPr>
-              <a:defRPr sz="5400"/>
+              <a:defRPr sz="6000"/>
             </a:lvl1pPr>
           </a:lstStyle>
           <a:p>
@@ -886,8 +886,8 @@
         </p:nvSpPr>
         <p:spPr>
           <a:xfrm>
-            <a:off x="561499" y="4589465"/>
-            <a:ext cx="7098030" cy="1500187"/>
+            <a:off x="623888" y="4589464"/>
+            <a:ext cx="7886700" cy="1500187"/>
           </a:xfrm>
         </p:spPr>
         <p:txBody>
@@ -895,13 +895,23 @@
           <a:lstStyle>
             <a:lvl1pPr marL="0" indent="0">
               <a:buNone/>
-              <a:defRPr sz="2160">
+              <a:defRPr sz="2400">
                 <a:solidFill>
                   <a:schemeClr val="tx1"/>
                 </a:solidFill>
               </a:defRPr>
             </a:lvl1pPr>
-            <a:lvl2pPr marL="411480" indent="0">
+            <a:lvl2pPr marL="457200" indent="0">
+              <a:buNone/>
+              <a:defRPr sz="2000">
+                <a:solidFill>
+                  <a:schemeClr val="tx1">
+                    <a:tint val="75000"/>
+                  </a:schemeClr>
+                </a:solidFill>
+              </a:defRPr>
+            </a:lvl2pPr>
+            <a:lvl3pPr marL="914400" indent="0">
               <a:buNone/>
               <a:defRPr sz="1800">
                 <a:solidFill>
@@ -910,20 +920,10 @@
                   </a:schemeClr>
                 </a:solidFill>
               </a:defRPr>
-            </a:lvl2pPr>
-            <a:lvl3pPr marL="822960" indent="0">
-              <a:buNone/>
-              <a:defRPr sz="1620">
-                <a:solidFill>
-                  <a:schemeClr val="tx1">
-                    <a:tint val="75000"/>
-                  </a:schemeClr>
-                </a:solidFill>
-              </a:defRPr>
             </a:lvl3pPr>
-            <a:lvl4pPr marL="1234440" indent="0">
-              <a:buNone/>
-              <a:defRPr sz="1440">
+            <a:lvl4pPr marL="1371600" indent="0">
+              <a:buNone/>
+              <a:defRPr sz="1600">
                 <a:solidFill>
                   <a:schemeClr val="tx1">
                     <a:tint val="75000"/>
@@ -931,9 +931,9 @@
                 </a:solidFill>
               </a:defRPr>
             </a:lvl4pPr>
-            <a:lvl5pPr marL="1645920" indent="0">
-              <a:buNone/>
-              <a:defRPr sz="1440">
+            <a:lvl5pPr marL="1828800" indent="0">
+              <a:buNone/>
+              <a:defRPr sz="1600">
                 <a:solidFill>
                   <a:schemeClr val="tx1">
                     <a:tint val="75000"/>
@@ -941,9 +941,9 @@
                 </a:solidFill>
               </a:defRPr>
             </a:lvl5pPr>
-            <a:lvl6pPr marL="2057400" indent="0">
-              <a:buNone/>
-              <a:defRPr sz="1440">
+            <a:lvl6pPr marL="2286000" indent="0">
+              <a:buNone/>
+              <a:defRPr sz="1600">
                 <a:solidFill>
                   <a:schemeClr val="tx1">
                     <a:tint val="75000"/>
@@ -951,9 +951,9 @@
                 </a:solidFill>
               </a:defRPr>
             </a:lvl6pPr>
-            <a:lvl7pPr marL="2468880" indent="0">
-              <a:buNone/>
-              <a:defRPr sz="1440">
+            <a:lvl7pPr marL="2743200" indent="0">
+              <a:buNone/>
+              <a:defRPr sz="1600">
                 <a:solidFill>
                   <a:schemeClr val="tx1">
                     <a:tint val="75000"/>
@@ -961,9 +961,9 @@
                 </a:solidFill>
               </a:defRPr>
             </a:lvl7pPr>
-            <a:lvl8pPr marL="2880360" indent="0">
-              <a:buNone/>
-              <a:defRPr sz="1440">
+            <a:lvl8pPr marL="3200400" indent="0">
+              <a:buNone/>
+              <a:defRPr sz="1600">
                 <a:solidFill>
                   <a:schemeClr val="tx1">
                     <a:tint val="75000"/>
@@ -971,9 +971,9 @@
                 </a:solidFill>
               </a:defRPr>
             </a:lvl8pPr>
-            <a:lvl9pPr marL="3291840" indent="0">
-              <a:buNone/>
-              <a:defRPr sz="1440">
+            <a:lvl9pPr marL="3657600" indent="0">
+              <a:buNone/>
+              <a:defRPr sz="1600">
                 <a:solidFill>
                   <a:schemeClr val="tx1">
                     <a:tint val="75000"/>
@@ -1008,7 +1008,7 @@
           <a:p>
             <a:fld id="{EA69AB3C-1A45-4681-BC17-85E44D931731}" type="datetimeFigureOut">
               <a:rPr lang="en-US" smtClean="0"/>
-              <a:t>10/13/2021</a:t>
+              <a:t>10/20/2021</a:t>
             </a:fld>
             <a:endParaRPr lang="en-US"/>
           </a:p>
@@ -1059,7 +1059,7 @@
     </p:spTree>
     <p:extLst>
       <p:ext uri="{BB962C8B-B14F-4D97-AF65-F5344CB8AC3E}">
-        <p14:creationId xmlns:p14="http://schemas.microsoft.com/office/powerpoint/2010/main" val="2807192537"/>
+        <p14:creationId xmlns:p14="http://schemas.microsoft.com/office/powerpoint/2010/main" val="2013024675"/>
       </p:ext>
     </p:extLst>
   </p:cSld>
@@ -1121,8 +1121,8 @@
         </p:nvSpPr>
         <p:spPr>
           <a:xfrm>
-            <a:off x="565785" y="1825625"/>
-            <a:ext cx="3497580" cy="4351338"/>
+            <a:off x="628650" y="1825625"/>
+            <a:ext cx="3886200" cy="4351338"/>
           </a:xfrm>
         </p:spPr>
         <p:txBody>
@@ -1178,8 +1178,8 @@
         </p:nvSpPr>
         <p:spPr>
           <a:xfrm>
-            <a:off x="4166235" y="1825625"/>
-            <a:ext cx="3497580" cy="4351338"/>
+            <a:off x="4629150" y="1825625"/>
+            <a:ext cx="3886200" cy="4351338"/>
           </a:xfrm>
         </p:spPr>
         <p:txBody>
@@ -1240,7 +1240,7 @@
           <a:p>
             <a:fld id="{EA69AB3C-1A45-4681-BC17-85E44D931731}" type="datetimeFigureOut">
               <a:rPr lang="en-US" smtClean="0"/>
-              <a:t>10/13/2021</a:t>
+              <a:t>10/20/2021</a:t>
             </a:fld>
             <a:endParaRPr lang="en-US"/>
           </a:p>
@@ -1291,7 +1291,7 @@
     </p:spTree>
     <p:extLst>
       <p:ext uri="{BB962C8B-B14F-4D97-AF65-F5344CB8AC3E}">
-        <p14:creationId xmlns:p14="http://schemas.microsoft.com/office/powerpoint/2010/main" val="1318193858"/>
+        <p14:creationId xmlns:p14="http://schemas.microsoft.com/office/powerpoint/2010/main" val="810127426"/>
       </p:ext>
     </p:extLst>
   </p:cSld>
@@ -1330,8 +1330,8 @@
         </p:nvSpPr>
         <p:spPr>
           <a:xfrm>
-            <a:off x="566857" y="365127"/>
-            <a:ext cx="7098030" cy="1325563"/>
+            <a:off x="629841" y="365126"/>
+            <a:ext cx="7886700" cy="1325563"/>
           </a:xfrm>
         </p:spPr>
         <p:txBody>
@@ -1358,8 +1358,8 @@
         </p:nvSpPr>
         <p:spPr>
           <a:xfrm>
-            <a:off x="566858" y="1681163"/>
-            <a:ext cx="3481506" cy="823912"/>
+            <a:off x="629842" y="1681163"/>
+            <a:ext cx="3868340" cy="823912"/>
           </a:xfrm>
         </p:spPr>
         <p:txBody>
@@ -1367,39 +1367,39 @@
           <a:lstStyle>
             <a:lvl1pPr marL="0" indent="0">
               <a:buNone/>
-              <a:defRPr sz="2160" b="1"/>
+              <a:defRPr sz="2400" b="1"/>
             </a:lvl1pPr>
-            <a:lvl2pPr marL="411480" indent="0">
+            <a:lvl2pPr marL="457200" indent="0">
+              <a:buNone/>
+              <a:defRPr sz="2000" b="1"/>
+            </a:lvl2pPr>
+            <a:lvl3pPr marL="914400" indent="0">
               <a:buNone/>
               <a:defRPr sz="1800" b="1"/>
-            </a:lvl2pPr>
-            <a:lvl3pPr marL="822960" indent="0">
-              <a:buNone/>
-              <a:defRPr sz="1620" b="1"/>
             </a:lvl3pPr>
-            <a:lvl4pPr marL="1234440" indent="0">
-              <a:buNone/>
-              <a:defRPr sz="1440" b="1"/>
+            <a:lvl4pPr marL="1371600" indent="0">
+              <a:buNone/>
+              <a:defRPr sz="1600" b="1"/>
             </a:lvl4pPr>
-            <a:lvl5pPr marL="1645920" indent="0">
-              <a:buNone/>
-              <a:defRPr sz="1440" b="1"/>
+            <a:lvl5pPr marL="1828800" indent="0">
+              <a:buNone/>
+              <a:defRPr sz="1600" b="1"/>
             </a:lvl5pPr>
-            <a:lvl6pPr marL="2057400" indent="0">
-              <a:buNone/>
-              <a:defRPr sz="1440" b="1"/>
+            <a:lvl6pPr marL="2286000" indent="0">
+              <a:buNone/>
+              <a:defRPr sz="1600" b="1"/>
             </a:lvl6pPr>
-            <a:lvl7pPr marL="2468880" indent="0">
-              <a:buNone/>
-              <a:defRPr sz="1440" b="1"/>
+            <a:lvl7pPr marL="2743200" indent="0">
+              <a:buNone/>
+              <a:defRPr sz="1600" b="1"/>
             </a:lvl7pPr>
-            <a:lvl8pPr marL="2880360" indent="0">
-              <a:buNone/>
-              <a:defRPr sz="1440" b="1"/>
+            <a:lvl8pPr marL="3200400" indent="0">
+              <a:buNone/>
+              <a:defRPr sz="1600" b="1"/>
             </a:lvl8pPr>
-            <a:lvl9pPr marL="3291840" indent="0">
-              <a:buNone/>
-              <a:defRPr sz="1440" b="1"/>
+            <a:lvl9pPr marL="3657600" indent="0">
+              <a:buNone/>
+              <a:defRPr sz="1600" b="1"/>
             </a:lvl9pPr>
           </a:lstStyle>
           <a:p>
@@ -1423,8 +1423,8 @@
         </p:nvSpPr>
         <p:spPr>
           <a:xfrm>
-            <a:off x="566858" y="2505075"/>
-            <a:ext cx="3481506" cy="3684588"/>
+            <a:off x="629842" y="2505075"/>
+            <a:ext cx="3868340" cy="3684588"/>
           </a:xfrm>
         </p:spPr>
         <p:txBody>
@@ -1480,8 +1480,8 @@
         </p:nvSpPr>
         <p:spPr>
           <a:xfrm>
-            <a:off x="4166235" y="1681163"/>
-            <a:ext cx="3498652" cy="823912"/>
+            <a:off x="4629150" y="1681163"/>
+            <a:ext cx="3887391" cy="823912"/>
           </a:xfrm>
         </p:spPr>
         <p:txBody>
@@ -1489,39 +1489,39 @@
           <a:lstStyle>
             <a:lvl1pPr marL="0" indent="0">
               <a:buNone/>
-              <a:defRPr sz="2160" b="1"/>
+              <a:defRPr sz="2400" b="1"/>
             </a:lvl1pPr>
-            <a:lvl2pPr marL="411480" indent="0">
+            <a:lvl2pPr marL="457200" indent="0">
+              <a:buNone/>
+              <a:defRPr sz="2000" b="1"/>
+            </a:lvl2pPr>
+            <a:lvl3pPr marL="914400" indent="0">
               <a:buNone/>
               <a:defRPr sz="1800" b="1"/>
-            </a:lvl2pPr>
-            <a:lvl3pPr marL="822960" indent="0">
-              <a:buNone/>
-              <a:defRPr sz="1620" b="1"/>
             </a:lvl3pPr>
-            <a:lvl4pPr marL="1234440" indent="0">
-              <a:buNone/>
-              <a:defRPr sz="1440" b="1"/>
+            <a:lvl4pPr marL="1371600" indent="0">
+              <a:buNone/>
+              <a:defRPr sz="1600" b="1"/>
             </a:lvl4pPr>
-            <a:lvl5pPr marL="1645920" indent="0">
-              <a:buNone/>
-              <a:defRPr sz="1440" b="1"/>
+            <a:lvl5pPr marL="1828800" indent="0">
+              <a:buNone/>
+              <a:defRPr sz="1600" b="1"/>
             </a:lvl5pPr>
-            <a:lvl6pPr marL="2057400" indent="0">
-              <a:buNone/>
-              <a:defRPr sz="1440" b="1"/>
+            <a:lvl6pPr marL="2286000" indent="0">
+              <a:buNone/>
+              <a:defRPr sz="1600" b="1"/>
             </a:lvl6pPr>
-            <a:lvl7pPr marL="2468880" indent="0">
-              <a:buNone/>
-              <a:defRPr sz="1440" b="1"/>
+            <a:lvl7pPr marL="2743200" indent="0">
+              <a:buNone/>
+              <a:defRPr sz="1600" b="1"/>
             </a:lvl7pPr>
-            <a:lvl8pPr marL="2880360" indent="0">
-              <a:buNone/>
-              <a:defRPr sz="1440" b="1"/>
+            <a:lvl8pPr marL="3200400" indent="0">
+              <a:buNone/>
+              <a:defRPr sz="1600" b="1"/>
             </a:lvl8pPr>
-            <a:lvl9pPr marL="3291840" indent="0">
-              <a:buNone/>
-              <a:defRPr sz="1440" b="1"/>
+            <a:lvl9pPr marL="3657600" indent="0">
+              <a:buNone/>
+              <a:defRPr sz="1600" b="1"/>
             </a:lvl9pPr>
           </a:lstStyle>
           <a:p>
@@ -1545,8 +1545,8 @@
         </p:nvSpPr>
         <p:spPr>
           <a:xfrm>
-            <a:off x="4166235" y="2505075"/>
-            <a:ext cx="3498652" cy="3684588"/>
+            <a:off x="4629150" y="2505075"/>
+            <a:ext cx="3887391" cy="3684588"/>
           </a:xfrm>
         </p:spPr>
         <p:txBody>
@@ -1607,7 +1607,7 @@
           <a:p>
             <a:fld id="{EA69AB3C-1A45-4681-BC17-85E44D931731}" type="datetimeFigureOut">
               <a:rPr lang="en-US" smtClean="0"/>
-              <a:t>10/13/2021</a:t>
+              <a:t>10/20/2021</a:t>
             </a:fld>
             <a:endParaRPr lang="en-US"/>
           </a:p>
@@ -1658,7 +1658,7 @@
     </p:spTree>
     <p:extLst>
       <p:ext uri="{BB962C8B-B14F-4D97-AF65-F5344CB8AC3E}">
-        <p14:creationId xmlns:p14="http://schemas.microsoft.com/office/powerpoint/2010/main" val="987629487"/>
+        <p14:creationId xmlns:p14="http://schemas.microsoft.com/office/powerpoint/2010/main" val="2748589660"/>
       </p:ext>
     </p:extLst>
   </p:cSld>
@@ -1725,7 +1725,7 @@
           <a:p>
             <a:fld id="{EA69AB3C-1A45-4681-BC17-85E44D931731}" type="datetimeFigureOut">
               <a:rPr lang="en-US" smtClean="0"/>
-              <a:t>10/13/2021</a:t>
+              <a:t>10/20/2021</a:t>
             </a:fld>
             <a:endParaRPr lang="en-US"/>
           </a:p>
@@ -1776,7 +1776,7 @@
     </p:spTree>
     <p:extLst>
       <p:ext uri="{BB962C8B-B14F-4D97-AF65-F5344CB8AC3E}">
-        <p14:creationId xmlns:p14="http://schemas.microsoft.com/office/powerpoint/2010/main" val="3036760501"/>
+        <p14:creationId xmlns:p14="http://schemas.microsoft.com/office/powerpoint/2010/main" val="4058998705"/>
       </p:ext>
     </p:extLst>
   </p:cSld>
@@ -1820,7 +1820,7 @@
           <a:p>
             <a:fld id="{EA69AB3C-1A45-4681-BC17-85E44D931731}" type="datetimeFigureOut">
               <a:rPr lang="en-US" smtClean="0"/>
-              <a:t>10/13/2021</a:t>
+              <a:t>10/20/2021</a:t>
             </a:fld>
             <a:endParaRPr lang="en-US"/>
           </a:p>
@@ -1871,7 +1871,7 @@
     </p:spTree>
     <p:extLst>
       <p:ext uri="{BB962C8B-B14F-4D97-AF65-F5344CB8AC3E}">
-        <p14:creationId xmlns:p14="http://schemas.microsoft.com/office/powerpoint/2010/main" val="3741709477"/>
+        <p14:creationId xmlns:p14="http://schemas.microsoft.com/office/powerpoint/2010/main" val="2694223589"/>
       </p:ext>
     </p:extLst>
   </p:cSld>
@@ -1910,15 +1910,15 @@
         </p:nvSpPr>
         <p:spPr>
           <a:xfrm>
-            <a:off x="566857" y="457200"/>
-            <a:ext cx="2654260" cy="1600200"/>
+            <a:off x="629841" y="457200"/>
+            <a:ext cx="2949178" cy="1600200"/>
           </a:xfrm>
         </p:spPr>
         <p:txBody>
           <a:bodyPr anchor="b"/>
           <a:lstStyle>
             <a:lvl1pPr>
-              <a:defRPr sz="2880"/>
+              <a:defRPr sz="3200"/>
             </a:lvl1pPr>
           </a:lstStyle>
           <a:p>
@@ -1942,39 +1942,39 @@
         </p:nvSpPr>
         <p:spPr>
           <a:xfrm>
-            <a:off x="3498652" y="987427"/>
-            <a:ext cx="4166235" cy="4873625"/>
+            <a:off x="3887391" y="987426"/>
+            <a:ext cx="4629150" cy="4873625"/>
           </a:xfrm>
         </p:spPr>
         <p:txBody>
           <a:bodyPr/>
           <a:lstStyle>
             <a:lvl1pPr>
-              <a:defRPr sz="2880"/>
+              <a:defRPr sz="3200"/>
             </a:lvl1pPr>
             <a:lvl2pPr>
-              <a:defRPr sz="2520"/>
+              <a:defRPr sz="2800"/>
             </a:lvl2pPr>
             <a:lvl3pPr>
-              <a:defRPr sz="2160"/>
+              <a:defRPr sz="2400"/>
             </a:lvl3pPr>
             <a:lvl4pPr>
-              <a:defRPr sz="1800"/>
+              <a:defRPr sz="2000"/>
             </a:lvl4pPr>
             <a:lvl5pPr>
-              <a:defRPr sz="1800"/>
+              <a:defRPr sz="2000"/>
             </a:lvl5pPr>
             <a:lvl6pPr>
-              <a:defRPr sz="1800"/>
+              <a:defRPr sz="2000"/>
             </a:lvl6pPr>
             <a:lvl7pPr>
-              <a:defRPr sz="1800"/>
+              <a:defRPr sz="2000"/>
             </a:lvl7pPr>
             <a:lvl8pPr>
-              <a:defRPr sz="1800"/>
+              <a:defRPr sz="2000"/>
             </a:lvl8pPr>
             <a:lvl9pPr>
-              <a:defRPr sz="1800"/>
+              <a:defRPr sz="2000"/>
             </a:lvl9pPr>
           </a:lstStyle>
           <a:p>
@@ -2027,8 +2027,8 @@
         </p:nvSpPr>
         <p:spPr>
           <a:xfrm>
-            <a:off x="566857" y="2057400"/>
-            <a:ext cx="2654260" cy="3811588"/>
+            <a:off x="629841" y="2057400"/>
+            <a:ext cx="2949178" cy="3811588"/>
           </a:xfrm>
         </p:spPr>
         <p:txBody>
@@ -2036,39 +2036,39 @@
           <a:lstStyle>
             <a:lvl1pPr marL="0" indent="0">
               <a:buNone/>
-              <a:defRPr sz="1440"/>
+              <a:defRPr sz="1600"/>
             </a:lvl1pPr>
-            <a:lvl2pPr marL="411480" indent="0">
-              <a:buNone/>
-              <a:defRPr sz="1260"/>
+            <a:lvl2pPr marL="457200" indent="0">
+              <a:buNone/>
+              <a:defRPr sz="1400"/>
             </a:lvl2pPr>
-            <a:lvl3pPr marL="822960" indent="0">
-              <a:buNone/>
-              <a:defRPr sz="1080"/>
+            <a:lvl3pPr marL="914400" indent="0">
+              <a:buNone/>
+              <a:defRPr sz="1200"/>
             </a:lvl3pPr>
-            <a:lvl4pPr marL="1234440" indent="0">
-              <a:buNone/>
-              <a:defRPr sz="900"/>
+            <a:lvl4pPr marL="1371600" indent="0">
+              <a:buNone/>
+              <a:defRPr sz="1000"/>
             </a:lvl4pPr>
-            <a:lvl5pPr marL="1645920" indent="0">
-              <a:buNone/>
-              <a:defRPr sz="900"/>
+            <a:lvl5pPr marL="1828800" indent="0">
+              <a:buNone/>
+              <a:defRPr sz="1000"/>
             </a:lvl5pPr>
-            <a:lvl6pPr marL="2057400" indent="0">
-              <a:buNone/>
-              <a:defRPr sz="900"/>
+            <a:lvl6pPr marL="2286000" indent="0">
+              <a:buNone/>
+              <a:defRPr sz="1000"/>
             </a:lvl6pPr>
-            <a:lvl7pPr marL="2468880" indent="0">
-              <a:buNone/>
-              <a:defRPr sz="900"/>
+            <a:lvl7pPr marL="2743200" indent="0">
+              <a:buNone/>
+              <a:defRPr sz="1000"/>
             </a:lvl7pPr>
-            <a:lvl8pPr marL="2880360" indent="0">
-              <a:buNone/>
-              <a:defRPr sz="900"/>
+            <a:lvl8pPr marL="3200400" indent="0">
+              <a:buNone/>
+              <a:defRPr sz="1000"/>
             </a:lvl8pPr>
-            <a:lvl9pPr marL="3291840" indent="0">
-              <a:buNone/>
-              <a:defRPr sz="900"/>
+            <a:lvl9pPr marL="3657600" indent="0">
+              <a:buNone/>
+              <a:defRPr sz="1000"/>
             </a:lvl9pPr>
           </a:lstStyle>
           <a:p>
@@ -2097,7 +2097,7 @@
           <a:p>
             <a:fld id="{EA69AB3C-1A45-4681-BC17-85E44D931731}" type="datetimeFigureOut">
               <a:rPr lang="en-US" smtClean="0"/>
-              <a:t>10/13/2021</a:t>
+              <a:t>10/20/2021</a:t>
             </a:fld>
             <a:endParaRPr lang="en-US"/>
           </a:p>
@@ -2148,7 +2148,7 @@
     </p:spTree>
     <p:extLst>
       <p:ext uri="{BB962C8B-B14F-4D97-AF65-F5344CB8AC3E}">
-        <p14:creationId xmlns:p14="http://schemas.microsoft.com/office/powerpoint/2010/main" val="1401472483"/>
+        <p14:creationId xmlns:p14="http://schemas.microsoft.com/office/powerpoint/2010/main" val="314481771"/>
       </p:ext>
     </p:extLst>
   </p:cSld>
@@ -2187,15 +2187,15 @@
         </p:nvSpPr>
         <p:spPr>
           <a:xfrm>
-            <a:off x="566857" y="457200"/>
-            <a:ext cx="2654260" cy="1600200"/>
+            <a:off x="629841" y="457200"/>
+            <a:ext cx="2949178" cy="1600200"/>
           </a:xfrm>
         </p:spPr>
         <p:txBody>
           <a:bodyPr anchor="b"/>
           <a:lstStyle>
             <a:lvl1pPr>
-              <a:defRPr sz="2880"/>
+              <a:defRPr sz="3200"/>
             </a:lvl1pPr>
           </a:lstStyle>
           <a:p>
@@ -2219,8 +2219,8 @@
         </p:nvSpPr>
         <p:spPr>
           <a:xfrm>
-            <a:off x="3498652" y="987427"/>
-            <a:ext cx="4166235" cy="4873625"/>
+            <a:off x="3887391" y="987426"/>
+            <a:ext cx="4629150" cy="4873625"/>
           </a:xfrm>
         </p:spPr>
         <p:txBody>
@@ -2228,39 +2228,39 @@
           <a:lstStyle>
             <a:lvl1pPr marL="0" indent="0">
               <a:buNone/>
-              <a:defRPr sz="2880"/>
+              <a:defRPr sz="3200"/>
             </a:lvl1pPr>
-            <a:lvl2pPr marL="411480" indent="0">
-              <a:buNone/>
-              <a:defRPr sz="2520"/>
+            <a:lvl2pPr marL="457200" indent="0">
+              <a:buNone/>
+              <a:defRPr sz="2800"/>
             </a:lvl2pPr>
-            <a:lvl3pPr marL="822960" indent="0">
-              <a:buNone/>
-              <a:defRPr sz="2160"/>
+            <a:lvl3pPr marL="914400" indent="0">
+              <a:buNone/>
+              <a:defRPr sz="2400"/>
             </a:lvl3pPr>
-            <a:lvl4pPr marL="1234440" indent="0">
-              <a:buNone/>
-              <a:defRPr sz="1800"/>
+            <a:lvl4pPr marL="1371600" indent="0">
+              <a:buNone/>
+              <a:defRPr sz="2000"/>
             </a:lvl4pPr>
-            <a:lvl5pPr marL="1645920" indent="0">
-              <a:buNone/>
-              <a:defRPr sz="1800"/>
+            <a:lvl5pPr marL="1828800" indent="0">
+              <a:buNone/>
+              <a:defRPr sz="2000"/>
             </a:lvl5pPr>
-            <a:lvl6pPr marL="2057400" indent="0">
-              <a:buNone/>
-              <a:defRPr sz="1800"/>
+            <a:lvl6pPr marL="2286000" indent="0">
+              <a:buNone/>
+              <a:defRPr sz="2000"/>
             </a:lvl6pPr>
-            <a:lvl7pPr marL="2468880" indent="0">
-              <a:buNone/>
-              <a:defRPr sz="1800"/>
+            <a:lvl7pPr marL="2743200" indent="0">
+              <a:buNone/>
+              <a:defRPr sz="2000"/>
             </a:lvl7pPr>
-            <a:lvl8pPr marL="2880360" indent="0">
-              <a:buNone/>
-              <a:defRPr sz="1800"/>
+            <a:lvl8pPr marL="3200400" indent="0">
+              <a:buNone/>
+              <a:defRPr sz="2000"/>
             </a:lvl8pPr>
-            <a:lvl9pPr marL="3291840" indent="0">
-              <a:buNone/>
-              <a:defRPr sz="1800"/>
+            <a:lvl9pPr marL="3657600" indent="0">
+              <a:buNone/>
+              <a:defRPr sz="2000"/>
             </a:lvl9pPr>
           </a:lstStyle>
           <a:p>
@@ -2284,8 +2284,8 @@
         </p:nvSpPr>
         <p:spPr>
           <a:xfrm>
-            <a:off x="566857" y="2057400"/>
-            <a:ext cx="2654260" cy="3811588"/>
+            <a:off x="629841" y="2057400"/>
+            <a:ext cx="2949178" cy="3811588"/>
           </a:xfrm>
         </p:spPr>
         <p:txBody>
@@ -2293,39 +2293,39 @@
           <a:lstStyle>
             <a:lvl1pPr marL="0" indent="0">
               <a:buNone/>
-              <a:defRPr sz="1440"/>
+              <a:defRPr sz="1600"/>
             </a:lvl1pPr>
-            <a:lvl2pPr marL="411480" indent="0">
-              <a:buNone/>
-              <a:defRPr sz="1260"/>
+            <a:lvl2pPr marL="457200" indent="0">
+              <a:buNone/>
+              <a:defRPr sz="1400"/>
             </a:lvl2pPr>
-            <a:lvl3pPr marL="822960" indent="0">
-              <a:buNone/>
-              <a:defRPr sz="1080"/>
+            <a:lvl3pPr marL="914400" indent="0">
+              <a:buNone/>
+              <a:defRPr sz="1200"/>
             </a:lvl3pPr>
-            <a:lvl4pPr marL="1234440" indent="0">
-              <a:buNone/>
-              <a:defRPr sz="900"/>
+            <a:lvl4pPr marL="1371600" indent="0">
+              <a:buNone/>
+              <a:defRPr sz="1000"/>
             </a:lvl4pPr>
-            <a:lvl5pPr marL="1645920" indent="0">
-              <a:buNone/>
-              <a:defRPr sz="900"/>
+            <a:lvl5pPr marL="1828800" indent="0">
+              <a:buNone/>
+              <a:defRPr sz="1000"/>
             </a:lvl5pPr>
-            <a:lvl6pPr marL="2057400" indent="0">
-              <a:buNone/>
-              <a:defRPr sz="900"/>
+            <a:lvl6pPr marL="2286000" indent="0">
+              <a:buNone/>
+              <a:defRPr sz="1000"/>
             </a:lvl6pPr>
-            <a:lvl7pPr marL="2468880" indent="0">
-              <a:buNone/>
-              <a:defRPr sz="900"/>
+            <a:lvl7pPr marL="2743200" indent="0">
+              <a:buNone/>
+              <a:defRPr sz="1000"/>
             </a:lvl7pPr>
-            <a:lvl8pPr marL="2880360" indent="0">
-              <a:buNone/>
-              <a:defRPr sz="900"/>
+            <a:lvl8pPr marL="3200400" indent="0">
+              <a:buNone/>
+              <a:defRPr sz="1000"/>
             </a:lvl8pPr>
-            <a:lvl9pPr marL="3291840" indent="0">
-              <a:buNone/>
-              <a:defRPr sz="900"/>
+            <a:lvl9pPr marL="3657600" indent="0">
+              <a:buNone/>
+              <a:defRPr sz="1000"/>
             </a:lvl9pPr>
           </a:lstStyle>
           <a:p>
@@ -2354,7 +2354,7 @@
           <a:p>
             <a:fld id="{EA69AB3C-1A45-4681-BC17-85E44D931731}" type="datetimeFigureOut">
               <a:rPr lang="en-US" smtClean="0"/>
-              <a:t>10/13/2021</a:t>
+              <a:t>10/20/2021</a:t>
             </a:fld>
             <a:endParaRPr lang="en-US"/>
           </a:p>
@@ -2405,7 +2405,7 @@
     </p:spTree>
     <p:extLst>
       <p:ext uri="{BB962C8B-B14F-4D97-AF65-F5344CB8AC3E}">
-        <p14:creationId xmlns:p14="http://schemas.microsoft.com/office/powerpoint/2010/main" val="3035667249"/>
+        <p14:creationId xmlns:p14="http://schemas.microsoft.com/office/powerpoint/2010/main" val="2223374477"/>
       </p:ext>
     </p:extLst>
   </p:cSld>
@@ -2449,8 +2449,8 @@
         </p:nvSpPr>
         <p:spPr>
           <a:xfrm>
-            <a:off x="565785" y="365127"/>
-            <a:ext cx="7098030" cy="1325563"/>
+            <a:off x="628650" y="365126"/>
+            <a:ext cx="7886700" cy="1325563"/>
           </a:xfrm>
           <a:prstGeom prst="rect">
             <a:avLst/>
@@ -2482,8 +2482,8 @@
         </p:nvSpPr>
         <p:spPr>
           <a:xfrm>
-            <a:off x="565785" y="1825625"/>
-            <a:ext cx="7098030" cy="4351338"/>
+            <a:off x="628650" y="1825625"/>
+            <a:ext cx="7886700" cy="4351338"/>
           </a:xfrm>
           <a:prstGeom prst="rect">
             <a:avLst/>
@@ -2544,8 +2544,8 @@
         </p:nvSpPr>
         <p:spPr>
           <a:xfrm>
-            <a:off x="565785" y="6356352"/>
-            <a:ext cx="1851660" cy="365125"/>
+            <a:off x="628650" y="6356351"/>
+            <a:ext cx="2057400" cy="365125"/>
           </a:xfrm>
           <a:prstGeom prst="rect">
             <a:avLst/>
@@ -2555,7 +2555,7 @@
           <a:bodyPr vert="horz" lIns="91440" tIns="45720" rIns="91440" bIns="45720" rtlCol="0" anchor="ctr"/>
           <a:lstStyle>
             <a:lvl1pPr algn="l">
-              <a:defRPr sz="1080">
+              <a:defRPr sz="1200">
                 <a:solidFill>
                   <a:schemeClr val="tx1">
                     <a:tint val="75000"/>
@@ -2567,7 +2567,7 @@
           <a:p>
             <a:fld id="{EA69AB3C-1A45-4681-BC17-85E44D931731}" type="datetimeFigureOut">
               <a:rPr lang="en-US" smtClean="0"/>
-              <a:t>10/13/2021</a:t>
+              <a:t>10/20/2021</a:t>
             </a:fld>
             <a:endParaRPr lang="en-US"/>
           </a:p>
@@ -2585,8 +2585,8 @@
         </p:nvSpPr>
         <p:spPr>
           <a:xfrm>
-            <a:off x="2726055" y="6356352"/>
-            <a:ext cx="2777490" cy="365125"/>
+            <a:off x="3028950" y="6356351"/>
+            <a:ext cx="3086100" cy="365125"/>
           </a:xfrm>
           <a:prstGeom prst="rect">
             <a:avLst/>
@@ -2596,7 +2596,7 @@
           <a:bodyPr vert="horz" lIns="91440" tIns="45720" rIns="91440" bIns="45720" rtlCol="0" anchor="ctr"/>
           <a:lstStyle>
             <a:lvl1pPr algn="ctr">
-              <a:defRPr sz="1080">
+              <a:defRPr sz="1200">
                 <a:solidFill>
                   <a:schemeClr val="tx1">
                     <a:tint val="75000"/>
@@ -2622,8 +2622,8 @@
         </p:nvSpPr>
         <p:spPr>
           <a:xfrm>
-            <a:off x="5812155" y="6356352"/>
-            <a:ext cx="1851660" cy="365125"/>
+            <a:off x="6457950" y="6356351"/>
+            <a:ext cx="2057400" cy="365125"/>
           </a:xfrm>
           <a:prstGeom prst="rect">
             <a:avLst/>
@@ -2633,7 +2633,7 @@
           <a:bodyPr vert="horz" lIns="91440" tIns="45720" rIns="91440" bIns="45720" rtlCol="0" anchor="ctr"/>
           <a:lstStyle>
             <a:lvl1pPr algn="r">
-              <a:defRPr sz="1080">
+              <a:defRPr sz="1200">
                 <a:solidFill>
                   <a:schemeClr val="tx1">
                     <a:tint val="75000"/>
@@ -2654,27 +2654,27 @@
     </p:spTree>
     <p:extLst>
       <p:ext uri="{BB962C8B-B14F-4D97-AF65-F5344CB8AC3E}">
-        <p14:creationId xmlns:p14="http://schemas.microsoft.com/office/powerpoint/2010/main" val="403697894"/>
+        <p14:creationId xmlns:p14="http://schemas.microsoft.com/office/powerpoint/2010/main" val="1416423152"/>
       </p:ext>
     </p:extLst>
   </p:cSld>
   <p:clrMap bg1="lt1" tx1="dk1" bg2="lt2" tx2="dk2" accent1="accent1" accent2="accent2" accent3="accent3" accent4="accent4" accent5="accent5" accent6="accent6" hlink="hlink" folHlink="folHlink"/>
   <p:sldLayoutIdLst>
-    <p:sldLayoutId id="2147483781" r:id="rId1"/>
-    <p:sldLayoutId id="2147483782" r:id="rId2"/>
-    <p:sldLayoutId id="2147483783" r:id="rId3"/>
-    <p:sldLayoutId id="2147483784" r:id="rId4"/>
-    <p:sldLayoutId id="2147483785" r:id="rId5"/>
-    <p:sldLayoutId id="2147483786" r:id="rId6"/>
-    <p:sldLayoutId id="2147483787" r:id="rId7"/>
-    <p:sldLayoutId id="2147483788" r:id="rId8"/>
-    <p:sldLayoutId id="2147483789" r:id="rId9"/>
-    <p:sldLayoutId id="2147483790" r:id="rId10"/>
-    <p:sldLayoutId id="2147483791" r:id="rId11"/>
+    <p:sldLayoutId id="2147483793" r:id="rId1"/>
+    <p:sldLayoutId id="2147483794" r:id="rId2"/>
+    <p:sldLayoutId id="2147483795" r:id="rId3"/>
+    <p:sldLayoutId id="2147483796" r:id="rId4"/>
+    <p:sldLayoutId id="2147483797" r:id="rId5"/>
+    <p:sldLayoutId id="2147483798" r:id="rId6"/>
+    <p:sldLayoutId id="2147483799" r:id="rId7"/>
+    <p:sldLayoutId id="2147483800" r:id="rId8"/>
+    <p:sldLayoutId id="2147483801" r:id="rId9"/>
+    <p:sldLayoutId id="2147483802" r:id="rId10"/>
+    <p:sldLayoutId id="2147483803" r:id="rId11"/>
   </p:sldLayoutIdLst>
   <p:txStyles>
     <p:titleStyle>
-      <a:lvl1pPr algn="l" defTabSz="822960" rtl="0" eaLnBrk="1" latinLnBrk="0" hangingPunct="1">
+      <a:lvl1pPr algn="l" defTabSz="914400" rtl="0" eaLnBrk="1" latinLnBrk="0" hangingPunct="1">
         <a:lnSpc>
           <a:spcPct val="90000"/>
         </a:lnSpc>
@@ -2682,7 +2682,7 @@
           <a:spcPct val="0"/>
         </a:spcBef>
         <a:buNone/>
-        <a:defRPr sz="3960" kern="1200">
+        <a:defRPr sz="4400" kern="1200">
           <a:solidFill>
             <a:schemeClr val="tx1"/>
           </a:solidFill>
@@ -2693,16 +2693,16 @@
       </a:lvl1pPr>
     </p:titleStyle>
     <p:bodyStyle>
-      <a:lvl1pPr marL="205740" indent="-205740" algn="l" defTabSz="822960" rtl="0" eaLnBrk="1" latinLnBrk="0" hangingPunct="1">
+      <a:lvl1pPr marL="228600" indent="-228600" algn="l" defTabSz="914400" rtl="0" eaLnBrk="1" latinLnBrk="0" hangingPunct="1">
         <a:lnSpc>
           <a:spcPct val="90000"/>
         </a:lnSpc>
         <a:spcBef>
-          <a:spcPts val="900"/>
+          <a:spcPts val="1000"/>
         </a:spcBef>
         <a:buFont typeface="Arial" panose="020B0604020202020204" pitchFamily="34" charset="0"/>
         <a:buChar char="•"/>
-        <a:defRPr sz="2520" kern="1200">
+        <a:defRPr sz="2800" kern="1200">
           <a:solidFill>
             <a:schemeClr val="tx1"/>
           </a:solidFill>
@@ -2711,16 +2711,16 @@
           <a:cs typeface="+mn-cs"/>
         </a:defRPr>
       </a:lvl1pPr>
-      <a:lvl2pPr marL="617220" indent="-205740" algn="l" defTabSz="822960" rtl="0" eaLnBrk="1" latinLnBrk="0" hangingPunct="1">
+      <a:lvl2pPr marL="685800" indent="-228600" algn="l" defTabSz="914400" rtl="0" eaLnBrk="1" latinLnBrk="0" hangingPunct="1">
         <a:lnSpc>
           <a:spcPct val="90000"/>
         </a:lnSpc>
         <a:spcBef>
-          <a:spcPts val="450"/>
+          <a:spcPts val="500"/>
         </a:spcBef>
         <a:buFont typeface="Arial" panose="020B0604020202020204" pitchFamily="34" charset="0"/>
         <a:buChar char="•"/>
-        <a:defRPr sz="2160" kern="1200">
+        <a:defRPr sz="2400" kern="1200">
           <a:solidFill>
             <a:schemeClr val="tx1"/>
           </a:solidFill>
@@ -2729,12 +2729,30 @@
           <a:cs typeface="+mn-cs"/>
         </a:defRPr>
       </a:lvl2pPr>
-      <a:lvl3pPr marL="1028700" indent="-205740" algn="l" defTabSz="822960" rtl="0" eaLnBrk="1" latinLnBrk="0" hangingPunct="1">
+      <a:lvl3pPr marL="1143000" indent="-228600" algn="l" defTabSz="914400" rtl="0" eaLnBrk="1" latinLnBrk="0" hangingPunct="1">
         <a:lnSpc>
           <a:spcPct val="90000"/>
         </a:lnSpc>
         <a:spcBef>
-          <a:spcPts val="450"/>
+          <a:spcPts val="500"/>
+        </a:spcBef>
+        <a:buFont typeface="Arial" panose="020B0604020202020204" pitchFamily="34" charset="0"/>
+        <a:buChar char="•"/>
+        <a:defRPr sz="2000" kern="1200">
+          <a:solidFill>
+            <a:schemeClr val="tx1"/>
+          </a:solidFill>
+          <a:latin typeface="+mn-lt"/>
+          <a:ea typeface="+mn-ea"/>
+          <a:cs typeface="+mn-cs"/>
+        </a:defRPr>
+      </a:lvl3pPr>
+      <a:lvl4pPr marL="1600200" indent="-228600" algn="l" defTabSz="914400" rtl="0" eaLnBrk="1" latinLnBrk="0" hangingPunct="1">
+        <a:lnSpc>
+          <a:spcPct val="90000"/>
+        </a:lnSpc>
+        <a:spcBef>
+          <a:spcPts val="500"/>
         </a:spcBef>
         <a:buFont typeface="Arial" panose="020B0604020202020204" pitchFamily="34" charset="0"/>
         <a:buChar char="•"/>
@@ -2746,35 +2764,17 @@
           <a:ea typeface="+mn-ea"/>
           <a:cs typeface="+mn-cs"/>
         </a:defRPr>
-      </a:lvl3pPr>
-      <a:lvl4pPr marL="1440180" indent="-205740" algn="l" defTabSz="822960" rtl="0" eaLnBrk="1" latinLnBrk="0" hangingPunct="1">
+      </a:lvl4pPr>
+      <a:lvl5pPr marL="2057400" indent="-228600" algn="l" defTabSz="914400" rtl="0" eaLnBrk="1" latinLnBrk="0" hangingPunct="1">
         <a:lnSpc>
           <a:spcPct val="90000"/>
         </a:lnSpc>
         <a:spcBef>
-          <a:spcPts val="450"/>
+          <a:spcPts val="500"/>
         </a:spcBef>
         <a:buFont typeface="Arial" panose="020B0604020202020204" pitchFamily="34" charset="0"/>
         <a:buChar char="•"/>
-        <a:defRPr sz="1620" kern="1200">
-          <a:solidFill>
-            <a:schemeClr val="tx1"/>
-          </a:solidFill>
-          <a:latin typeface="+mn-lt"/>
-          <a:ea typeface="+mn-ea"/>
-          <a:cs typeface="+mn-cs"/>
-        </a:defRPr>
-      </a:lvl4pPr>
-      <a:lvl5pPr marL="1851660" indent="-205740" algn="l" defTabSz="822960" rtl="0" eaLnBrk="1" latinLnBrk="0" hangingPunct="1">
-        <a:lnSpc>
-          <a:spcPct val="90000"/>
-        </a:lnSpc>
-        <a:spcBef>
-          <a:spcPts val="450"/>
-        </a:spcBef>
-        <a:buFont typeface="Arial" panose="020B0604020202020204" pitchFamily="34" charset="0"/>
-        <a:buChar char="•"/>
-        <a:defRPr sz="1620" kern="1200">
+        <a:defRPr sz="1800" kern="1200">
           <a:solidFill>
             <a:schemeClr val="tx1"/>
           </a:solidFill>
@@ -2783,16 +2783,16 @@
           <a:cs typeface="+mn-cs"/>
         </a:defRPr>
       </a:lvl5pPr>
-      <a:lvl6pPr marL="2263140" indent="-205740" algn="l" defTabSz="822960" rtl="0" eaLnBrk="1" latinLnBrk="0" hangingPunct="1">
+      <a:lvl6pPr marL="2514600" indent="-228600" algn="l" defTabSz="914400" rtl="0" eaLnBrk="1" latinLnBrk="0" hangingPunct="1">
         <a:lnSpc>
           <a:spcPct val="90000"/>
         </a:lnSpc>
         <a:spcBef>
-          <a:spcPts val="450"/>
+          <a:spcPts val="500"/>
         </a:spcBef>
         <a:buFont typeface="Arial" panose="020B0604020202020204" pitchFamily="34" charset="0"/>
         <a:buChar char="•"/>
-        <a:defRPr sz="1620" kern="1200">
+        <a:defRPr sz="1800" kern="1200">
           <a:solidFill>
             <a:schemeClr val="tx1"/>
           </a:solidFill>
@@ -2801,16 +2801,16 @@
           <a:cs typeface="+mn-cs"/>
         </a:defRPr>
       </a:lvl6pPr>
-      <a:lvl7pPr marL="2674620" indent="-205740" algn="l" defTabSz="822960" rtl="0" eaLnBrk="1" latinLnBrk="0" hangingPunct="1">
+      <a:lvl7pPr marL="2971800" indent="-228600" algn="l" defTabSz="914400" rtl="0" eaLnBrk="1" latinLnBrk="0" hangingPunct="1">
         <a:lnSpc>
           <a:spcPct val="90000"/>
         </a:lnSpc>
         <a:spcBef>
-          <a:spcPts val="450"/>
+          <a:spcPts val="500"/>
         </a:spcBef>
         <a:buFont typeface="Arial" panose="020B0604020202020204" pitchFamily="34" charset="0"/>
         <a:buChar char="•"/>
-        <a:defRPr sz="1620" kern="1200">
+        <a:defRPr sz="1800" kern="1200">
           <a:solidFill>
             <a:schemeClr val="tx1"/>
           </a:solidFill>
@@ -2819,16 +2819,16 @@
           <a:cs typeface="+mn-cs"/>
         </a:defRPr>
       </a:lvl7pPr>
-      <a:lvl8pPr marL="3086100" indent="-205740" algn="l" defTabSz="822960" rtl="0" eaLnBrk="1" latinLnBrk="0" hangingPunct="1">
+      <a:lvl8pPr marL="3429000" indent="-228600" algn="l" defTabSz="914400" rtl="0" eaLnBrk="1" latinLnBrk="0" hangingPunct="1">
         <a:lnSpc>
           <a:spcPct val="90000"/>
         </a:lnSpc>
         <a:spcBef>
-          <a:spcPts val="450"/>
+          <a:spcPts val="500"/>
         </a:spcBef>
         <a:buFont typeface="Arial" panose="020B0604020202020204" pitchFamily="34" charset="0"/>
         <a:buChar char="•"/>
-        <a:defRPr sz="1620" kern="1200">
+        <a:defRPr sz="1800" kern="1200">
           <a:solidFill>
             <a:schemeClr val="tx1"/>
           </a:solidFill>
@@ -2837,16 +2837,16 @@
           <a:cs typeface="+mn-cs"/>
         </a:defRPr>
       </a:lvl8pPr>
-      <a:lvl9pPr marL="3497580" indent="-205740" algn="l" defTabSz="822960" rtl="0" eaLnBrk="1" latinLnBrk="0" hangingPunct="1">
+      <a:lvl9pPr marL="3886200" indent="-228600" algn="l" defTabSz="914400" rtl="0" eaLnBrk="1" latinLnBrk="0" hangingPunct="1">
         <a:lnSpc>
           <a:spcPct val="90000"/>
         </a:lnSpc>
         <a:spcBef>
-          <a:spcPts val="450"/>
+          <a:spcPts val="500"/>
         </a:spcBef>
         <a:buFont typeface="Arial" panose="020B0604020202020204" pitchFamily="34" charset="0"/>
         <a:buChar char="•"/>
-        <a:defRPr sz="1620" kern="1200">
+        <a:defRPr sz="1800" kern="1200">
           <a:solidFill>
             <a:schemeClr val="tx1"/>
           </a:solidFill>
@@ -2860,8 +2860,8 @@
       <a:defPPr>
         <a:defRPr lang="en-US"/>
       </a:defPPr>
-      <a:lvl1pPr marL="0" algn="l" defTabSz="822960" rtl="0" eaLnBrk="1" latinLnBrk="0" hangingPunct="1">
-        <a:defRPr sz="1620" kern="1200">
+      <a:lvl1pPr marL="0" algn="l" defTabSz="914400" rtl="0" eaLnBrk="1" latinLnBrk="0" hangingPunct="1">
+        <a:defRPr sz="1800" kern="1200">
           <a:solidFill>
             <a:schemeClr val="tx1"/>
           </a:solidFill>
@@ -2870,8 +2870,8 @@
           <a:cs typeface="+mn-cs"/>
         </a:defRPr>
       </a:lvl1pPr>
-      <a:lvl2pPr marL="411480" algn="l" defTabSz="822960" rtl="0" eaLnBrk="1" latinLnBrk="0" hangingPunct="1">
-        <a:defRPr sz="1620" kern="1200">
+      <a:lvl2pPr marL="457200" algn="l" defTabSz="914400" rtl="0" eaLnBrk="1" latinLnBrk="0" hangingPunct="1">
+        <a:defRPr sz="1800" kern="1200">
           <a:solidFill>
             <a:schemeClr val="tx1"/>
           </a:solidFill>
@@ -2880,8 +2880,8 @@
           <a:cs typeface="+mn-cs"/>
         </a:defRPr>
       </a:lvl2pPr>
-      <a:lvl3pPr marL="822960" algn="l" defTabSz="822960" rtl="0" eaLnBrk="1" latinLnBrk="0" hangingPunct="1">
-        <a:defRPr sz="1620" kern="1200">
+      <a:lvl3pPr marL="914400" algn="l" defTabSz="914400" rtl="0" eaLnBrk="1" latinLnBrk="0" hangingPunct="1">
+        <a:defRPr sz="1800" kern="1200">
           <a:solidFill>
             <a:schemeClr val="tx1"/>
           </a:solidFill>
@@ -2890,8 +2890,8 @@
           <a:cs typeface="+mn-cs"/>
         </a:defRPr>
       </a:lvl3pPr>
-      <a:lvl4pPr marL="1234440" algn="l" defTabSz="822960" rtl="0" eaLnBrk="1" latinLnBrk="0" hangingPunct="1">
-        <a:defRPr sz="1620" kern="1200">
+      <a:lvl4pPr marL="1371600" algn="l" defTabSz="914400" rtl="0" eaLnBrk="1" latinLnBrk="0" hangingPunct="1">
+        <a:defRPr sz="1800" kern="1200">
           <a:solidFill>
             <a:schemeClr val="tx1"/>
           </a:solidFill>
@@ -2900,8 +2900,8 @@
           <a:cs typeface="+mn-cs"/>
         </a:defRPr>
       </a:lvl4pPr>
-      <a:lvl5pPr marL="1645920" algn="l" defTabSz="822960" rtl="0" eaLnBrk="1" latinLnBrk="0" hangingPunct="1">
-        <a:defRPr sz="1620" kern="1200">
+      <a:lvl5pPr marL="1828800" algn="l" defTabSz="914400" rtl="0" eaLnBrk="1" latinLnBrk="0" hangingPunct="1">
+        <a:defRPr sz="1800" kern="1200">
           <a:solidFill>
             <a:schemeClr val="tx1"/>
           </a:solidFill>
@@ -2910,8 +2910,8 @@
           <a:cs typeface="+mn-cs"/>
         </a:defRPr>
       </a:lvl5pPr>
-      <a:lvl6pPr marL="2057400" algn="l" defTabSz="822960" rtl="0" eaLnBrk="1" latinLnBrk="0" hangingPunct="1">
-        <a:defRPr sz="1620" kern="1200">
+      <a:lvl6pPr marL="2286000" algn="l" defTabSz="914400" rtl="0" eaLnBrk="1" latinLnBrk="0" hangingPunct="1">
+        <a:defRPr sz="1800" kern="1200">
           <a:solidFill>
             <a:schemeClr val="tx1"/>
           </a:solidFill>
@@ -2920,8 +2920,8 @@
           <a:cs typeface="+mn-cs"/>
         </a:defRPr>
       </a:lvl6pPr>
-      <a:lvl7pPr marL="2468880" algn="l" defTabSz="822960" rtl="0" eaLnBrk="1" latinLnBrk="0" hangingPunct="1">
-        <a:defRPr sz="1620" kern="1200">
+      <a:lvl7pPr marL="2743200" algn="l" defTabSz="914400" rtl="0" eaLnBrk="1" latinLnBrk="0" hangingPunct="1">
+        <a:defRPr sz="1800" kern="1200">
           <a:solidFill>
             <a:schemeClr val="tx1"/>
           </a:solidFill>
@@ -2930,8 +2930,8 @@
           <a:cs typeface="+mn-cs"/>
         </a:defRPr>
       </a:lvl7pPr>
-      <a:lvl8pPr marL="2880360" algn="l" defTabSz="822960" rtl="0" eaLnBrk="1" latinLnBrk="0" hangingPunct="1">
-        <a:defRPr sz="1620" kern="1200">
+      <a:lvl8pPr marL="3200400" algn="l" defTabSz="914400" rtl="0" eaLnBrk="1" latinLnBrk="0" hangingPunct="1">
+        <a:defRPr sz="1800" kern="1200">
           <a:solidFill>
             <a:schemeClr val="tx1"/>
           </a:solidFill>
@@ -2940,8 +2940,8 @@
           <a:cs typeface="+mn-cs"/>
         </a:defRPr>
       </a:lvl8pPr>
-      <a:lvl9pPr marL="3291840" algn="l" defTabSz="822960" rtl="0" eaLnBrk="1" latinLnBrk="0" hangingPunct="1">
-        <a:defRPr sz="1620" kern="1200">
+      <a:lvl9pPr marL="3657600" algn="l" defTabSz="914400" rtl="0" eaLnBrk="1" latinLnBrk="0" hangingPunct="1">
+        <a:defRPr sz="1800" kern="1200">
           <a:solidFill>
             <a:schemeClr val="tx1"/>
           </a:solidFill>
@@ -2986,7 +2986,7 @@
         </p:nvSpPr>
         <p:spPr>
           <a:xfrm>
-            <a:off x="657539" y="925529"/>
+            <a:off x="1114739" y="925529"/>
             <a:ext cx="5486400" cy="5486400"/>
           </a:xfrm>
           <a:prstGeom prst="rect">
@@ -3043,7 +3043,7 @@
         </p:nvCxnSpPr>
         <p:spPr>
           <a:xfrm flipH="1" flipV="1">
-            <a:off x="3398947" y="914367"/>
+            <a:off x="3856147" y="914367"/>
             <a:ext cx="1792" cy="5497562"/>
           </a:xfrm>
           <a:prstGeom prst="line">
@@ -3087,7 +3087,7 @@
         </p:nvCxnSpPr>
         <p:spPr>
           <a:xfrm flipV="1">
-            <a:off x="878203" y="5621957"/>
+            <a:off x="1335403" y="5621958"/>
             <a:ext cx="0" cy="572553"/>
           </a:xfrm>
           <a:prstGeom prst="straightConnector1">
@@ -3129,7 +3129,7 @@
         </p:nvCxnSpPr>
         <p:spPr>
           <a:xfrm flipV="1">
-            <a:off x="871193" y="6194544"/>
+            <a:off x="1328394" y="6194545"/>
             <a:ext cx="542219" cy="1"/>
           </a:xfrm>
           <a:prstGeom prst="straightConnector1">
@@ -3169,7 +3169,7 @@
         </p:nvSpPr>
         <p:spPr>
           <a:xfrm>
-            <a:off x="1332021" y="5863661"/>
+            <a:off x="1789221" y="5863661"/>
             <a:ext cx="320922" cy="369460"/>
           </a:xfrm>
           <a:prstGeom prst="rect">
@@ -3207,7 +3207,7 @@
         </p:nvSpPr>
         <p:spPr>
           <a:xfrm>
-            <a:off x="906465" y="5402478"/>
+            <a:off x="1363665" y="5402478"/>
             <a:ext cx="320922" cy="369460"/>
           </a:xfrm>
           <a:prstGeom prst="rect">
@@ -3245,7 +3245,7 @@
         </p:nvSpPr>
         <p:spPr>
           <a:xfrm>
-            <a:off x="3087019" y="3216919"/>
+            <a:off x="3544220" y="3216919"/>
             <a:ext cx="623889" cy="369460"/>
           </a:xfrm>
           <a:prstGeom prst="rect">
@@ -3286,7 +3286,7 @@
         </p:nvSpPr>
         <p:spPr>
           <a:xfrm>
-            <a:off x="2139024" y="5786299"/>
+            <a:off x="2596225" y="5786299"/>
             <a:ext cx="1086323" cy="369460"/>
           </a:xfrm>
           <a:prstGeom prst="rect">
@@ -3326,7 +3326,7 @@
         </p:nvCxnSpPr>
         <p:spPr>
           <a:xfrm flipH="1">
-            <a:off x="2352818" y="6103694"/>
+            <a:off x="2810019" y="6103695"/>
             <a:ext cx="268147" cy="307211"/>
           </a:xfrm>
           <a:prstGeom prst="line">
@@ -3367,7 +3367,7 @@
         </p:nvSpPr>
         <p:spPr>
           <a:xfrm>
-            <a:off x="2139012" y="289785"/>
+            <a:off x="2596213" y="289785"/>
             <a:ext cx="1086323" cy="369460"/>
           </a:xfrm>
           <a:prstGeom prst="rect">
@@ -3407,7 +3407,7 @@
         </p:nvCxnSpPr>
         <p:spPr>
           <a:xfrm flipH="1">
-            <a:off x="2352818" y="607182"/>
+            <a:off x="2810019" y="607183"/>
             <a:ext cx="268147" cy="307211"/>
           </a:xfrm>
           <a:prstGeom prst="line">
@@ -3448,7 +3448,7 @@
         </p:nvSpPr>
         <p:spPr>
           <a:xfrm>
-            <a:off x="-29699" y="1330945"/>
+            <a:off x="427501" y="1330945"/>
             <a:ext cx="1371600" cy="1371600"/>
           </a:xfrm>
           <a:prstGeom prst="pie">
@@ -3507,7 +3507,7 @@
         </p:nvSpPr>
         <p:spPr>
           <a:xfrm rot="16200000">
-            <a:off x="519421" y="1827638"/>
+            <a:off x="976621" y="1827638"/>
             <a:ext cx="875560" cy="369460"/>
           </a:xfrm>
           <a:prstGeom prst="rect">
@@ -3552,7 +3552,7 @@
         </p:nvSpPr>
         <p:spPr>
           <a:xfrm>
-            <a:off x="714878" y="3590843"/>
+            <a:off x="1172079" y="3590843"/>
             <a:ext cx="1595117" cy="923714"/>
           </a:xfrm>
           <a:prstGeom prst="rect">
@@ -3614,7 +3614,7 @@
         </p:nvCxnSpPr>
         <p:spPr>
           <a:xfrm flipH="1">
-            <a:off x="664146" y="4517774"/>
+            <a:off x="1121347" y="4517775"/>
             <a:ext cx="268147" cy="307211"/>
           </a:xfrm>
           <a:prstGeom prst="line">
@@ -3657,7 +3657,7 @@
         </p:nvCxnSpPr>
         <p:spPr>
           <a:xfrm flipH="1">
-            <a:off x="6128931" y="4517774"/>
+            <a:off x="6586132" y="4517775"/>
             <a:ext cx="268147" cy="307211"/>
           </a:xfrm>
           <a:prstGeom prst="line">
@@ -3698,7 +3698,7 @@
         </p:nvSpPr>
         <p:spPr>
           <a:xfrm>
-            <a:off x="3421984" y="4142830"/>
+            <a:off x="3879185" y="4142830"/>
             <a:ext cx="1595117" cy="369460"/>
           </a:xfrm>
           <a:prstGeom prst="rect">
@@ -3738,7 +3738,7 @@
         </p:nvCxnSpPr>
         <p:spPr>
           <a:xfrm flipH="1">
-            <a:off x="3392310" y="4517774"/>
+            <a:off x="3849511" y="4517775"/>
             <a:ext cx="268147" cy="307211"/>
           </a:xfrm>
           <a:prstGeom prst="line">
@@ -3779,7 +3779,7 @@
         </p:nvSpPr>
         <p:spPr>
           <a:xfrm>
-            <a:off x="3783842" y="1504408"/>
+            <a:off x="4241043" y="1504409"/>
             <a:ext cx="1996829" cy="1477969"/>
           </a:xfrm>
           <a:prstGeom prst="rect">
@@ -3870,7 +3870,7 @@
         </p:nvSpPr>
         <p:spPr>
           <a:xfrm>
-            <a:off x="6183581" y="3573496"/>
+            <a:off x="6640782" y="3573496"/>
             <a:ext cx="1595117" cy="923714"/>
           </a:xfrm>
           <a:prstGeom prst="rect">
@@ -3960,7 +3960,7 @@
         </p:nvSpPr>
         <p:spPr>
           <a:xfrm>
-            <a:off x="1071295" y="737496"/>
+            <a:off x="1837255" y="737496"/>
             <a:ext cx="5486400" cy="5486400"/>
           </a:xfrm>
           <a:prstGeom prst="rect">
@@ -4017,7 +4017,7 @@
         </p:nvCxnSpPr>
         <p:spPr>
           <a:xfrm flipH="1" flipV="1">
-            <a:off x="3812703" y="726334"/>
+            <a:off x="4578663" y="726334"/>
             <a:ext cx="1792" cy="5497562"/>
           </a:xfrm>
           <a:prstGeom prst="line">
@@ -4061,7 +4061,7 @@
         </p:nvCxnSpPr>
         <p:spPr>
           <a:xfrm flipV="1">
-            <a:off x="1291959" y="5433925"/>
+            <a:off x="2057919" y="5433926"/>
             <a:ext cx="0" cy="572553"/>
           </a:xfrm>
           <a:prstGeom prst="straightConnector1">
@@ -4103,7 +4103,7 @@
         </p:nvCxnSpPr>
         <p:spPr>
           <a:xfrm flipV="1">
-            <a:off x="1284950" y="6006508"/>
+            <a:off x="2050911" y="6006509"/>
             <a:ext cx="542219" cy="1"/>
           </a:xfrm>
           <a:prstGeom prst="straightConnector1">
@@ -4143,7 +4143,7 @@
         </p:nvSpPr>
         <p:spPr>
           <a:xfrm>
-            <a:off x="1745777" y="5675628"/>
+            <a:off x="2511737" y="5675628"/>
             <a:ext cx="320922" cy="369460"/>
           </a:xfrm>
           <a:prstGeom prst="rect">
@@ -4181,7 +4181,7 @@
         </p:nvSpPr>
         <p:spPr>
           <a:xfrm>
-            <a:off x="1320221" y="5214446"/>
+            <a:off x="2086181" y="5214446"/>
             <a:ext cx="320922" cy="369460"/>
           </a:xfrm>
           <a:prstGeom prst="rect">
@@ -4219,7 +4219,7 @@
         </p:nvSpPr>
         <p:spPr>
           <a:xfrm>
-            <a:off x="3500774" y="3028884"/>
+            <a:off x="4266735" y="3028884"/>
             <a:ext cx="623889" cy="369460"/>
           </a:xfrm>
           <a:prstGeom prst="rect">
@@ -4260,7 +4260,7 @@
         </p:nvSpPr>
         <p:spPr>
           <a:xfrm>
-            <a:off x="2552769" y="5598266"/>
+            <a:off x="3318730" y="5598266"/>
             <a:ext cx="1086323" cy="369460"/>
           </a:xfrm>
           <a:prstGeom prst="rect">
@@ -4300,7 +4300,7 @@
         </p:nvCxnSpPr>
         <p:spPr>
           <a:xfrm flipH="1">
-            <a:off x="2766562" y="5915668"/>
+            <a:off x="3532523" y="5915669"/>
             <a:ext cx="268147" cy="307211"/>
           </a:xfrm>
           <a:prstGeom prst="line">
@@ -4341,7 +4341,7 @@
         </p:nvSpPr>
         <p:spPr>
           <a:xfrm>
-            <a:off x="2552769" y="101748"/>
+            <a:off x="3318730" y="101748"/>
             <a:ext cx="1086323" cy="369460"/>
           </a:xfrm>
           <a:prstGeom prst="rect">
@@ -4381,7 +4381,7 @@
         </p:nvCxnSpPr>
         <p:spPr>
           <a:xfrm flipH="1">
-            <a:off x="2766562" y="419145"/>
+            <a:off x="3532523" y="419146"/>
             <a:ext cx="268147" cy="307211"/>
           </a:xfrm>
           <a:prstGeom prst="line">
@@ -4422,7 +4422,7 @@
         </p:nvSpPr>
         <p:spPr>
           <a:xfrm>
-            <a:off x="384057" y="1142906"/>
+            <a:off x="1150017" y="1142906"/>
             <a:ext cx="1371600" cy="1371600"/>
           </a:xfrm>
           <a:prstGeom prst="pie">
@@ -4481,7 +4481,7 @@
         </p:nvSpPr>
         <p:spPr>
           <a:xfrm rot="16200000">
-            <a:off x="933173" y="1639605"/>
+            <a:off x="1699133" y="1639605"/>
             <a:ext cx="875560" cy="369460"/>
           </a:xfrm>
           <a:prstGeom prst="rect">
@@ -4526,7 +4526,7 @@
         </p:nvSpPr>
         <p:spPr>
           <a:xfrm>
-            <a:off x="1128624" y="3402814"/>
+            <a:off x="1894585" y="3402814"/>
             <a:ext cx="1595117" cy="923714"/>
           </a:xfrm>
           <a:prstGeom prst="rect">
@@ -4588,7 +4588,7 @@
         </p:nvCxnSpPr>
         <p:spPr>
           <a:xfrm flipH="1">
-            <a:off x="1077896" y="4329736"/>
+            <a:off x="1843857" y="4329737"/>
             <a:ext cx="268147" cy="307211"/>
           </a:xfrm>
           <a:prstGeom prst="line">
@@ -4631,7 +4631,7 @@
         </p:nvCxnSpPr>
         <p:spPr>
           <a:xfrm flipH="1">
-            <a:off x="6542690" y="4329736"/>
+            <a:off x="7308651" y="4329737"/>
             <a:ext cx="268147" cy="307211"/>
           </a:xfrm>
           <a:prstGeom prst="line">
@@ -4672,7 +4672,7 @@
         </p:nvSpPr>
         <p:spPr>
           <a:xfrm>
-            <a:off x="3835743" y="3954801"/>
+            <a:off x="4601704" y="3954801"/>
             <a:ext cx="1595117" cy="369460"/>
           </a:xfrm>
           <a:prstGeom prst="rect">
@@ -4712,7 +4712,7 @@
         </p:nvCxnSpPr>
         <p:spPr>
           <a:xfrm flipH="1">
-            <a:off x="3806066" y="4329736"/>
+            <a:off x="4572027" y="4329737"/>
             <a:ext cx="268147" cy="307211"/>
           </a:xfrm>
           <a:prstGeom prst="line">
@@ -4753,7 +4753,7 @@
         </p:nvSpPr>
         <p:spPr>
           <a:xfrm>
-            <a:off x="4197597" y="1316379"/>
+            <a:off x="4963558" y="1316380"/>
             <a:ext cx="1996829" cy="1477969"/>
           </a:xfrm>
           <a:prstGeom prst="rect">
@@ -4844,7 +4844,7 @@
         </p:nvSpPr>
         <p:spPr>
           <a:xfrm>
-            <a:off x="6597328" y="3385458"/>
+            <a:off x="7363289" y="3385458"/>
             <a:ext cx="1595117" cy="923714"/>
           </a:xfrm>
           <a:prstGeom prst="rect">
@@ -4906,7 +4906,7 @@
         </p:nvCxnSpPr>
         <p:spPr>
           <a:xfrm>
-            <a:off x="350757" y="737498"/>
+            <a:off x="709002" y="737498"/>
             <a:ext cx="0" cy="5485354"/>
           </a:xfrm>
           <a:prstGeom prst="straightConnector1">
@@ -4948,8 +4948,8 @@
         </p:nvCxnSpPr>
         <p:spPr>
           <a:xfrm flipH="1">
-            <a:off x="134167" y="737496"/>
-            <a:ext cx="836704" cy="0"/>
+            <a:off x="554184" y="737496"/>
+            <a:ext cx="1182647" cy="0"/>
           </a:xfrm>
           <a:prstGeom prst="line">
             <a:avLst/>
@@ -4991,8 +4991,8 @@
         </p:nvCxnSpPr>
         <p:spPr>
           <a:xfrm flipH="1">
-            <a:off x="130992" y="6222850"/>
-            <a:ext cx="836703" cy="0"/>
+            <a:off x="581893" y="6222850"/>
+            <a:ext cx="1151764" cy="0"/>
           </a:xfrm>
           <a:prstGeom prst="line">
             <a:avLst/>
@@ -5032,8 +5032,8 @@
         </p:nvSpPr>
         <p:spPr>
           <a:xfrm>
-            <a:off x="184606" y="3290449"/>
-            <a:ext cx="348172" cy="369460"/>
+            <a:off x="352895" y="3290449"/>
+            <a:ext cx="728084" cy="369460"/>
           </a:xfrm>
           <a:prstGeom prst="rect">
             <a:avLst/>
@@ -5058,9 +5058,10 @@
             </a:lvl1pPr>
           </a:lstStyle>
           <a:p>
+            <a:pPr algn="ctr"/>
             <a:r>
               <a:rPr lang="en-US" sz="1801" dirty="0"/>
-              <a:t>2</a:t>
+              <a:t>2cm</a:t>
             </a:r>
           </a:p>
         </p:txBody>
@@ -5081,7 +5082,7 @@
         </p:nvCxnSpPr>
         <p:spPr>
           <a:xfrm flipV="1">
-            <a:off x="729134" y="737496"/>
+            <a:off x="1293220" y="737496"/>
             <a:ext cx="0" cy="1077950"/>
           </a:xfrm>
           <a:prstGeom prst="straightConnector1">
@@ -5123,8 +5124,8 @@
         </p:nvCxnSpPr>
         <p:spPr>
           <a:xfrm flipH="1">
-            <a:off x="535271" y="1801935"/>
-            <a:ext cx="432425" cy="0"/>
+            <a:off x="1099359" y="1801935"/>
+            <a:ext cx="634298" cy="0"/>
           </a:xfrm>
           <a:prstGeom prst="line">
             <a:avLst/>
@@ -5164,8 +5165,8 @@
         </p:nvSpPr>
         <p:spPr>
           <a:xfrm>
-            <a:off x="429821" y="1129396"/>
-            <a:ext cx="595035" cy="369460"/>
+            <a:off x="803953" y="1129396"/>
+            <a:ext cx="974947" cy="369460"/>
           </a:xfrm>
           <a:prstGeom prst="rect">
             <a:avLst/>
@@ -5190,9 +5191,10 @@
             </a:lvl1pPr>
           </a:lstStyle>
           <a:p>
-            <a:r>
-              <a:rPr lang="en-US" sz="1801" dirty="0"/>
-              <a:t>0.4</a:t>
+            <a:pPr algn="ctr"/>
+            <a:r>
+              <a:rPr lang="en-US" sz="1800" dirty="0"/>
+              <a:t>0.4cm</a:t>
             </a:r>
           </a:p>
         </p:txBody>
@@ -5213,7 +5215,7 @@
         </p:nvCxnSpPr>
         <p:spPr>
           <a:xfrm flipV="1">
-            <a:off x="2195193" y="1129678"/>
+            <a:off x="3127405" y="1129679"/>
             <a:ext cx="0" cy="1384859"/>
           </a:xfrm>
           <a:prstGeom prst="straightConnector1">
@@ -5255,8 +5257,8 @@
         </p:nvCxnSpPr>
         <p:spPr>
           <a:xfrm flipH="1">
-            <a:off x="1056111" y="2514506"/>
-            <a:ext cx="1316793" cy="0"/>
+            <a:off x="1822073" y="2514506"/>
+            <a:ext cx="1443641" cy="0"/>
           </a:xfrm>
           <a:prstGeom prst="line">
             <a:avLst/>
@@ -5296,8 +5298,8 @@
         </p:nvSpPr>
         <p:spPr>
           <a:xfrm>
-            <a:off x="1891645" y="1600484"/>
-            <a:ext cx="595035" cy="369460"/>
+            <a:off x="2633903" y="1600484"/>
+            <a:ext cx="974947" cy="369460"/>
           </a:xfrm>
           <a:prstGeom prst="rect">
             <a:avLst/>
@@ -5322,9 +5324,10 @@
             </a:lvl1pPr>
           </a:lstStyle>
           <a:p>
+            <a:pPr algn="ctr"/>
             <a:r>
               <a:rPr lang="en-US" sz="1801" dirty="0"/>
-              <a:t>0.5</a:t>
+              <a:t>0.5cm</a:t>
             </a:r>
           </a:p>
         </p:txBody>
@@ -5345,8 +5348,8 @@
         </p:nvCxnSpPr>
         <p:spPr>
           <a:xfrm flipH="1">
-            <a:off x="1077880" y="1129647"/>
-            <a:ext cx="1295010" cy="0"/>
+            <a:off x="1843840" y="1129647"/>
+            <a:ext cx="1421874" cy="0"/>
           </a:xfrm>
           <a:prstGeom prst="line">
             <a:avLst/>
@@ -5388,7 +5391,7 @@
         </p:nvCxnSpPr>
         <p:spPr>
           <a:xfrm flipH="1">
-            <a:off x="1071309" y="6338026"/>
+            <a:off x="1837270" y="6338026"/>
             <a:ext cx="1" cy="340858"/>
           </a:xfrm>
           <a:prstGeom prst="line">
@@ -5431,7 +5434,7 @@
         </p:nvCxnSpPr>
         <p:spPr>
           <a:xfrm flipH="1">
-            <a:off x="3806074" y="6333991"/>
+            <a:off x="4572035" y="6333991"/>
             <a:ext cx="1" cy="344892"/>
           </a:xfrm>
           <a:prstGeom prst="line">
@@ -5474,7 +5477,7 @@
         </p:nvCxnSpPr>
         <p:spPr>
           <a:xfrm flipH="1">
-            <a:off x="1071308" y="6540257"/>
+            <a:off x="1837269" y="6540257"/>
             <a:ext cx="2741409" cy="0"/>
           </a:xfrm>
           <a:prstGeom prst="straightConnector1">
@@ -5514,8 +5517,8 @@
         </p:nvSpPr>
         <p:spPr>
           <a:xfrm>
-            <a:off x="2270108" y="6345956"/>
-            <a:ext cx="348172" cy="369460"/>
+            <a:off x="2846112" y="6345956"/>
+            <a:ext cx="728084" cy="369460"/>
           </a:xfrm>
           <a:prstGeom prst="rect">
             <a:avLst/>
@@ -5540,9 +5543,10 @@
             </a:lvl1pPr>
           </a:lstStyle>
           <a:p>
+            <a:pPr algn="ctr"/>
             <a:r>
               <a:rPr lang="en-US" sz="1801" dirty="0"/>
-              <a:t>1</a:t>
+              <a:t>1cm</a:t>
             </a:r>
           </a:p>
         </p:txBody>

--- a/JCP/figs/domain_schematics/domain.pptx
+++ b/JCP/figs/domain_schematics/domain.pptx
@@ -2,13 +2,13 @@
 <file path=ppt/presentation.xml><?xml version="1.0" encoding="utf-8"?>
 <p:presentation xmlns:a="http://schemas.openxmlformats.org/drawingml/2006/main" xmlns:r="http://schemas.openxmlformats.org/officeDocument/2006/relationships" xmlns:p="http://schemas.openxmlformats.org/presentationml/2006/main" saveSubsetFonts="1">
   <p:sldMasterIdLst>
-    <p:sldMasterId id="2147483792" r:id="rId1"/>
+    <p:sldMasterId id="2147483804" r:id="rId1"/>
   </p:sldMasterIdLst>
   <p:sldIdLst>
     <p:sldId id="257" r:id="rId2"/>
     <p:sldId id="258" r:id="rId3"/>
   </p:sldIdLst>
-  <p:sldSz cx="9144000" cy="6858000" type="screen4x3"/>
+  <p:sldSz cx="9144000" cy="7315200"/>
   <p:notesSz cx="6858000" cy="9144000"/>
   <p:defaultTextStyle>
     <a:defPPr>
@@ -142,8 +142,8 @@
         </p:nvSpPr>
         <p:spPr>
           <a:xfrm>
-            <a:off x="685800" y="1122363"/>
-            <a:ext cx="7772400" cy="2387600"/>
+            <a:off x="685800" y="1197187"/>
+            <a:ext cx="7772400" cy="2546773"/>
           </a:xfrm>
         </p:spPr>
         <p:txBody>
@@ -174,8 +174,8 @@
         </p:nvSpPr>
         <p:spPr>
           <a:xfrm>
-            <a:off x="1143000" y="3602038"/>
-            <a:ext cx="6858000" cy="1655762"/>
+            <a:off x="1143000" y="3842174"/>
+            <a:ext cx="6858000" cy="1766146"/>
           </a:xfrm>
         </p:spPr>
         <p:txBody>
@@ -244,7 +244,7 @@
           <a:p>
             <a:fld id="{EA69AB3C-1A45-4681-BC17-85E44D931731}" type="datetimeFigureOut">
               <a:rPr lang="en-US" smtClean="0"/>
-              <a:t>10/20/2021</a:t>
+              <a:t>11/16/2021</a:t>
             </a:fld>
             <a:endParaRPr lang="en-US"/>
           </a:p>
@@ -295,7 +295,7 @@
     </p:spTree>
     <p:extLst>
       <p:ext uri="{BB962C8B-B14F-4D97-AF65-F5344CB8AC3E}">
-        <p14:creationId xmlns:p14="http://schemas.microsoft.com/office/powerpoint/2010/main" val="2648011194"/>
+        <p14:creationId xmlns:p14="http://schemas.microsoft.com/office/powerpoint/2010/main" val="3282656542"/>
       </p:ext>
     </p:extLst>
   </p:cSld>
@@ -414,7 +414,7 @@
           <a:p>
             <a:fld id="{EA69AB3C-1A45-4681-BC17-85E44D931731}" type="datetimeFigureOut">
               <a:rPr lang="en-US" smtClean="0"/>
-              <a:t>10/20/2021</a:t>
+              <a:t>11/16/2021</a:t>
             </a:fld>
             <a:endParaRPr lang="en-US"/>
           </a:p>
@@ -465,7 +465,7 @@
     </p:spTree>
     <p:extLst>
       <p:ext uri="{BB962C8B-B14F-4D97-AF65-F5344CB8AC3E}">
-        <p14:creationId xmlns:p14="http://schemas.microsoft.com/office/powerpoint/2010/main" val="1420729088"/>
+        <p14:creationId xmlns:p14="http://schemas.microsoft.com/office/powerpoint/2010/main" val="216938501"/>
       </p:ext>
     </p:extLst>
   </p:cSld>
@@ -504,8 +504,8 @@
         </p:nvSpPr>
         <p:spPr>
           <a:xfrm>
-            <a:off x="6543675" y="365125"/>
-            <a:ext cx="1971675" cy="5811838"/>
+            <a:off x="6543676" y="389467"/>
+            <a:ext cx="1971675" cy="6199294"/>
           </a:xfrm>
         </p:spPr>
         <p:txBody>
@@ -532,8 +532,8 @@
         </p:nvSpPr>
         <p:spPr>
           <a:xfrm>
-            <a:off x="628650" y="365125"/>
-            <a:ext cx="5800725" cy="5811838"/>
+            <a:off x="628651" y="389467"/>
+            <a:ext cx="5800725" cy="6199294"/>
           </a:xfrm>
         </p:spPr>
         <p:txBody>
@@ -594,7 +594,7 @@
           <a:p>
             <a:fld id="{EA69AB3C-1A45-4681-BC17-85E44D931731}" type="datetimeFigureOut">
               <a:rPr lang="en-US" smtClean="0"/>
-              <a:t>10/20/2021</a:t>
+              <a:t>11/16/2021</a:t>
             </a:fld>
             <a:endParaRPr lang="en-US"/>
           </a:p>
@@ -645,7 +645,7 @@
     </p:spTree>
     <p:extLst>
       <p:ext uri="{BB962C8B-B14F-4D97-AF65-F5344CB8AC3E}">
-        <p14:creationId xmlns:p14="http://schemas.microsoft.com/office/powerpoint/2010/main" val="2655293187"/>
+        <p14:creationId xmlns:p14="http://schemas.microsoft.com/office/powerpoint/2010/main" val="1028987327"/>
       </p:ext>
     </p:extLst>
   </p:cSld>
@@ -764,7 +764,7 @@
           <a:p>
             <a:fld id="{EA69AB3C-1A45-4681-BC17-85E44D931731}" type="datetimeFigureOut">
               <a:rPr lang="en-US" smtClean="0"/>
-              <a:t>10/20/2021</a:t>
+              <a:t>11/16/2021</a:t>
             </a:fld>
             <a:endParaRPr lang="en-US"/>
           </a:p>
@@ -815,7 +815,7 @@
     </p:spTree>
     <p:extLst>
       <p:ext uri="{BB962C8B-B14F-4D97-AF65-F5344CB8AC3E}">
-        <p14:creationId xmlns:p14="http://schemas.microsoft.com/office/powerpoint/2010/main" val="1415545388"/>
+        <p14:creationId xmlns:p14="http://schemas.microsoft.com/office/powerpoint/2010/main" val="2467146659"/>
       </p:ext>
     </p:extLst>
   </p:cSld>
@@ -854,8 +854,8 @@
         </p:nvSpPr>
         <p:spPr>
           <a:xfrm>
-            <a:off x="623888" y="1709739"/>
-            <a:ext cx="7886700" cy="2852737"/>
+            <a:off x="623888" y="1823722"/>
+            <a:ext cx="7886700" cy="3042919"/>
           </a:xfrm>
         </p:spPr>
         <p:txBody>
@@ -886,8 +886,8 @@
         </p:nvSpPr>
         <p:spPr>
           <a:xfrm>
-            <a:off x="623888" y="4589464"/>
-            <a:ext cx="7886700" cy="1500187"/>
+            <a:off x="623888" y="4895429"/>
+            <a:ext cx="7886700" cy="1600199"/>
           </a:xfrm>
         </p:spPr>
         <p:txBody>
@@ -1008,7 +1008,7 @@
           <a:p>
             <a:fld id="{EA69AB3C-1A45-4681-BC17-85E44D931731}" type="datetimeFigureOut">
               <a:rPr lang="en-US" smtClean="0"/>
-              <a:t>10/20/2021</a:t>
+              <a:t>11/16/2021</a:t>
             </a:fld>
             <a:endParaRPr lang="en-US"/>
           </a:p>
@@ -1059,7 +1059,7 @@
     </p:spTree>
     <p:extLst>
       <p:ext uri="{BB962C8B-B14F-4D97-AF65-F5344CB8AC3E}">
-        <p14:creationId xmlns:p14="http://schemas.microsoft.com/office/powerpoint/2010/main" val="2013024675"/>
+        <p14:creationId xmlns:p14="http://schemas.microsoft.com/office/powerpoint/2010/main" val="2247166759"/>
       </p:ext>
     </p:extLst>
   </p:cSld>
@@ -1121,8 +1121,8 @@
         </p:nvSpPr>
         <p:spPr>
           <a:xfrm>
-            <a:off x="628650" y="1825625"/>
-            <a:ext cx="3886200" cy="4351338"/>
+            <a:off x="628650" y="1947333"/>
+            <a:ext cx="3886200" cy="4641427"/>
           </a:xfrm>
         </p:spPr>
         <p:txBody>
@@ -1178,8 +1178,8 @@
         </p:nvSpPr>
         <p:spPr>
           <a:xfrm>
-            <a:off x="4629150" y="1825625"/>
-            <a:ext cx="3886200" cy="4351338"/>
+            <a:off x="4629150" y="1947333"/>
+            <a:ext cx="3886200" cy="4641427"/>
           </a:xfrm>
         </p:spPr>
         <p:txBody>
@@ -1240,7 +1240,7 @@
           <a:p>
             <a:fld id="{EA69AB3C-1A45-4681-BC17-85E44D931731}" type="datetimeFigureOut">
               <a:rPr lang="en-US" smtClean="0"/>
-              <a:t>10/20/2021</a:t>
+              <a:t>11/16/2021</a:t>
             </a:fld>
             <a:endParaRPr lang="en-US"/>
           </a:p>
@@ -1291,7 +1291,7 @@
     </p:spTree>
     <p:extLst>
       <p:ext uri="{BB962C8B-B14F-4D97-AF65-F5344CB8AC3E}">
-        <p14:creationId xmlns:p14="http://schemas.microsoft.com/office/powerpoint/2010/main" val="810127426"/>
+        <p14:creationId xmlns:p14="http://schemas.microsoft.com/office/powerpoint/2010/main" val="3301635050"/>
       </p:ext>
     </p:extLst>
   </p:cSld>
@@ -1330,8 +1330,8 @@
         </p:nvSpPr>
         <p:spPr>
           <a:xfrm>
-            <a:off x="629841" y="365126"/>
-            <a:ext cx="7886700" cy="1325563"/>
+            <a:off x="629841" y="389468"/>
+            <a:ext cx="7886700" cy="1413934"/>
           </a:xfrm>
         </p:spPr>
         <p:txBody>
@@ -1358,8 +1358,8 @@
         </p:nvSpPr>
         <p:spPr>
           <a:xfrm>
-            <a:off x="629842" y="1681163"/>
-            <a:ext cx="3868340" cy="823912"/>
+            <a:off x="629842" y="1793241"/>
+            <a:ext cx="3868340" cy="878839"/>
           </a:xfrm>
         </p:spPr>
         <p:txBody>
@@ -1423,8 +1423,8 @@
         </p:nvSpPr>
         <p:spPr>
           <a:xfrm>
-            <a:off x="629842" y="2505075"/>
-            <a:ext cx="3868340" cy="3684588"/>
+            <a:off x="629842" y="2672080"/>
+            <a:ext cx="3868340" cy="3930227"/>
           </a:xfrm>
         </p:spPr>
         <p:txBody>
@@ -1480,8 +1480,8 @@
         </p:nvSpPr>
         <p:spPr>
           <a:xfrm>
-            <a:off x="4629150" y="1681163"/>
-            <a:ext cx="3887391" cy="823912"/>
+            <a:off x="4629151" y="1793241"/>
+            <a:ext cx="3887391" cy="878839"/>
           </a:xfrm>
         </p:spPr>
         <p:txBody>
@@ -1545,8 +1545,8 @@
         </p:nvSpPr>
         <p:spPr>
           <a:xfrm>
-            <a:off x="4629150" y="2505075"/>
-            <a:ext cx="3887391" cy="3684588"/>
+            <a:off x="4629151" y="2672080"/>
+            <a:ext cx="3887391" cy="3930227"/>
           </a:xfrm>
         </p:spPr>
         <p:txBody>
@@ -1607,7 +1607,7 @@
           <a:p>
             <a:fld id="{EA69AB3C-1A45-4681-BC17-85E44D931731}" type="datetimeFigureOut">
               <a:rPr lang="en-US" smtClean="0"/>
-              <a:t>10/20/2021</a:t>
+              <a:t>11/16/2021</a:t>
             </a:fld>
             <a:endParaRPr lang="en-US"/>
           </a:p>
@@ -1658,7 +1658,7 @@
     </p:spTree>
     <p:extLst>
       <p:ext uri="{BB962C8B-B14F-4D97-AF65-F5344CB8AC3E}">
-        <p14:creationId xmlns:p14="http://schemas.microsoft.com/office/powerpoint/2010/main" val="2748589660"/>
+        <p14:creationId xmlns:p14="http://schemas.microsoft.com/office/powerpoint/2010/main" val="836420639"/>
       </p:ext>
     </p:extLst>
   </p:cSld>
@@ -1725,7 +1725,7 @@
           <a:p>
             <a:fld id="{EA69AB3C-1A45-4681-BC17-85E44D931731}" type="datetimeFigureOut">
               <a:rPr lang="en-US" smtClean="0"/>
-              <a:t>10/20/2021</a:t>
+              <a:t>11/16/2021</a:t>
             </a:fld>
             <a:endParaRPr lang="en-US"/>
           </a:p>
@@ -1776,7 +1776,7 @@
     </p:spTree>
     <p:extLst>
       <p:ext uri="{BB962C8B-B14F-4D97-AF65-F5344CB8AC3E}">
-        <p14:creationId xmlns:p14="http://schemas.microsoft.com/office/powerpoint/2010/main" val="4058998705"/>
+        <p14:creationId xmlns:p14="http://schemas.microsoft.com/office/powerpoint/2010/main" val="3935615694"/>
       </p:ext>
     </p:extLst>
   </p:cSld>
@@ -1820,7 +1820,7 @@
           <a:p>
             <a:fld id="{EA69AB3C-1A45-4681-BC17-85E44D931731}" type="datetimeFigureOut">
               <a:rPr lang="en-US" smtClean="0"/>
-              <a:t>10/20/2021</a:t>
+              <a:t>11/16/2021</a:t>
             </a:fld>
             <a:endParaRPr lang="en-US"/>
           </a:p>
@@ -1871,7 +1871,7 @@
     </p:spTree>
     <p:extLst>
       <p:ext uri="{BB962C8B-B14F-4D97-AF65-F5344CB8AC3E}">
-        <p14:creationId xmlns:p14="http://schemas.microsoft.com/office/powerpoint/2010/main" val="2694223589"/>
+        <p14:creationId xmlns:p14="http://schemas.microsoft.com/office/powerpoint/2010/main" val="391480637"/>
       </p:ext>
     </p:extLst>
   </p:cSld>
@@ -1910,8 +1910,8 @@
         </p:nvSpPr>
         <p:spPr>
           <a:xfrm>
-            <a:off x="629841" y="457200"/>
-            <a:ext cx="2949178" cy="1600200"/>
+            <a:off x="629841" y="487680"/>
+            <a:ext cx="2949178" cy="1706880"/>
           </a:xfrm>
         </p:spPr>
         <p:txBody>
@@ -1942,8 +1942,8 @@
         </p:nvSpPr>
         <p:spPr>
           <a:xfrm>
-            <a:off x="3887391" y="987426"/>
-            <a:ext cx="4629150" cy="4873625"/>
+            <a:off x="3887391" y="1053255"/>
+            <a:ext cx="4629150" cy="5198533"/>
           </a:xfrm>
         </p:spPr>
         <p:txBody>
@@ -2027,8 +2027,8 @@
         </p:nvSpPr>
         <p:spPr>
           <a:xfrm>
-            <a:off x="629841" y="2057400"/>
-            <a:ext cx="2949178" cy="3811588"/>
+            <a:off x="629841" y="2194560"/>
+            <a:ext cx="2949178" cy="4065694"/>
           </a:xfrm>
         </p:spPr>
         <p:txBody>
@@ -2097,7 +2097,7 @@
           <a:p>
             <a:fld id="{EA69AB3C-1A45-4681-BC17-85E44D931731}" type="datetimeFigureOut">
               <a:rPr lang="en-US" smtClean="0"/>
-              <a:t>10/20/2021</a:t>
+              <a:t>11/16/2021</a:t>
             </a:fld>
             <a:endParaRPr lang="en-US"/>
           </a:p>
@@ -2148,7 +2148,7 @@
     </p:spTree>
     <p:extLst>
       <p:ext uri="{BB962C8B-B14F-4D97-AF65-F5344CB8AC3E}">
-        <p14:creationId xmlns:p14="http://schemas.microsoft.com/office/powerpoint/2010/main" val="314481771"/>
+        <p14:creationId xmlns:p14="http://schemas.microsoft.com/office/powerpoint/2010/main" val="2864267742"/>
       </p:ext>
     </p:extLst>
   </p:cSld>
@@ -2187,8 +2187,8 @@
         </p:nvSpPr>
         <p:spPr>
           <a:xfrm>
-            <a:off x="629841" y="457200"/>
-            <a:ext cx="2949178" cy="1600200"/>
+            <a:off x="629841" y="487680"/>
+            <a:ext cx="2949178" cy="1706880"/>
           </a:xfrm>
         </p:spPr>
         <p:txBody>
@@ -2219,8 +2219,8 @@
         </p:nvSpPr>
         <p:spPr>
           <a:xfrm>
-            <a:off x="3887391" y="987426"/>
-            <a:ext cx="4629150" cy="4873625"/>
+            <a:off x="3887391" y="1053255"/>
+            <a:ext cx="4629150" cy="5198533"/>
           </a:xfrm>
         </p:spPr>
         <p:txBody>
@@ -2284,8 +2284,8 @@
         </p:nvSpPr>
         <p:spPr>
           <a:xfrm>
-            <a:off x="629841" y="2057400"/>
-            <a:ext cx="2949178" cy="3811588"/>
+            <a:off x="629841" y="2194560"/>
+            <a:ext cx="2949178" cy="4065694"/>
           </a:xfrm>
         </p:spPr>
         <p:txBody>
@@ -2354,7 +2354,7 @@
           <a:p>
             <a:fld id="{EA69AB3C-1A45-4681-BC17-85E44D931731}" type="datetimeFigureOut">
               <a:rPr lang="en-US" smtClean="0"/>
-              <a:t>10/20/2021</a:t>
+              <a:t>11/16/2021</a:t>
             </a:fld>
             <a:endParaRPr lang="en-US"/>
           </a:p>
@@ -2405,7 +2405,7 @@
     </p:spTree>
     <p:extLst>
       <p:ext uri="{BB962C8B-B14F-4D97-AF65-F5344CB8AC3E}">
-        <p14:creationId xmlns:p14="http://schemas.microsoft.com/office/powerpoint/2010/main" val="2223374477"/>
+        <p14:creationId xmlns:p14="http://schemas.microsoft.com/office/powerpoint/2010/main" val="2187402701"/>
       </p:ext>
     </p:extLst>
   </p:cSld>
@@ -2449,8 +2449,8 @@
         </p:nvSpPr>
         <p:spPr>
           <a:xfrm>
-            <a:off x="628650" y="365126"/>
-            <a:ext cx="7886700" cy="1325563"/>
+            <a:off x="628650" y="389468"/>
+            <a:ext cx="7886700" cy="1413934"/>
           </a:xfrm>
           <a:prstGeom prst="rect">
             <a:avLst/>
@@ -2482,8 +2482,8 @@
         </p:nvSpPr>
         <p:spPr>
           <a:xfrm>
-            <a:off x="628650" y="1825625"/>
-            <a:ext cx="7886700" cy="4351338"/>
+            <a:off x="628650" y="1947333"/>
+            <a:ext cx="7886700" cy="4641427"/>
           </a:xfrm>
           <a:prstGeom prst="rect">
             <a:avLst/>
@@ -2544,8 +2544,8 @@
         </p:nvSpPr>
         <p:spPr>
           <a:xfrm>
-            <a:off x="628650" y="6356351"/>
-            <a:ext cx="2057400" cy="365125"/>
+            <a:off x="628650" y="6780108"/>
+            <a:ext cx="2057400" cy="389467"/>
           </a:xfrm>
           <a:prstGeom prst="rect">
             <a:avLst/>
@@ -2567,7 +2567,7 @@
           <a:p>
             <a:fld id="{EA69AB3C-1A45-4681-BC17-85E44D931731}" type="datetimeFigureOut">
               <a:rPr lang="en-US" smtClean="0"/>
-              <a:t>10/20/2021</a:t>
+              <a:t>11/16/2021</a:t>
             </a:fld>
             <a:endParaRPr lang="en-US"/>
           </a:p>
@@ -2585,8 +2585,8 @@
         </p:nvSpPr>
         <p:spPr>
           <a:xfrm>
-            <a:off x="3028950" y="6356351"/>
-            <a:ext cx="3086100" cy="365125"/>
+            <a:off x="3028950" y="6780108"/>
+            <a:ext cx="3086100" cy="389467"/>
           </a:xfrm>
           <a:prstGeom prst="rect">
             <a:avLst/>
@@ -2622,8 +2622,8 @@
         </p:nvSpPr>
         <p:spPr>
           <a:xfrm>
-            <a:off x="6457950" y="6356351"/>
-            <a:ext cx="2057400" cy="365125"/>
+            <a:off x="6457950" y="6780108"/>
+            <a:ext cx="2057400" cy="389467"/>
           </a:xfrm>
           <a:prstGeom prst="rect">
             <a:avLst/>
@@ -2654,23 +2654,23 @@
     </p:spTree>
     <p:extLst>
       <p:ext uri="{BB962C8B-B14F-4D97-AF65-F5344CB8AC3E}">
-        <p14:creationId xmlns:p14="http://schemas.microsoft.com/office/powerpoint/2010/main" val="1416423152"/>
+        <p14:creationId xmlns:p14="http://schemas.microsoft.com/office/powerpoint/2010/main" val="29444768"/>
       </p:ext>
     </p:extLst>
   </p:cSld>
   <p:clrMap bg1="lt1" tx1="dk1" bg2="lt2" tx2="dk2" accent1="accent1" accent2="accent2" accent3="accent3" accent4="accent4" accent5="accent5" accent6="accent6" hlink="hlink" folHlink="folHlink"/>
   <p:sldLayoutIdLst>
-    <p:sldLayoutId id="2147483793" r:id="rId1"/>
-    <p:sldLayoutId id="2147483794" r:id="rId2"/>
-    <p:sldLayoutId id="2147483795" r:id="rId3"/>
-    <p:sldLayoutId id="2147483796" r:id="rId4"/>
-    <p:sldLayoutId id="2147483797" r:id="rId5"/>
-    <p:sldLayoutId id="2147483798" r:id="rId6"/>
-    <p:sldLayoutId id="2147483799" r:id="rId7"/>
-    <p:sldLayoutId id="2147483800" r:id="rId8"/>
-    <p:sldLayoutId id="2147483801" r:id="rId9"/>
-    <p:sldLayoutId id="2147483802" r:id="rId10"/>
-    <p:sldLayoutId id="2147483803" r:id="rId11"/>
+    <p:sldLayoutId id="2147483805" r:id="rId1"/>
+    <p:sldLayoutId id="2147483806" r:id="rId2"/>
+    <p:sldLayoutId id="2147483807" r:id="rId3"/>
+    <p:sldLayoutId id="2147483808" r:id="rId4"/>
+    <p:sldLayoutId id="2147483809" r:id="rId5"/>
+    <p:sldLayoutId id="2147483810" r:id="rId6"/>
+    <p:sldLayoutId id="2147483811" r:id="rId7"/>
+    <p:sldLayoutId id="2147483812" r:id="rId8"/>
+    <p:sldLayoutId id="2147483813" r:id="rId9"/>
+    <p:sldLayoutId id="2147483814" r:id="rId10"/>
+    <p:sldLayoutId id="2147483815" r:id="rId11"/>
   </p:sldLayoutIdLst>
   <p:txStyles>
     <p:titleStyle>
@@ -2986,7 +2986,7 @@
         </p:nvSpPr>
         <p:spPr>
           <a:xfrm>
-            <a:off x="1114739" y="925529"/>
+            <a:off x="1114739" y="1154129"/>
             <a:ext cx="5486400" cy="5486400"/>
           </a:xfrm>
           <a:prstGeom prst="rect">
@@ -3043,7 +3043,7 @@
         </p:nvCxnSpPr>
         <p:spPr>
           <a:xfrm flipH="1" flipV="1">
-            <a:off x="3856147" y="914367"/>
+            <a:off x="3856147" y="1142967"/>
             <a:ext cx="1792" cy="5497562"/>
           </a:xfrm>
           <a:prstGeom prst="line">
@@ -3087,7 +3087,7 @@
         </p:nvCxnSpPr>
         <p:spPr>
           <a:xfrm flipV="1">
-            <a:off x="1335403" y="5621958"/>
+            <a:off x="1335403" y="5850559"/>
             <a:ext cx="0" cy="572553"/>
           </a:xfrm>
           <a:prstGeom prst="straightConnector1">
@@ -3129,7 +3129,7 @@
         </p:nvCxnSpPr>
         <p:spPr>
           <a:xfrm flipV="1">
-            <a:off x="1328394" y="6194545"/>
+            <a:off x="1328395" y="6423146"/>
             <a:ext cx="542219" cy="1"/>
           </a:xfrm>
           <a:prstGeom prst="straightConnector1">
@@ -3169,7 +3169,7 @@
         </p:nvSpPr>
         <p:spPr>
           <a:xfrm>
-            <a:off x="1789221" y="5863661"/>
+            <a:off x="1789221" y="6092261"/>
             <a:ext cx="320922" cy="369460"/>
           </a:xfrm>
           <a:prstGeom prst="rect">
@@ -3207,7 +3207,7 @@
         </p:nvSpPr>
         <p:spPr>
           <a:xfrm>
-            <a:off x="1363665" y="5402478"/>
+            <a:off x="1363665" y="5631078"/>
             <a:ext cx="320922" cy="369460"/>
           </a:xfrm>
           <a:prstGeom prst="rect">
@@ -3245,7 +3245,7 @@
         </p:nvSpPr>
         <p:spPr>
           <a:xfrm>
-            <a:off x="3544220" y="3216919"/>
+            <a:off x="3544221" y="3445519"/>
             <a:ext cx="623889" cy="369460"/>
           </a:xfrm>
           <a:prstGeom prst="rect">
@@ -3286,7 +3286,7 @@
         </p:nvSpPr>
         <p:spPr>
           <a:xfrm>
-            <a:off x="2596225" y="5786299"/>
+            <a:off x="2596226" y="6014899"/>
             <a:ext cx="1086323" cy="369460"/>
           </a:xfrm>
           <a:prstGeom prst="rect">
@@ -3326,7 +3326,7 @@
         </p:nvCxnSpPr>
         <p:spPr>
           <a:xfrm flipH="1">
-            <a:off x="2810019" y="6103695"/>
+            <a:off x="2810020" y="6332296"/>
             <a:ext cx="268147" cy="307211"/>
           </a:xfrm>
           <a:prstGeom prst="line">
@@ -3367,7 +3367,7 @@
         </p:nvSpPr>
         <p:spPr>
           <a:xfrm>
-            <a:off x="2596213" y="289785"/>
+            <a:off x="2596214" y="518385"/>
             <a:ext cx="1086323" cy="369460"/>
           </a:xfrm>
           <a:prstGeom prst="rect">
@@ -3407,7 +3407,7 @@
         </p:nvCxnSpPr>
         <p:spPr>
           <a:xfrm flipH="1">
-            <a:off x="2810019" y="607183"/>
+            <a:off x="2810020" y="835784"/>
             <a:ext cx="268147" cy="307211"/>
           </a:xfrm>
           <a:prstGeom prst="line">
@@ -3448,7 +3448,7 @@
         </p:nvSpPr>
         <p:spPr>
           <a:xfrm>
-            <a:off x="427501" y="1330945"/>
+            <a:off x="427501" y="1559545"/>
             <a:ext cx="1371600" cy="1371600"/>
           </a:xfrm>
           <a:prstGeom prst="pie">
@@ -3507,7 +3507,7 @@
         </p:nvSpPr>
         <p:spPr>
           <a:xfrm rot="16200000">
-            <a:off x="976621" y="1827638"/>
+            <a:off x="976621" y="2056238"/>
             <a:ext cx="875560" cy="369460"/>
           </a:xfrm>
           <a:prstGeom prst="rect">
@@ -3552,7 +3552,7 @@
         </p:nvSpPr>
         <p:spPr>
           <a:xfrm>
-            <a:off x="1172079" y="3590843"/>
+            <a:off x="1172080" y="3819443"/>
             <a:ext cx="1595117" cy="923714"/>
           </a:xfrm>
           <a:prstGeom prst="rect">
@@ -3614,7 +3614,7 @@
         </p:nvCxnSpPr>
         <p:spPr>
           <a:xfrm flipH="1">
-            <a:off x="1121347" y="4517775"/>
+            <a:off x="1121348" y="4746376"/>
             <a:ext cx="268147" cy="307211"/>
           </a:xfrm>
           <a:prstGeom prst="line">
@@ -3657,7 +3657,7 @@
         </p:nvCxnSpPr>
         <p:spPr>
           <a:xfrm flipH="1">
-            <a:off x="6586132" y="4517775"/>
+            <a:off x="6586133" y="4746376"/>
             <a:ext cx="268147" cy="307211"/>
           </a:xfrm>
           <a:prstGeom prst="line">
@@ -3698,7 +3698,7 @@
         </p:nvSpPr>
         <p:spPr>
           <a:xfrm>
-            <a:off x="3879185" y="4142830"/>
+            <a:off x="3879186" y="4371430"/>
             <a:ext cx="1595117" cy="369460"/>
           </a:xfrm>
           <a:prstGeom prst="rect">
@@ -3738,7 +3738,7 @@
         </p:nvCxnSpPr>
         <p:spPr>
           <a:xfrm flipH="1">
-            <a:off x="3849511" y="4517775"/>
+            <a:off x="3849512" y="4746376"/>
             <a:ext cx="268147" cy="307211"/>
           </a:xfrm>
           <a:prstGeom prst="line">
@@ -3779,7 +3779,7 @@
         </p:nvSpPr>
         <p:spPr>
           <a:xfrm>
-            <a:off x="4241043" y="1504409"/>
+            <a:off x="4241044" y="1733010"/>
             <a:ext cx="1996829" cy="1477969"/>
           </a:xfrm>
           <a:prstGeom prst="rect">
@@ -3870,7 +3870,7 @@
         </p:nvSpPr>
         <p:spPr>
           <a:xfrm>
-            <a:off x="6640782" y="3573496"/>
+            <a:off x="6640783" y="3802096"/>
             <a:ext cx="1595117" cy="923714"/>
           </a:xfrm>
           <a:prstGeom prst="rect">
@@ -3960,7 +3960,7 @@
         </p:nvSpPr>
         <p:spPr>
           <a:xfrm>
-            <a:off x="1837255" y="737496"/>
+            <a:off x="1837255" y="1058412"/>
             <a:ext cx="5486400" cy="5486400"/>
           </a:xfrm>
           <a:prstGeom prst="rect">
@@ -4017,7 +4017,7 @@
         </p:nvCxnSpPr>
         <p:spPr>
           <a:xfrm flipH="1" flipV="1">
-            <a:off x="4578663" y="726334"/>
+            <a:off x="4578663" y="1047250"/>
             <a:ext cx="1792" cy="5497562"/>
           </a:xfrm>
           <a:prstGeom prst="line">
@@ -4061,7 +4061,7 @@
         </p:nvCxnSpPr>
         <p:spPr>
           <a:xfrm flipV="1">
-            <a:off x="2057919" y="5433926"/>
+            <a:off x="2057919" y="5754843"/>
             <a:ext cx="0" cy="572553"/>
           </a:xfrm>
           <a:prstGeom prst="straightConnector1">
@@ -4103,7 +4103,7 @@
         </p:nvCxnSpPr>
         <p:spPr>
           <a:xfrm flipV="1">
-            <a:off x="2050911" y="6006509"/>
+            <a:off x="2050912" y="6327426"/>
             <a:ext cx="542219" cy="1"/>
           </a:xfrm>
           <a:prstGeom prst="straightConnector1">
@@ -4143,7 +4143,7 @@
         </p:nvSpPr>
         <p:spPr>
           <a:xfrm>
-            <a:off x="2511737" y="5675628"/>
+            <a:off x="2511737" y="5996544"/>
             <a:ext cx="320922" cy="369460"/>
           </a:xfrm>
           <a:prstGeom prst="rect">
@@ -4181,7 +4181,7 @@
         </p:nvSpPr>
         <p:spPr>
           <a:xfrm>
-            <a:off x="2086181" y="5214446"/>
+            <a:off x="2086181" y="5535362"/>
             <a:ext cx="320922" cy="369460"/>
           </a:xfrm>
           <a:prstGeom prst="rect">
@@ -4219,7 +4219,7 @@
         </p:nvSpPr>
         <p:spPr>
           <a:xfrm>
-            <a:off x="4266735" y="3028884"/>
+            <a:off x="4266736" y="3349800"/>
             <a:ext cx="623889" cy="369460"/>
           </a:xfrm>
           <a:prstGeom prst="rect">
@@ -4260,8 +4260,8 @@
         </p:nvSpPr>
         <p:spPr>
           <a:xfrm>
-            <a:off x="3318730" y="5598266"/>
-            <a:ext cx="1086323" cy="369460"/>
+            <a:off x="3318731" y="5598261"/>
+            <a:ext cx="1294713" cy="646587"/>
           </a:xfrm>
           <a:prstGeom prst="rect">
             <a:avLst/>
@@ -4280,6 +4280,19 @@
                 <a:ea typeface="Verdana" panose="020B0604030504040204" pitchFamily="34" charset="0"/>
               </a:rPr>
               <a:t>Periodic</a:t>
+            </a:r>
+            <a:br>
+              <a:rPr lang="en-US" sz="1801" dirty="0">
+                <a:latin typeface="Verdana" panose="020B0604030504040204" pitchFamily="34" charset="0"/>
+                <a:ea typeface="Verdana" panose="020B0604030504040204" pitchFamily="34" charset="0"/>
+              </a:rPr>
+            </a:br>
+            <a:r>
+              <a:rPr lang="en-US" sz="1801" dirty="0">
+                <a:latin typeface="Verdana" panose="020B0604030504040204" pitchFamily="34" charset="0"/>
+                <a:ea typeface="Verdana" panose="020B0604030504040204" pitchFamily="34" charset="0"/>
+              </a:rPr>
+              <a:t>(Periodic)</a:t>
             </a:r>
           </a:p>
         </p:txBody>
@@ -4300,7 +4313,7 @@
         </p:nvCxnSpPr>
         <p:spPr>
           <a:xfrm flipH="1">
-            <a:off x="3532523" y="5915669"/>
+            <a:off x="3532524" y="6236586"/>
             <a:ext cx="268147" cy="307211"/>
           </a:xfrm>
           <a:prstGeom prst="line">
@@ -4341,8 +4354,8 @@
         </p:nvSpPr>
         <p:spPr>
           <a:xfrm>
-            <a:off x="3318730" y="101748"/>
-            <a:ext cx="1086323" cy="369460"/>
+            <a:off x="3318731" y="104898"/>
+            <a:ext cx="1294713" cy="646587"/>
           </a:xfrm>
           <a:prstGeom prst="rect">
             <a:avLst/>
@@ -4361,6 +4374,19 @@
                 <a:ea typeface="Verdana" panose="020B0604030504040204" pitchFamily="34" charset="0"/>
               </a:rPr>
               <a:t>Periodic</a:t>
+            </a:r>
+            <a:br>
+              <a:rPr lang="en-US" sz="1801" dirty="0">
+                <a:latin typeface="Verdana" panose="020B0604030504040204" pitchFamily="34" charset="0"/>
+                <a:ea typeface="Verdana" panose="020B0604030504040204" pitchFamily="34" charset="0"/>
+              </a:rPr>
+            </a:br>
+            <a:r>
+              <a:rPr lang="en-US" sz="1801" dirty="0">
+                <a:latin typeface="Verdana" panose="020B0604030504040204" pitchFamily="34" charset="0"/>
+                <a:ea typeface="Verdana" panose="020B0604030504040204" pitchFamily="34" charset="0"/>
+              </a:rPr>
+              <a:t>(Periodic)</a:t>
             </a:r>
           </a:p>
         </p:txBody>
@@ -4381,7 +4407,7 @@
         </p:nvCxnSpPr>
         <p:spPr>
           <a:xfrm flipH="1">
-            <a:off x="3532523" y="419146"/>
+            <a:off x="3532524" y="740063"/>
             <a:ext cx="268147" cy="307211"/>
           </a:xfrm>
           <a:prstGeom prst="line">
@@ -4422,7 +4448,7 @@
         </p:nvSpPr>
         <p:spPr>
           <a:xfrm>
-            <a:off x="1150017" y="1142906"/>
+            <a:off x="1150017" y="1463822"/>
             <a:ext cx="1371600" cy="1371600"/>
           </a:xfrm>
           <a:prstGeom prst="pie">
@@ -4481,7 +4507,7 @@
         </p:nvSpPr>
         <p:spPr>
           <a:xfrm rot="16200000">
-            <a:off x="1699133" y="1639605"/>
+            <a:off x="1699133" y="1960521"/>
             <a:ext cx="875560" cy="369460"/>
           </a:xfrm>
           <a:prstGeom prst="rect">
@@ -4526,7 +4552,7 @@
         </p:nvSpPr>
         <p:spPr>
           <a:xfrm>
-            <a:off x="1894585" y="3402814"/>
+            <a:off x="1894586" y="4079817"/>
             <a:ext cx="1595117" cy="923714"/>
           </a:xfrm>
           <a:prstGeom prst="rect">
@@ -4588,7 +4614,7 @@
         </p:nvCxnSpPr>
         <p:spPr>
           <a:xfrm flipH="1">
-            <a:off x="1843857" y="4329737"/>
+            <a:off x="1843858" y="5006741"/>
             <a:ext cx="268147" cy="307211"/>
           </a:xfrm>
           <a:prstGeom prst="line">
@@ -4631,7 +4657,7 @@
         </p:nvCxnSpPr>
         <p:spPr>
           <a:xfrm flipH="1">
-            <a:off x="7308651" y="4329737"/>
+            <a:off x="7308652" y="5006741"/>
             <a:ext cx="268147" cy="307211"/>
           </a:xfrm>
           <a:prstGeom prst="line">
@@ -4672,7 +4698,7 @@
         </p:nvSpPr>
         <p:spPr>
           <a:xfrm>
-            <a:off x="4601704" y="3954801"/>
+            <a:off x="4601705" y="4631804"/>
             <a:ext cx="1595117" cy="369460"/>
           </a:xfrm>
           <a:prstGeom prst="rect">
@@ -4712,7 +4738,7 @@
         </p:nvCxnSpPr>
         <p:spPr>
           <a:xfrm flipH="1">
-            <a:off x="4572027" y="4329737"/>
+            <a:off x="4572028" y="5006741"/>
             <a:ext cx="268147" cy="307211"/>
           </a:xfrm>
           <a:prstGeom prst="line">
@@ -4753,7 +4779,7 @@
         </p:nvSpPr>
         <p:spPr>
           <a:xfrm>
-            <a:off x="4963558" y="1316380"/>
+            <a:off x="4987544" y="3079261"/>
             <a:ext cx="1996829" cy="1477969"/>
           </a:xfrm>
           <a:prstGeom prst="rect">
@@ -4844,8 +4870,8 @@
         </p:nvSpPr>
         <p:spPr>
           <a:xfrm>
-            <a:off x="7363289" y="3385458"/>
-            <a:ext cx="1595117" cy="923714"/>
+            <a:off x="7374383" y="4631804"/>
+            <a:ext cx="1086323" cy="369460"/>
           </a:xfrm>
           <a:prstGeom prst="rect">
             <a:avLst/>
@@ -4864,28 +4890,6 @@
                 <a:ea typeface="Verdana" panose="020B0604030504040204" pitchFamily="34" charset="0"/>
               </a:rPr>
               <a:t>Periodic</a:t>
-            </a:r>
-          </a:p>
-          <a:p>
-            <a:r>
-              <a:rPr lang="en-US" sz="1801" dirty="0">
-                <a:latin typeface="Verdana" panose="020B0604030504040204" pitchFamily="34" charset="0"/>
-                <a:ea typeface="Verdana" panose="020B0604030504040204" pitchFamily="34" charset="0"/>
-              </a:rPr>
-              <a:t>(Symmetry)</a:t>
-            </a:r>
-            <a:br>
-              <a:rPr lang="en-US" sz="1801" dirty="0">
-                <a:latin typeface="Verdana" panose="020B0604030504040204" pitchFamily="34" charset="0"/>
-                <a:ea typeface="Verdana" panose="020B0604030504040204" pitchFamily="34" charset="0"/>
-              </a:rPr>
-            </a:br>
-            <a:r>
-              <a:rPr lang="en-US" sz="1801" dirty="0">
-                <a:latin typeface="Verdana" panose="020B0604030504040204" pitchFamily="34" charset="0"/>
-                <a:ea typeface="Verdana" panose="020B0604030504040204" pitchFamily="34" charset="0"/>
-              </a:rPr>
-              <a:t>(GNBC)</a:t>
             </a:r>
           </a:p>
         </p:txBody>
@@ -4906,7 +4910,7 @@
         </p:nvCxnSpPr>
         <p:spPr>
           <a:xfrm>
-            <a:off x="709002" y="737498"/>
+            <a:off x="709002" y="1058414"/>
             <a:ext cx="0" cy="5485354"/>
           </a:xfrm>
           <a:prstGeom prst="straightConnector1">
@@ -4948,7 +4952,7 @@
         </p:nvCxnSpPr>
         <p:spPr>
           <a:xfrm flipH="1">
-            <a:off x="554184" y="737496"/>
+            <a:off x="554185" y="1058412"/>
             <a:ext cx="1182647" cy="0"/>
           </a:xfrm>
           <a:prstGeom prst="line">
@@ -4991,7 +4995,7 @@
         </p:nvCxnSpPr>
         <p:spPr>
           <a:xfrm flipH="1">
-            <a:off x="581893" y="6222850"/>
+            <a:off x="581893" y="6543766"/>
             <a:ext cx="1151764" cy="0"/>
           </a:xfrm>
           <a:prstGeom prst="line">
@@ -5032,7 +5036,7 @@
         </p:nvSpPr>
         <p:spPr>
           <a:xfrm>
-            <a:off x="352895" y="3290449"/>
+            <a:off x="352895" y="3611365"/>
             <a:ext cx="728084" cy="369460"/>
           </a:xfrm>
           <a:prstGeom prst="rect">
@@ -5082,7 +5086,7 @@
         </p:nvCxnSpPr>
         <p:spPr>
           <a:xfrm flipV="1">
-            <a:off x="1293220" y="737496"/>
+            <a:off x="1293220" y="1058412"/>
             <a:ext cx="0" cy="1077950"/>
           </a:xfrm>
           <a:prstGeom prst="straightConnector1">
@@ -5124,7 +5128,7 @@
         </p:nvCxnSpPr>
         <p:spPr>
           <a:xfrm flipH="1">
-            <a:off x="1099359" y="1801935"/>
+            <a:off x="1099359" y="2122851"/>
             <a:ext cx="634298" cy="0"/>
           </a:xfrm>
           <a:prstGeom prst="line">
@@ -5165,7 +5169,7 @@
         </p:nvSpPr>
         <p:spPr>
           <a:xfrm>
-            <a:off x="803953" y="1129396"/>
+            <a:off x="803954" y="1450312"/>
             <a:ext cx="974947" cy="369460"/>
           </a:xfrm>
           <a:prstGeom prst="rect">
@@ -5215,7 +5219,7 @@
         </p:nvCxnSpPr>
         <p:spPr>
           <a:xfrm flipV="1">
-            <a:off x="3127405" y="1129679"/>
+            <a:off x="3127405" y="1450596"/>
             <a:ext cx="0" cy="1384859"/>
           </a:xfrm>
           <a:prstGeom prst="straightConnector1">
@@ -5257,7 +5261,7 @@
         </p:nvCxnSpPr>
         <p:spPr>
           <a:xfrm flipH="1">
-            <a:off x="1822073" y="2514506"/>
+            <a:off x="1822074" y="2835422"/>
             <a:ext cx="1443641" cy="0"/>
           </a:xfrm>
           <a:prstGeom prst="line">
@@ -5298,7 +5302,7 @@
         </p:nvSpPr>
         <p:spPr>
           <a:xfrm>
-            <a:off x="2633903" y="1600484"/>
+            <a:off x="2633904" y="1921400"/>
             <a:ext cx="974947" cy="369460"/>
           </a:xfrm>
           <a:prstGeom prst="rect">
@@ -5348,7 +5352,7 @@
         </p:nvCxnSpPr>
         <p:spPr>
           <a:xfrm flipH="1">
-            <a:off x="1843840" y="1129647"/>
+            <a:off x="1843840" y="1450563"/>
             <a:ext cx="1421874" cy="0"/>
           </a:xfrm>
           <a:prstGeom prst="line">
@@ -5391,7 +5395,7 @@
         </p:nvCxnSpPr>
         <p:spPr>
           <a:xfrm flipH="1">
-            <a:off x="1837270" y="6338026"/>
+            <a:off x="1837271" y="6658942"/>
             <a:ext cx="1" cy="340858"/>
           </a:xfrm>
           <a:prstGeom prst="line">
@@ -5434,7 +5438,7 @@
         </p:nvCxnSpPr>
         <p:spPr>
           <a:xfrm flipH="1">
-            <a:off x="4572035" y="6333991"/>
+            <a:off x="4572036" y="6654907"/>
             <a:ext cx="1" cy="344892"/>
           </a:xfrm>
           <a:prstGeom prst="line">
@@ -5477,7 +5481,7 @@
         </p:nvCxnSpPr>
         <p:spPr>
           <a:xfrm flipH="1">
-            <a:off x="1837269" y="6540257"/>
+            <a:off x="1837270" y="6861173"/>
             <a:ext cx="2741409" cy="0"/>
           </a:xfrm>
           <a:prstGeom prst="straightConnector1">
@@ -5517,7 +5521,7 @@
         </p:nvSpPr>
         <p:spPr>
           <a:xfrm>
-            <a:off x="2846112" y="6345956"/>
+            <a:off x="2846112" y="6666872"/>
             <a:ext cx="728084" cy="369460"/>
           </a:xfrm>
           <a:prstGeom prst="rect">
@@ -5548,6 +5552,65 @@
               <a:rPr lang="en-US" sz="1801" dirty="0"/>
               <a:t>1cm</a:t>
             </a:r>
+          </a:p>
+        </p:txBody>
+      </p:sp>
+      <p:sp>
+        <p:nvSpPr>
+          <p:cNvPr id="49" name="Partial Circle 48">
+            <a:extLst>
+              <a:ext uri="{FF2B5EF4-FFF2-40B4-BE49-F238E27FC236}">
+                <a16:creationId xmlns:a16="http://schemas.microsoft.com/office/drawing/2014/main" id="{2AB93BE3-111B-47A8-9833-FCA5031C4AA5}"/>
+              </a:ext>
+            </a:extLst>
+          </p:cNvPr>
+          <p:cNvSpPr/>
+          <p:nvPr/>
+        </p:nvSpPr>
+        <p:spPr>
+          <a:xfrm rot="10800000">
+            <a:off x="6639079" y="1463822"/>
+            <a:ext cx="1371600" cy="1371600"/>
+          </a:xfrm>
+          <a:prstGeom prst="pie">
+            <a:avLst>
+              <a:gd name="adj1" fmla="val 16194114"/>
+              <a:gd name="adj2" fmla="val 5389866"/>
+            </a:avLst>
+          </a:prstGeom>
+          <a:solidFill>
+            <a:schemeClr val="bg1">
+              <a:lumMod val="85000"/>
+            </a:schemeClr>
+          </a:solidFill>
+          <a:ln w="57150">
+            <a:solidFill>
+              <a:schemeClr val="tx1"/>
+            </a:solidFill>
+          </a:ln>
+        </p:spPr>
+        <p:style>
+          <a:lnRef idx="2">
+            <a:schemeClr val="accent1">
+              <a:shade val="50000"/>
+            </a:schemeClr>
+          </a:lnRef>
+          <a:fillRef idx="1">
+            <a:schemeClr val="accent1"/>
+          </a:fillRef>
+          <a:effectRef idx="0">
+            <a:schemeClr val="accent1"/>
+          </a:effectRef>
+          <a:fontRef idx="minor">
+            <a:schemeClr val="lt1"/>
+          </a:fontRef>
+        </p:style>
+        <p:txBody>
+          <a:bodyPr rtlCol="0" anchor="ctr"/>
+          <a:lstStyle/>
+          <a:p>
+            <a:pPr algn="ctr"/>
+            <a:endParaRPr lang="en-US" sz="1350"/>
           </a:p>
         </p:txBody>
       </p:sp>
